--- a/QCDMA_2025BSZ8209.pptx
+++ b/QCDMA_2025BSZ8209.pptx
@@ -5,26 +5,35 @@
     <p:sldMasterId id="2147483648" r:id="rId1"/>
   </p:sldMasterIdLst>
   <p:notesMasterIdLst>
-    <p:notesMasterId r:id="rId19"/>
+    <p:notesMasterId r:id="rId28"/>
   </p:notesMasterIdLst>
   <p:sldIdLst>
-    <p:sldId id="258" r:id="rId2"/>
-    <p:sldId id="257" r:id="rId3"/>
-    <p:sldId id="261" r:id="rId4"/>
-    <p:sldId id="262" r:id="rId5"/>
-    <p:sldId id="263" r:id="rId6"/>
-    <p:sldId id="267" r:id="rId7"/>
-    <p:sldId id="266" r:id="rId8"/>
-    <p:sldId id="264" r:id="rId9"/>
-    <p:sldId id="265" r:id="rId10"/>
-    <p:sldId id="269" r:id="rId11"/>
-    <p:sldId id="268" r:id="rId12"/>
-    <p:sldId id="271" r:id="rId13"/>
-    <p:sldId id="270" r:id="rId14"/>
-    <p:sldId id="273" r:id="rId15"/>
-    <p:sldId id="272" r:id="rId16"/>
-    <p:sldId id="275" r:id="rId17"/>
-    <p:sldId id="274" r:id="rId18"/>
+    <p:sldId id="283" r:id="rId2"/>
+    <p:sldId id="258" r:id="rId3"/>
+    <p:sldId id="276" r:id="rId4"/>
+    <p:sldId id="279" r:id="rId5"/>
+    <p:sldId id="281" r:id="rId6"/>
+    <p:sldId id="280" r:id="rId7"/>
+    <p:sldId id="278" r:id="rId8"/>
+    <p:sldId id="277" r:id="rId9"/>
+    <p:sldId id="257" r:id="rId10"/>
+    <p:sldId id="261" r:id="rId11"/>
+    <p:sldId id="262" r:id="rId12"/>
+    <p:sldId id="263" r:id="rId13"/>
+    <p:sldId id="267" r:id="rId14"/>
+    <p:sldId id="266" r:id="rId15"/>
+    <p:sldId id="264" r:id="rId16"/>
+    <p:sldId id="265" r:id="rId17"/>
+    <p:sldId id="269" r:id="rId18"/>
+    <p:sldId id="268" r:id="rId19"/>
+    <p:sldId id="271" r:id="rId20"/>
+    <p:sldId id="270" r:id="rId21"/>
+    <p:sldId id="273" r:id="rId22"/>
+    <p:sldId id="272" r:id="rId23"/>
+    <p:sldId id="275" r:id="rId24"/>
+    <p:sldId id="282" r:id="rId25"/>
+    <p:sldId id="284" r:id="rId26"/>
+    <p:sldId id="274" r:id="rId27"/>
   </p:sldIdLst>
   <p:sldSz cx="12192000" cy="6858000"/>
   <p:notesSz cx="6858000" cy="9144000"/>
@@ -123,13 +132,18 @@
       </a:defRPr>
     </a:lvl9pPr>
   </p:defaultTextStyle>
+  <p:extLst>
+    <p:ext uri="{EFAFB233-063F-42B5-8137-9DF3F51BA10A}">
+      <p15:sldGuideLst xmlns:p15="http://schemas.microsoft.com/office/powerpoint/2012/main"/>
+    </p:ext>
+  </p:extLst>
 </p:presentation>
 </file>
 
 <file path=ppt/revisionInfo.xml><?xml version="1.0" encoding="utf-8"?>
 <p1510:revInfo xmlns:a="http://schemas.openxmlformats.org/drawingml/2006/main" xmlns:r="http://schemas.openxmlformats.org/officeDocument/2006/relationships" xmlns:p1510="http://schemas.microsoft.com/office/powerpoint/2015/10/main">
   <p1510:revLst>
-    <p1510:client id="{F3027B4D-F2C7-4AF1-BD8C-C15A483DEF1B}" v="17" dt="2025-12-05T12:50:48.381"/>
+    <p1510:client id="{F3027B4D-F2C7-4AF1-BD8C-C15A483DEF1B}" v="25" dt="2025-12-08T13:43:37.931"/>
   </p1510:revLst>
 </p1510:revInfo>
 </file>
@@ -139,62 +153,23 @@
   <pc:docChgLst>
     <pc:chgData name="SOUMEN DAS" userId="b9afea382c7b7ba7" providerId="LiveId" clId="{23571449-6439-43B7-ABFF-726B2DB69ECF}"/>
     <pc:docChg chg="undo custSel addSld delSld modSld sldOrd">
-      <pc:chgData name="SOUMEN DAS" userId="b9afea382c7b7ba7" providerId="LiveId" clId="{23571449-6439-43B7-ABFF-726B2DB69ECF}" dt="2025-12-05T12:51:46.512" v="245" actId="1076"/>
+      <pc:chgData name="SOUMEN DAS" userId="b9afea382c7b7ba7" providerId="LiveId" clId="{23571449-6439-43B7-ABFF-726B2DB69ECF}" dt="2025-12-08T13:46:05.648" v="871"/>
       <pc:docMkLst>
         <pc:docMk/>
       </pc:docMkLst>
-      <pc:sldChg chg="addSp delSp modSp del mod">
-        <pc:chgData name="SOUMEN DAS" userId="b9afea382c7b7ba7" providerId="LiveId" clId="{23571449-6439-43B7-ABFF-726B2DB69ECF}" dt="2025-12-05T12:50:07.966" v="200" actId="47"/>
-        <pc:sldMkLst>
-          <pc:docMk/>
-          <pc:sldMk cId="3174466965" sldId="256"/>
-        </pc:sldMkLst>
-        <pc:spChg chg="add mod">
-          <ac:chgData name="SOUMEN DAS" userId="b9afea382c7b7ba7" providerId="LiveId" clId="{23571449-6439-43B7-ABFF-726B2DB69ECF}" dt="2025-12-05T12:48:23.698" v="171" actId="767"/>
-          <ac:spMkLst>
-            <pc:docMk/>
-            <pc:sldMk cId="3174466965" sldId="256"/>
-            <ac:spMk id="4" creationId="{C498D678-0B19-46D5-D1D6-4881EF1C8277}"/>
-          </ac:spMkLst>
-        </pc:spChg>
-        <pc:spChg chg="add del mod">
-          <ac:chgData name="SOUMEN DAS" userId="b9afea382c7b7ba7" providerId="LiveId" clId="{23571449-6439-43B7-ABFF-726B2DB69ECF}" dt="2025-12-05T12:49:30.662" v="193" actId="21"/>
-          <ac:spMkLst>
-            <pc:docMk/>
-            <pc:sldMk cId="3174466965" sldId="256"/>
-            <ac:spMk id="5" creationId="{31964230-E198-31EA-CAD7-CCC4DE7044CA}"/>
-          </ac:spMkLst>
-        </pc:spChg>
-        <pc:spChg chg="add del mod">
-          <ac:chgData name="SOUMEN DAS" userId="b9afea382c7b7ba7" providerId="LiveId" clId="{23571449-6439-43B7-ABFF-726B2DB69ECF}" dt="2025-12-05T12:48:34.807" v="176"/>
-          <ac:spMkLst>
-            <pc:docMk/>
-            <pc:sldMk cId="3174466965" sldId="256"/>
-            <ac:spMk id="6" creationId="{1C71883A-70FB-D307-3280-13FB9200DCDF}"/>
-          </ac:spMkLst>
-        </pc:spChg>
-      </pc:sldChg>
       <pc:sldChg chg="ord">
-        <pc:chgData name="SOUMEN DAS" userId="b9afea382c7b7ba7" providerId="LiveId" clId="{23571449-6439-43B7-ABFF-726B2DB69ECF}" dt="2025-12-05T09:26:11.217" v="1"/>
+        <pc:chgData name="SOUMEN DAS" userId="b9afea382c7b7ba7" providerId="LiveId" clId="{23571449-6439-43B7-ABFF-726B2DB69ECF}" dt="2025-12-08T13:46:05.648" v="871"/>
         <pc:sldMkLst>
           <pc:docMk/>
           <pc:sldMk cId="1117631229" sldId="257"/>
         </pc:sldMkLst>
       </pc:sldChg>
       <pc:sldChg chg="addSp delSp modSp mod">
-        <pc:chgData name="SOUMEN DAS" userId="b9afea382c7b7ba7" providerId="LiveId" clId="{23571449-6439-43B7-ABFF-726B2DB69ECF}" dt="2025-12-05T12:51:46.512" v="245" actId="1076"/>
+        <pc:chgData name="SOUMEN DAS" userId="b9afea382c7b7ba7" providerId="LiveId" clId="{23571449-6439-43B7-ABFF-726B2DB69ECF}" dt="2025-12-08T13:40:50.048" v="818" actId="478"/>
         <pc:sldMkLst>
           <pc:docMk/>
           <pc:sldMk cId="1775201242" sldId="258"/>
         </pc:sldMkLst>
-        <pc:spChg chg="add del mod">
-          <ac:chgData name="SOUMEN DAS" userId="b9afea382c7b7ba7" providerId="LiveId" clId="{23571449-6439-43B7-ABFF-726B2DB69ECF}" dt="2025-12-05T12:50:44.860" v="207"/>
-          <ac:spMkLst>
-            <pc:docMk/>
-            <pc:sldMk cId="1775201242" sldId="258"/>
-            <ac:spMk id="4" creationId="{45D805B9-D6F6-BFD4-4B56-1C6020EFE258}"/>
-          </ac:spMkLst>
-        </pc:spChg>
         <pc:spChg chg="add mod">
           <ac:chgData name="SOUMEN DAS" userId="b9afea382c7b7ba7" providerId="LiveId" clId="{23571449-6439-43B7-ABFF-726B2DB69ECF}" dt="2025-12-05T12:51:46.512" v="245" actId="1076"/>
           <ac:spMkLst>
@@ -203,32 +178,8 @@
             <ac:spMk id="5" creationId="{31964230-E198-31EA-CAD7-CCC4DE7044CA}"/>
           </ac:spMkLst>
         </pc:spChg>
-        <pc:spChg chg="add mod">
-          <ac:chgData name="SOUMEN DAS" userId="b9afea382c7b7ba7" providerId="LiveId" clId="{23571449-6439-43B7-ABFF-726B2DB69ECF}" dt="2025-12-05T12:50:38.935" v="203" actId="767"/>
-          <ac:spMkLst>
-            <pc:docMk/>
-            <pc:sldMk cId="1775201242" sldId="258"/>
-            <ac:spMk id="6" creationId="{4E699207-96F0-F819-D372-9B6881AC5063}"/>
-          </ac:spMkLst>
-        </pc:spChg>
         <pc:spChg chg="add del mod">
-          <ac:chgData name="SOUMEN DAS" userId="b9afea382c7b7ba7" providerId="LiveId" clId="{23571449-6439-43B7-ABFF-726B2DB69ECF}" dt="2025-12-05T12:50:44.860" v="209"/>
-          <ac:spMkLst>
-            <pc:docMk/>
-            <pc:sldMk cId="1775201242" sldId="258"/>
-            <ac:spMk id="7" creationId="{E8B01127-B46A-C21E-29CF-388F9012C0D9}"/>
-          </ac:spMkLst>
-        </pc:spChg>
-        <pc:spChg chg="add del mod">
-          <ac:chgData name="SOUMEN DAS" userId="b9afea382c7b7ba7" providerId="LiveId" clId="{23571449-6439-43B7-ABFF-726B2DB69ECF}" dt="2025-12-05T12:50:44.860" v="211"/>
-          <ac:spMkLst>
-            <pc:docMk/>
-            <pc:sldMk cId="1775201242" sldId="258"/>
-            <ac:spMk id="8" creationId="{2791991B-8B57-9B87-6FBE-A8E85E164F56}"/>
-          </ac:spMkLst>
-        </pc:spChg>
-        <pc:spChg chg="add mod">
-          <ac:chgData name="SOUMEN DAS" userId="b9afea382c7b7ba7" providerId="LiveId" clId="{23571449-6439-43B7-ABFF-726B2DB69ECF}" dt="2025-12-05T12:51:33.228" v="242" actId="207"/>
+          <ac:chgData name="SOUMEN DAS" userId="b9afea382c7b7ba7" providerId="LiveId" clId="{23571449-6439-43B7-ABFF-726B2DB69ECF}" dt="2025-12-08T13:40:50.048" v="818" actId="478"/>
           <ac:spMkLst>
             <pc:docMk/>
             <pc:sldMk cId="1775201242" sldId="258"/>
@@ -244,80 +195,18 @@
           </ac:picMkLst>
         </pc:picChg>
       </pc:sldChg>
-      <pc:sldChg chg="addSp delSp modSp del mod">
-        <pc:chgData name="SOUMEN DAS" userId="b9afea382c7b7ba7" providerId="LiveId" clId="{23571449-6439-43B7-ABFF-726B2DB69ECF}" dt="2025-12-05T09:36:27.920" v="39" actId="47"/>
-        <pc:sldMkLst>
-          <pc:docMk/>
-          <pc:sldMk cId="163668523" sldId="259"/>
-        </pc:sldMkLst>
-        <pc:picChg chg="add del mod">
-          <ac:chgData name="SOUMEN DAS" userId="b9afea382c7b7ba7" providerId="LiveId" clId="{23571449-6439-43B7-ABFF-726B2DB69ECF}" dt="2025-12-05T09:32:04.232" v="27" actId="478"/>
-          <ac:picMkLst>
-            <pc:docMk/>
-            <pc:sldMk cId="163668523" sldId="259"/>
-            <ac:picMk id="3" creationId="{FA111DAF-EB92-C605-8F93-DDB0DEDB097C}"/>
-          </ac:picMkLst>
-        </pc:picChg>
-        <pc:picChg chg="add del mod">
-          <ac:chgData name="SOUMEN DAS" userId="b9afea382c7b7ba7" providerId="LiveId" clId="{23571449-6439-43B7-ABFF-726B2DB69ECF}" dt="2025-12-05T09:30:02.152" v="21" actId="22"/>
-          <ac:picMkLst>
-            <pc:docMk/>
-            <pc:sldMk cId="163668523" sldId="259"/>
-            <ac:picMk id="5" creationId="{285DD59F-103A-B165-BAC4-3EAEB30E4957}"/>
-          </ac:picMkLst>
-        </pc:picChg>
-        <pc:picChg chg="add mod">
-          <ac:chgData name="SOUMEN DAS" userId="b9afea382c7b7ba7" providerId="LiveId" clId="{23571449-6439-43B7-ABFF-726B2DB69ECF}" dt="2025-12-05T09:34:05.872" v="35" actId="14100"/>
-          <ac:picMkLst>
-            <pc:docMk/>
-            <pc:sldMk cId="163668523" sldId="259"/>
-            <ac:picMk id="7" creationId="{BF5734B5-A30C-8491-68BC-6410F866BB08}"/>
-          </ac:picMkLst>
-        </pc:picChg>
-      </pc:sldChg>
-      <pc:sldChg chg="addSp modSp del mod">
-        <pc:chgData name="SOUMEN DAS" userId="b9afea382c7b7ba7" providerId="LiveId" clId="{23571449-6439-43B7-ABFF-726B2DB69ECF}" dt="2025-12-05T09:36:28.847" v="40" actId="47"/>
-        <pc:sldMkLst>
-          <pc:docMk/>
-          <pc:sldMk cId="1947722775" sldId="260"/>
-        </pc:sldMkLst>
-        <pc:picChg chg="add mod">
-          <ac:chgData name="SOUMEN DAS" userId="b9afea382c7b7ba7" providerId="LiveId" clId="{23571449-6439-43B7-ABFF-726B2DB69ECF}" dt="2025-12-05T09:33:54.809" v="33" actId="14100"/>
-          <ac:picMkLst>
-            <pc:docMk/>
-            <pc:sldMk cId="1947722775" sldId="260"/>
-            <ac:picMk id="3" creationId="{47D22F88-0AA6-8ACF-ECB5-AC8E30BE65C6}"/>
-          </ac:picMkLst>
-        </pc:picChg>
-      </pc:sldChg>
       <pc:sldChg chg="addSp delSp modSp mod">
         <pc:chgData name="SOUMEN DAS" userId="b9afea382c7b7ba7" providerId="LiveId" clId="{23571449-6439-43B7-ABFF-726B2DB69ECF}" dt="2025-12-05T12:31:59.719" v="54" actId="14100"/>
         <pc:sldMkLst>
           <pc:docMk/>
           <pc:sldMk cId="344313437" sldId="261"/>
         </pc:sldMkLst>
-        <pc:picChg chg="add del mod">
-          <ac:chgData name="SOUMEN DAS" userId="b9afea382c7b7ba7" providerId="LiveId" clId="{23571449-6439-43B7-ABFF-726B2DB69ECF}" dt="2025-12-05T09:36:26.950" v="38" actId="478"/>
-          <ac:picMkLst>
-            <pc:docMk/>
-            <pc:sldMk cId="344313437" sldId="261"/>
-            <ac:picMk id="3" creationId="{D30B16DD-8155-C348-5B32-6584352EB678}"/>
-          </ac:picMkLst>
-        </pc:picChg>
         <pc:picChg chg="add mod">
           <ac:chgData name="SOUMEN DAS" userId="b9afea382c7b7ba7" providerId="LiveId" clId="{23571449-6439-43B7-ABFF-726B2DB69ECF}" dt="2025-12-05T12:31:59.719" v="54" actId="14100"/>
           <ac:picMkLst>
             <pc:docMk/>
             <pc:sldMk cId="344313437" sldId="261"/>
             <ac:picMk id="5" creationId="{C4B3304C-576C-9E10-4F56-F69BF59D6821}"/>
-          </ac:picMkLst>
-        </pc:picChg>
-        <pc:picChg chg="add del mod">
-          <ac:chgData name="SOUMEN DAS" userId="b9afea382c7b7ba7" providerId="LiveId" clId="{23571449-6439-43B7-ABFF-726B2DB69ECF}" dt="2025-12-05T12:31:46.775" v="48" actId="21"/>
-          <ac:picMkLst>
-            <pc:docMk/>
-            <pc:sldMk cId="344313437" sldId="261"/>
-            <ac:picMk id="7" creationId="{5139FFE1-839E-E579-0427-4FE18FFC33FB}"/>
           </ac:picMkLst>
         </pc:picChg>
       </pc:sldChg>
@@ -387,14 +276,6 @@
           <pc:docMk/>
           <pc:sldMk cId="1013028364" sldId="266"/>
         </pc:sldMkLst>
-        <pc:picChg chg="add del mod">
-          <ac:chgData name="SOUMEN DAS" userId="b9afea382c7b7ba7" providerId="LiveId" clId="{23571449-6439-43B7-ABFF-726B2DB69ECF}" dt="2025-12-05T12:34:28.906" v="72" actId="22"/>
-          <ac:picMkLst>
-            <pc:docMk/>
-            <pc:sldMk cId="1013028364" sldId="266"/>
-            <ac:picMk id="3" creationId="{E2F6DAAB-F6EE-738A-D4FF-D03732CF631F}"/>
-          </ac:picMkLst>
-        </pc:picChg>
         <pc:picChg chg="add mod">
           <ac:chgData name="SOUMEN DAS" userId="b9afea382c7b7ba7" providerId="LiveId" clId="{23571449-6439-43B7-ABFF-726B2DB69ECF}" dt="2025-12-05T12:35:11.790" v="78" actId="14100"/>
           <ac:picMkLst>
@@ -440,14 +321,6 @@
           <pc:docMk/>
           <pc:sldMk cId="2191267627" sldId="269"/>
         </pc:sldMkLst>
-        <pc:picChg chg="add del mod">
-          <ac:chgData name="SOUMEN DAS" userId="b9afea382c7b7ba7" providerId="LiveId" clId="{23571449-6439-43B7-ABFF-726B2DB69ECF}" dt="2025-12-05T12:37:12.446" v="96" actId="22"/>
-          <ac:picMkLst>
-            <pc:docMk/>
-            <pc:sldMk cId="2191267627" sldId="269"/>
-            <ac:picMk id="3" creationId="{A49F9A97-037D-1961-2480-0F2B22836654}"/>
-          </ac:picMkLst>
-        </pc:picChg>
         <pc:picChg chg="add mod">
           <ac:chgData name="SOUMEN DAS" userId="b9afea382c7b7ba7" providerId="LiveId" clId="{23571449-6439-43B7-ABFF-726B2DB69ECF}" dt="2025-12-05T12:37:40.663" v="100" actId="14100"/>
           <ac:picMkLst>
@@ -523,22 +396,6 @@
           <pc:docMk/>
           <pc:sldMk cId="100433776" sldId="274"/>
         </pc:sldMkLst>
-        <pc:spChg chg="add del mod">
-          <ac:chgData name="SOUMEN DAS" userId="b9afea382c7b7ba7" providerId="LiveId" clId="{23571449-6439-43B7-ABFF-726B2DB69ECF}" dt="2025-12-05T12:47:04.958" v="143"/>
-          <ac:spMkLst>
-            <pc:docMk/>
-            <pc:sldMk cId="100433776" sldId="274"/>
-            <ac:spMk id="4" creationId="{C5301F07-79E7-1EB9-DFD0-34640F0C78BE}"/>
-          </ac:spMkLst>
-        </pc:spChg>
-        <pc:spChg chg="add del mod">
-          <ac:chgData name="SOUMEN DAS" userId="b9afea382c7b7ba7" providerId="LiveId" clId="{23571449-6439-43B7-ABFF-726B2DB69ECF}" dt="2025-12-05T12:47:04.958" v="145"/>
-          <ac:spMkLst>
-            <pc:docMk/>
-            <pc:sldMk cId="100433776" sldId="274"/>
-            <ac:spMk id="5" creationId="{99152499-FBB3-89FE-E75A-9B851D3C16E2}"/>
-          </ac:spMkLst>
-        </pc:spChg>
         <pc:spChg chg="add mod">
           <ac:chgData name="SOUMEN DAS" userId="b9afea382c7b7ba7" providerId="LiveId" clId="{23571449-6439-43B7-ABFF-726B2DB69ECF}" dt="2025-12-05T12:47:46.507" v="169" actId="207"/>
           <ac:spMkLst>
@@ -547,14 +404,6 @@
             <ac:spMk id="6" creationId="{73036BC5-9EB6-AE29-5318-C2CD60682BA6}"/>
           </ac:spMkLst>
         </pc:spChg>
-        <pc:picChg chg="add del">
-          <ac:chgData name="SOUMEN DAS" userId="b9afea382c7b7ba7" providerId="LiveId" clId="{23571449-6439-43B7-ABFF-726B2DB69ECF}" dt="2025-12-05T12:46:26.306" v="139" actId="22"/>
-          <ac:picMkLst>
-            <pc:docMk/>
-            <pc:sldMk cId="100433776" sldId="274"/>
-            <ac:picMk id="3" creationId="{DDA97BA9-7CAF-051C-9F4F-1512FE75DBBE}"/>
-          </ac:picMkLst>
-        </pc:picChg>
       </pc:sldChg>
       <pc:sldChg chg="addSp modSp add mod">
         <pc:chgData name="SOUMEN DAS" userId="b9afea382c7b7ba7" providerId="LiveId" clId="{23571449-6439-43B7-ABFF-726B2DB69ECF}" dt="2025-12-05T12:45:12.804" v="137" actId="14100"/>
@@ -570,6 +419,349 @@
             <ac:picMk id="3" creationId="{A4F0760C-40EF-FDB5-286F-034DD9BD4C08}"/>
           </ac:picMkLst>
         </pc:picChg>
+      </pc:sldChg>
+      <pc:sldChg chg="addSp delSp modSp new mod">
+        <pc:chgData name="SOUMEN DAS" userId="b9afea382c7b7ba7" providerId="LiveId" clId="{23571449-6439-43B7-ABFF-726B2DB69ECF}" dt="2025-12-08T13:13:06.909" v="344" actId="1076"/>
+        <pc:sldMkLst>
+          <pc:docMk/>
+          <pc:sldMk cId="4115317099" sldId="276"/>
+        </pc:sldMkLst>
+        <pc:spChg chg="del">
+          <ac:chgData name="SOUMEN DAS" userId="b9afea382c7b7ba7" providerId="LiveId" clId="{23571449-6439-43B7-ABFF-726B2DB69ECF}" dt="2025-12-08T11:30:18.317" v="248" actId="478"/>
+          <ac:spMkLst>
+            <pc:docMk/>
+            <pc:sldMk cId="4115317099" sldId="276"/>
+            <ac:spMk id="2" creationId="{D8621C81-F400-4985-70CC-C6A7327BF477}"/>
+          </ac:spMkLst>
+        </pc:spChg>
+        <pc:spChg chg="del">
+          <ac:chgData name="SOUMEN DAS" userId="b9afea382c7b7ba7" providerId="LiveId" clId="{23571449-6439-43B7-ABFF-726B2DB69ECF}" dt="2025-12-08T11:30:16.832" v="247" actId="478"/>
+          <ac:spMkLst>
+            <pc:docMk/>
+            <pc:sldMk cId="4115317099" sldId="276"/>
+            <ac:spMk id="3" creationId="{F14EBD31-1129-2FFF-55DC-37D534EF383E}"/>
+          </ac:spMkLst>
+        </pc:spChg>
+        <pc:spChg chg="add mod">
+          <ac:chgData name="SOUMEN DAS" userId="b9afea382c7b7ba7" providerId="LiveId" clId="{23571449-6439-43B7-ABFF-726B2DB69ECF}" dt="2025-12-08T13:13:04.596" v="343" actId="1076"/>
+          <ac:spMkLst>
+            <pc:docMk/>
+            <pc:sldMk cId="4115317099" sldId="276"/>
+            <ac:spMk id="10" creationId="{970DA549-15C2-54FC-329F-C94061B439AA}"/>
+          </ac:spMkLst>
+        </pc:spChg>
+        <pc:picChg chg="add mod">
+          <ac:chgData name="SOUMEN DAS" userId="b9afea382c7b7ba7" providerId="LiveId" clId="{23571449-6439-43B7-ABFF-726B2DB69ECF}" dt="2025-12-08T13:13:06.909" v="344" actId="1076"/>
+          <ac:picMkLst>
+            <pc:docMk/>
+            <pc:sldMk cId="4115317099" sldId="276"/>
+            <ac:picMk id="5" creationId="{275F754F-0601-88DF-5863-04D3308965D0}"/>
+          </ac:picMkLst>
+        </pc:picChg>
+        <pc:picChg chg="add mod">
+          <ac:chgData name="SOUMEN DAS" userId="b9afea382c7b7ba7" providerId="LiveId" clId="{23571449-6439-43B7-ABFF-726B2DB69ECF}" dt="2025-12-08T11:50:48.629" v="268" actId="14100"/>
+          <ac:picMkLst>
+            <pc:docMk/>
+            <pc:sldMk cId="4115317099" sldId="276"/>
+            <ac:picMk id="7" creationId="{18A8DEF1-7723-04A0-D499-6474D2F8A3F0}"/>
+          </ac:picMkLst>
+        </pc:picChg>
+        <pc:picChg chg="add mod">
+          <ac:chgData name="SOUMEN DAS" userId="b9afea382c7b7ba7" providerId="LiveId" clId="{23571449-6439-43B7-ABFF-726B2DB69ECF}" dt="2025-12-08T11:50:52.975" v="269" actId="14100"/>
+          <ac:picMkLst>
+            <pc:docMk/>
+            <pc:sldMk cId="4115317099" sldId="276"/>
+            <ac:picMk id="9" creationId="{E8C2586C-1C04-73F4-1B5B-716BD6F51A0E}"/>
+          </ac:picMkLst>
+        </pc:picChg>
+      </pc:sldChg>
+      <pc:sldChg chg="addSp delSp modSp add mod">
+        <pc:chgData name="SOUMEN DAS" userId="b9afea382c7b7ba7" providerId="LiveId" clId="{23571449-6439-43B7-ABFF-726B2DB69ECF}" dt="2025-12-08T13:25:54.693" v="378" actId="1076"/>
+        <pc:sldMkLst>
+          <pc:docMk/>
+          <pc:sldMk cId="1094849842" sldId="277"/>
+        </pc:sldMkLst>
+        <pc:spChg chg="add mod">
+          <ac:chgData name="SOUMEN DAS" userId="b9afea382c7b7ba7" providerId="LiveId" clId="{23571449-6439-43B7-ABFF-726B2DB69ECF}" dt="2025-12-08T13:14:23.977" v="361" actId="20577"/>
+          <ac:spMkLst>
+            <pc:docMk/>
+            <pc:sldMk cId="1094849842" sldId="277"/>
+            <ac:spMk id="6" creationId="{BA6648CD-5A2A-7565-E74C-98D4C89EFFA5}"/>
+          </ac:spMkLst>
+        </pc:spChg>
+        <pc:spChg chg="add mod">
+          <ac:chgData name="SOUMEN DAS" userId="b9afea382c7b7ba7" providerId="LiveId" clId="{23571449-6439-43B7-ABFF-726B2DB69ECF}" dt="2025-12-08T13:14:39.237" v="366" actId="1076"/>
+          <ac:spMkLst>
+            <pc:docMk/>
+            <pc:sldMk cId="1094849842" sldId="277"/>
+            <ac:spMk id="7" creationId="{3E7E07EC-2177-DEC6-C8FB-C716D5F95219}"/>
+          </ac:spMkLst>
+        </pc:spChg>
+        <pc:picChg chg="add mod">
+          <ac:chgData name="SOUMEN DAS" userId="b9afea382c7b7ba7" providerId="LiveId" clId="{23571449-6439-43B7-ABFF-726B2DB69ECF}" dt="2025-12-08T13:14:19.994" v="360" actId="1076"/>
+          <ac:picMkLst>
+            <pc:docMk/>
+            <pc:sldMk cId="1094849842" sldId="277"/>
+            <ac:picMk id="3" creationId="{8D818AAF-B8E8-1398-22B3-182CFA865F66}"/>
+          </ac:picMkLst>
+        </pc:picChg>
+        <pc:picChg chg="add del mod">
+          <ac:chgData name="SOUMEN DAS" userId="b9afea382c7b7ba7" providerId="LiveId" clId="{23571449-6439-43B7-ABFF-726B2DB69ECF}" dt="2025-12-08T13:25:14.901" v="370" actId="478"/>
+          <ac:picMkLst>
+            <pc:docMk/>
+            <pc:sldMk cId="1094849842" sldId="277"/>
+            <ac:picMk id="5" creationId="{8CE4C426-5F50-D9BC-628D-4B7ACF90AB30}"/>
+          </ac:picMkLst>
+        </pc:picChg>
+        <pc:picChg chg="add del">
+          <ac:chgData name="SOUMEN DAS" userId="b9afea382c7b7ba7" providerId="LiveId" clId="{23571449-6439-43B7-ABFF-726B2DB69ECF}" dt="2025-12-08T13:25:12.057" v="369" actId="22"/>
+          <ac:picMkLst>
+            <pc:docMk/>
+            <pc:sldMk cId="1094849842" sldId="277"/>
+            <ac:picMk id="9" creationId="{717CD496-E2C4-72ED-842C-7D36D41B4D2A}"/>
+          </ac:picMkLst>
+        </pc:picChg>
+        <pc:picChg chg="add mod">
+          <ac:chgData name="SOUMEN DAS" userId="b9afea382c7b7ba7" providerId="LiveId" clId="{23571449-6439-43B7-ABFF-726B2DB69ECF}" dt="2025-12-08T13:25:54.693" v="378" actId="1076"/>
+          <ac:picMkLst>
+            <pc:docMk/>
+            <pc:sldMk cId="1094849842" sldId="277"/>
+            <ac:picMk id="11" creationId="{F5F8D61E-46B6-FB3E-CD19-62740C6ED525}"/>
+          </ac:picMkLst>
+        </pc:picChg>
+      </pc:sldChg>
+      <pc:sldChg chg="addSp modSp add mod">
+        <pc:chgData name="SOUMEN DAS" userId="b9afea382c7b7ba7" providerId="LiveId" clId="{23571449-6439-43B7-ABFF-726B2DB69ECF}" dt="2025-12-08T12:49:07.193" v="318" actId="14100"/>
+        <pc:sldMkLst>
+          <pc:docMk/>
+          <pc:sldMk cId="3025780564" sldId="278"/>
+        </pc:sldMkLst>
+        <pc:picChg chg="add mod">
+          <ac:chgData name="SOUMEN DAS" userId="b9afea382c7b7ba7" providerId="LiveId" clId="{23571449-6439-43B7-ABFF-726B2DB69ECF}" dt="2025-12-08T12:48:18.276" v="312" actId="1076"/>
+          <ac:picMkLst>
+            <pc:docMk/>
+            <pc:sldMk cId="3025780564" sldId="278"/>
+            <ac:picMk id="3" creationId="{06058DEB-CA2A-1F37-40FA-ACB6638449B0}"/>
+          </ac:picMkLst>
+        </pc:picChg>
+        <pc:picChg chg="add mod">
+          <ac:chgData name="SOUMEN DAS" userId="b9afea382c7b7ba7" providerId="LiveId" clId="{23571449-6439-43B7-ABFF-726B2DB69ECF}" dt="2025-12-08T12:49:07.193" v="318" actId="14100"/>
+          <ac:picMkLst>
+            <pc:docMk/>
+            <pc:sldMk cId="3025780564" sldId="278"/>
+            <ac:picMk id="5" creationId="{92D1E82D-54CA-8537-624B-8E0FFDB6948D}"/>
+          </ac:picMkLst>
+        </pc:picChg>
+      </pc:sldChg>
+      <pc:sldChg chg="addSp delSp modSp add mod">
+        <pc:chgData name="SOUMEN DAS" userId="b9afea382c7b7ba7" providerId="LiveId" clId="{23571449-6439-43B7-ABFF-726B2DB69ECF}" dt="2025-12-08T13:13:17.868" v="346" actId="20577"/>
+        <pc:sldMkLst>
+          <pc:docMk/>
+          <pc:sldMk cId="2158548415" sldId="279"/>
+        </pc:sldMkLst>
+        <pc:spChg chg="add mod">
+          <ac:chgData name="SOUMEN DAS" userId="b9afea382c7b7ba7" providerId="LiveId" clId="{23571449-6439-43B7-ABFF-726B2DB69ECF}" dt="2025-12-08T13:13:17.868" v="346" actId="20577"/>
+          <ac:spMkLst>
+            <pc:docMk/>
+            <pc:sldMk cId="2158548415" sldId="279"/>
+            <ac:spMk id="9" creationId="{D7FC12C7-7D7B-6259-C696-973F9C02B397}"/>
+          </ac:spMkLst>
+        </pc:spChg>
+        <pc:graphicFrameChg chg="add mod">
+          <ac:chgData name="SOUMEN DAS" userId="b9afea382c7b7ba7" providerId="LiveId" clId="{23571449-6439-43B7-ABFF-726B2DB69ECF}" dt="2025-12-08T12:05:16.557" v="270"/>
+          <ac:graphicFrameMkLst>
+            <pc:docMk/>
+            <pc:sldMk cId="2158548415" sldId="279"/>
+            <ac:graphicFrameMk id="2" creationId="{2D038F2C-9280-6ED4-0AB5-A838438E3544}"/>
+          </ac:graphicFrameMkLst>
+        </pc:graphicFrameChg>
+        <pc:picChg chg="add del mod">
+          <ac:chgData name="SOUMEN DAS" userId="b9afea382c7b7ba7" providerId="LiveId" clId="{23571449-6439-43B7-ABFF-726B2DB69ECF}" dt="2025-12-08T12:42:16.369" v="276" actId="478"/>
+          <ac:picMkLst>
+            <pc:docMk/>
+            <pc:sldMk cId="2158548415" sldId="279"/>
+            <ac:picMk id="4" creationId="{13DB87B9-2F0E-BD5B-E8E6-20CC18FFE3DA}"/>
+          </ac:picMkLst>
+        </pc:picChg>
+        <pc:picChg chg="add mod">
+          <ac:chgData name="SOUMEN DAS" userId="b9afea382c7b7ba7" providerId="LiveId" clId="{23571449-6439-43B7-ABFF-726B2DB69ECF}" dt="2025-12-08T12:46:26.425" v="299" actId="14100"/>
+          <ac:picMkLst>
+            <pc:docMk/>
+            <pc:sldMk cId="2158548415" sldId="279"/>
+            <ac:picMk id="6" creationId="{DC467354-9342-CA72-1806-E9F40E820414}"/>
+          </ac:picMkLst>
+        </pc:picChg>
+        <pc:picChg chg="add del mod">
+          <ac:chgData name="SOUMEN DAS" userId="b9afea382c7b7ba7" providerId="LiveId" clId="{23571449-6439-43B7-ABFF-726B2DB69ECF}" dt="2025-12-08T12:45:52.813" v="292" actId="21"/>
+          <ac:picMkLst>
+            <pc:docMk/>
+            <pc:sldMk cId="2158548415" sldId="279"/>
+            <ac:picMk id="8" creationId="{FCC47263-A78F-9890-D54E-6FBFD1738A0E}"/>
+          </ac:picMkLst>
+        </pc:picChg>
+      </pc:sldChg>
+      <pc:sldChg chg="addSp modSp add mod">
+        <pc:chgData name="SOUMEN DAS" userId="b9afea382c7b7ba7" providerId="LiveId" clId="{23571449-6439-43B7-ABFF-726B2DB69ECF}" dt="2025-12-08T13:14:05.214" v="357" actId="1076"/>
+        <pc:sldMkLst>
+          <pc:docMk/>
+          <pc:sldMk cId="2345152359" sldId="280"/>
+        </pc:sldMkLst>
+        <pc:spChg chg="add mod">
+          <ac:chgData name="SOUMEN DAS" userId="b9afea382c7b7ba7" providerId="LiveId" clId="{23571449-6439-43B7-ABFF-726B2DB69ECF}" dt="2025-12-08T13:14:05.214" v="357" actId="1076"/>
+          <ac:spMkLst>
+            <pc:docMk/>
+            <pc:sldMk cId="2345152359" sldId="280"/>
+            <ac:spMk id="5" creationId="{737B75A6-B213-42F4-2E11-6063B06328F3}"/>
+          </ac:spMkLst>
+        </pc:spChg>
+        <pc:picChg chg="add mod">
+          <ac:chgData name="SOUMEN DAS" userId="b9afea382c7b7ba7" providerId="LiveId" clId="{23571449-6439-43B7-ABFF-726B2DB69ECF}" dt="2025-12-08T12:47:30.192" v="308" actId="14100"/>
+          <ac:picMkLst>
+            <pc:docMk/>
+            <pc:sldMk cId="2345152359" sldId="280"/>
+            <ac:picMk id="3" creationId="{5AA41683-D203-F4F2-F0FB-514E5B183920}"/>
+          </ac:picMkLst>
+        </pc:picChg>
+        <pc:picChg chg="add mod">
+          <ac:chgData name="SOUMEN DAS" userId="b9afea382c7b7ba7" providerId="LiveId" clId="{23571449-6439-43B7-ABFF-726B2DB69ECF}" dt="2025-12-08T12:46:43.968" v="301" actId="1076"/>
+          <ac:picMkLst>
+            <pc:docMk/>
+            <pc:sldMk cId="2345152359" sldId="280"/>
+            <ac:picMk id="4" creationId="{E8FF36F4-808B-505B-E376-C88D9FB33D20}"/>
+          </ac:picMkLst>
+        </pc:picChg>
+      </pc:sldChg>
+      <pc:sldChg chg="addSp delSp modSp add mod">
+        <pc:chgData name="SOUMEN DAS" userId="b9afea382c7b7ba7" providerId="LiveId" clId="{23571449-6439-43B7-ABFF-726B2DB69ECF}" dt="2025-12-08T13:13:45.078" v="352" actId="1076"/>
+        <pc:sldMkLst>
+          <pc:docMk/>
+          <pc:sldMk cId="257858784" sldId="281"/>
+        </pc:sldMkLst>
+        <pc:spChg chg="add mod">
+          <ac:chgData name="SOUMEN DAS" userId="b9afea382c7b7ba7" providerId="LiveId" clId="{23571449-6439-43B7-ABFF-726B2DB69ECF}" dt="2025-12-08T13:13:39.278" v="351" actId="1076"/>
+          <ac:spMkLst>
+            <pc:docMk/>
+            <pc:sldMk cId="257858784" sldId="281"/>
+            <ac:spMk id="5" creationId="{B4B8924F-04EC-EA2F-E89D-EA0EBA8B9749}"/>
+          </ac:spMkLst>
+        </pc:spChg>
+        <pc:picChg chg="add mod">
+          <ac:chgData name="SOUMEN DAS" userId="b9afea382c7b7ba7" providerId="LiveId" clId="{23571449-6439-43B7-ABFF-726B2DB69ECF}" dt="2025-12-08T13:13:45.078" v="352" actId="1076"/>
+          <ac:picMkLst>
+            <pc:docMk/>
+            <pc:sldMk cId="257858784" sldId="281"/>
+            <ac:picMk id="3" creationId="{9A1636E8-6C29-750F-3F1A-6CF46398F1D8}"/>
+          </ac:picMkLst>
+        </pc:picChg>
+        <pc:picChg chg="del mod">
+          <ac:chgData name="SOUMEN DAS" userId="b9afea382c7b7ba7" providerId="LiveId" clId="{23571449-6439-43B7-ABFF-726B2DB69ECF}" dt="2025-12-08T12:45:24.778" v="289" actId="21"/>
+          <ac:picMkLst>
+            <pc:docMk/>
+            <pc:sldMk cId="257858784" sldId="281"/>
+            <ac:picMk id="4" creationId="{E8FF36F4-808B-505B-E376-C88D9FB33D20}"/>
+          </ac:picMkLst>
+        </pc:picChg>
+        <pc:picChg chg="add mod">
+          <ac:chgData name="SOUMEN DAS" userId="b9afea382c7b7ba7" providerId="LiveId" clId="{23571449-6439-43B7-ABFF-726B2DB69ECF}" dt="2025-12-08T13:13:35.665" v="350" actId="1076"/>
+          <ac:picMkLst>
+            <pc:docMk/>
+            <pc:sldMk cId="257858784" sldId="281"/>
+            <ac:picMk id="8" creationId="{FCC47263-A78F-9890-D54E-6FBFD1738A0E}"/>
+          </ac:picMkLst>
+        </pc:picChg>
+      </pc:sldChg>
+      <pc:sldChg chg="addSp delSp modSp add mod ord">
+        <pc:chgData name="SOUMEN DAS" userId="b9afea382c7b7ba7" providerId="LiveId" clId="{23571449-6439-43B7-ABFF-726B2DB69ECF}" dt="2025-12-08T13:39:19.399" v="815" actId="20577"/>
+        <pc:sldMkLst>
+          <pc:docMk/>
+          <pc:sldMk cId="3347090073" sldId="282"/>
+        </pc:sldMkLst>
+        <pc:spChg chg="add del mod">
+          <ac:chgData name="SOUMEN DAS" userId="b9afea382c7b7ba7" providerId="LiveId" clId="{23571449-6439-43B7-ABFF-726B2DB69ECF}" dt="2025-12-08T13:26:30.800" v="386"/>
+          <ac:spMkLst>
+            <pc:docMk/>
+            <pc:sldMk cId="3347090073" sldId="282"/>
+            <ac:spMk id="2" creationId="{B60F7E8F-93CD-EEA9-0E27-5FFEB6B2B04D}"/>
+          </ac:spMkLst>
+        </pc:spChg>
+        <pc:spChg chg="add mod">
+          <ac:chgData name="SOUMEN DAS" userId="b9afea382c7b7ba7" providerId="LiveId" clId="{23571449-6439-43B7-ABFF-726B2DB69ECF}" dt="2025-12-08T13:39:19.399" v="815" actId="20577"/>
+          <ac:spMkLst>
+            <pc:docMk/>
+            <pc:sldMk cId="3347090073" sldId="282"/>
+            <ac:spMk id="3" creationId="{C2EAD227-FD56-65DC-F23E-8398B2859BF7}"/>
+          </ac:spMkLst>
+        </pc:spChg>
+        <pc:spChg chg="add del mod">
+          <ac:chgData name="SOUMEN DAS" userId="b9afea382c7b7ba7" providerId="LiveId" clId="{23571449-6439-43B7-ABFF-726B2DB69ECF}" dt="2025-12-08T13:28:45.096" v="407"/>
+          <ac:spMkLst>
+            <pc:docMk/>
+            <pc:sldMk cId="3347090073" sldId="282"/>
+            <ac:spMk id="4" creationId="{AB35A30C-04B0-AEFE-AE8F-4B204BCC7F07}"/>
+          </ac:spMkLst>
+        </pc:spChg>
+      </pc:sldChg>
+      <pc:sldChg chg="addSp delSp modSp new mod ord">
+        <pc:chgData name="SOUMEN DAS" userId="b9afea382c7b7ba7" providerId="LiveId" clId="{23571449-6439-43B7-ABFF-726B2DB69ECF}" dt="2025-12-08T13:40:32.762" v="817" actId="1076"/>
+        <pc:sldMkLst>
+          <pc:docMk/>
+          <pc:sldMk cId="2784779720" sldId="283"/>
+        </pc:sldMkLst>
+        <pc:spChg chg="del">
+          <ac:chgData name="SOUMEN DAS" userId="b9afea382c7b7ba7" providerId="LiveId" clId="{23571449-6439-43B7-ABFF-726B2DB69ECF}" dt="2025-12-08T13:29:34.835" v="411" actId="478"/>
+          <ac:spMkLst>
+            <pc:docMk/>
+            <pc:sldMk cId="2784779720" sldId="283"/>
+            <ac:spMk id="2" creationId="{300D736F-D5D0-C4DA-A7F8-49E9C31EAFCA}"/>
+          </ac:spMkLst>
+        </pc:spChg>
+        <pc:spChg chg="del mod">
+          <ac:chgData name="SOUMEN DAS" userId="b9afea382c7b7ba7" providerId="LiveId" clId="{23571449-6439-43B7-ABFF-726B2DB69ECF}" dt="2025-12-08T13:29:38.636" v="413" actId="478"/>
+          <ac:spMkLst>
+            <pc:docMk/>
+            <pc:sldMk cId="2784779720" sldId="283"/>
+            <ac:spMk id="3" creationId="{D2FC3F9E-C582-D0C2-7B0C-B28A54EDCD29}"/>
+          </ac:spMkLst>
+        </pc:spChg>
+        <pc:spChg chg="add mod">
+          <ac:chgData name="SOUMEN DAS" userId="b9afea382c7b7ba7" providerId="LiveId" clId="{23571449-6439-43B7-ABFF-726B2DB69ECF}" dt="2025-12-08T13:31:04.074" v="414"/>
+          <ac:spMkLst>
+            <pc:docMk/>
+            <pc:sldMk cId="2784779720" sldId="283"/>
+            <ac:spMk id="4" creationId="{547742D2-8BAF-9D94-04F0-464C5F4157E4}"/>
+          </ac:spMkLst>
+        </pc:spChg>
+        <pc:spChg chg="add mod">
+          <ac:chgData name="SOUMEN DAS" userId="b9afea382c7b7ba7" providerId="LiveId" clId="{23571449-6439-43B7-ABFF-726B2DB69ECF}" dt="2025-12-08T13:31:13.817" v="416" actId="1076"/>
+          <ac:spMkLst>
+            <pc:docMk/>
+            <pc:sldMk cId="2784779720" sldId="283"/>
+            <ac:spMk id="5" creationId="{B0D7B04F-C8E1-5E79-03E6-D64AB65DC171}"/>
+          </ac:spMkLst>
+        </pc:spChg>
+        <pc:spChg chg="add mod">
+          <ac:chgData name="SOUMEN DAS" userId="b9afea382c7b7ba7" providerId="LiveId" clId="{23571449-6439-43B7-ABFF-726B2DB69ECF}" dt="2025-12-08T13:40:32.762" v="817" actId="1076"/>
+          <ac:spMkLst>
+            <pc:docMk/>
+            <pc:sldMk cId="2784779720" sldId="283"/>
+            <ac:spMk id="6" creationId="{2285F2C3-AF50-2858-19A3-95F34061DE7C}"/>
+          </ac:spMkLst>
+        </pc:spChg>
+      </pc:sldChg>
+      <pc:sldChg chg="modSp add mod">
+        <pc:chgData name="SOUMEN DAS" userId="b9afea382c7b7ba7" providerId="LiveId" clId="{23571449-6439-43B7-ABFF-726B2DB69ECF}" dt="2025-12-08T13:43:34.707" v="869" actId="6549"/>
+        <pc:sldMkLst>
+          <pc:docMk/>
+          <pc:sldMk cId="1587255470" sldId="284"/>
+        </pc:sldMkLst>
+        <pc:spChg chg="mod">
+          <ac:chgData name="SOUMEN DAS" userId="b9afea382c7b7ba7" providerId="LiveId" clId="{23571449-6439-43B7-ABFF-726B2DB69ECF}" dt="2025-12-08T13:43:34.707" v="869" actId="6549"/>
+          <ac:spMkLst>
+            <pc:docMk/>
+            <pc:sldMk cId="1587255470" sldId="284"/>
+            <ac:spMk id="3" creationId="{1FE8AE74-DBD7-F83F-1629-57F55FECB102}"/>
+          </ac:spMkLst>
+        </pc:spChg>
       </pc:sldChg>
     </pc:docChg>
   </pc:docChgLst>
@@ -658,7 +850,7 @@
           <a:p>
             <a:fld id="{54DED067-FC57-4AF6-9840-4077A0EA45B7}" type="datetimeFigureOut">
               <a:rPr lang="en-IN" smtClean="0"/>
-              <a:t>05-12-2025</a:t>
+              <a:t>08-12-2025</a:t>
             </a:fld>
             <a:endParaRPr lang="en-IN"/>
           </a:p>
@@ -954,6 +1146,13 @@
           </p:nvPr>
         </p:nvSpPr>
         <p:spPr/>
+        <p:txBody>
+          <a:bodyPr/>
+          <a:lstStyle/>
+          <a:p>
+            <a:endParaRPr lang="en-IN"/>
+          </a:p>
+        </p:txBody>
       </p:sp>
       <p:sp>
         <p:nvSpPr>
@@ -991,7 +1190,280 @@
           <a:p>
             <a:fld id="{63B89824-0646-4D1C-9B88-F73BB6B1C318}" type="slidenum">
               <a:rPr lang="en-IN" smtClean="0"/>
-              <a:t>16</a:t>
+              <a:t>4</a:t>
+            </a:fld>
+            <a:endParaRPr lang="en-IN"/>
+          </a:p>
+        </p:txBody>
+      </p:sp>
+    </p:spTree>
+    <p:extLst>
+      <p:ext uri="{BB962C8B-B14F-4D97-AF65-F5344CB8AC3E}">
+        <p14:creationId xmlns:p14="http://schemas.microsoft.com/office/powerpoint/2010/main" val="3245754390"/>
+      </p:ext>
+    </p:extLst>
+  </p:cSld>
+  <p:clrMapOvr>
+    <a:masterClrMapping/>
+  </p:clrMapOvr>
+</p:notes>
+</file>
+
+<file path=ppt/notesSlides/notesSlide2.xml><?xml version="1.0" encoding="utf-8"?>
+<p:notes xmlns:a="http://schemas.openxmlformats.org/drawingml/2006/main" xmlns:r="http://schemas.openxmlformats.org/officeDocument/2006/relationships" xmlns:p="http://schemas.openxmlformats.org/presentationml/2006/main">
+  <p:cSld>
+    <p:spTree>
+      <p:nvGrpSpPr>
+        <p:cNvPr id="1" name=""/>
+        <p:cNvGrpSpPr/>
+        <p:nvPr/>
+      </p:nvGrpSpPr>
+      <p:grpSpPr>
+        <a:xfrm>
+          <a:off x="0" y="0"/>
+          <a:ext cx="0" cy="0"/>
+          <a:chOff x="0" y="0"/>
+          <a:chExt cx="0" cy="0"/>
+        </a:xfrm>
+      </p:grpSpPr>
+      <p:sp>
+        <p:nvSpPr>
+          <p:cNvPr id="2" name="Slide Image Placeholder 1"/>
+          <p:cNvSpPr>
+            <a:spLocks noGrp="1" noRot="1" noChangeAspect="1"/>
+          </p:cNvSpPr>
+          <p:nvPr>
+            <p:ph type="sldImg"/>
+          </p:nvPr>
+        </p:nvSpPr>
+        <p:spPr/>
+        <p:txBody>
+          <a:bodyPr/>
+          <a:lstStyle/>
+          <a:p>
+            <a:endParaRPr lang="en-IN"/>
+          </a:p>
+        </p:txBody>
+      </p:sp>
+      <p:sp>
+        <p:nvSpPr>
+          <p:cNvPr id="3" name="Notes Placeholder 2"/>
+          <p:cNvSpPr>
+            <a:spLocks noGrp="1"/>
+          </p:cNvSpPr>
+          <p:nvPr>
+            <p:ph type="body" idx="1"/>
+          </p:nvPr>
+        </p:nvSpPr>
+        <p:spPr/>
+        <p:txBody>
+          <a:bodyPr/>
+          <a:lstStyle/>
+          <a:p>
+            <a:endParaRPr lang="en-IN" dirty="0"/>
+          </a:p>
+        </p:txBody>
+      </p:sp>
+      <p:sp>
+        <p:nvSpPr>
+          <p:cNvPr id="4" name="Slide Number Placeholder 3"/>
+          <p:cNvSpPr>
+            <a:spLocks noGrp="1"/>
+          </p:cNvSpPr>
+          <p:nvPr>
+            <p:ph type="sldNum" sz="quarter" idx="5"/>
+          </p:nvPr>
+        </p:nvSpPr>
+        <p:spPr/>
+        <p:txBody>
+          <a:bodyPr/>
+          <a:lstStyle/>
+          <a:p>
+            <a:fld id="{63B89824-0646-4D1C-9B88-F73BB6B1C318}" type="slidenum">
+              <a:rPr lang="en-IN" smtClean="0"/>
+              <a:t>6</a:t>
+            </a:fld>
+            <a:endParaRPr lang="en-IN"/>
+          </a:p>
+        </p:txBody>
+      </p:sp>
+    </p:spTree>
+    <p:extLst>
+      <p:ext uri="{BB962C8B-B14F-4D97-AF65-F5344CB8AC3E}">
+        <p14:creationId xmlns:p14="http://schemas.microsoft.com/office/powerpoint/2010/main" val="4048610188"/>
+      </p:ext>
+    </p:extLst>
+  </p:cSld>
+  <p:clrMapOvr>
+    <a:masterClrMapping/>
+  </p:clrMapOvr>
+</p:notes>
+</file>
+
+<file path=ppt/notesSlides/notesSlide3.xml><?xml version="1.0" encoding="utf-8"?>
+<p:notes xmlns:a="http://schemas.openxmlformats.org/drawingml/2006/main" xmlns:r="http://schemas.openxmlformats.org/officeDocument/2006/relationships" xmlns:p="http://schemas.openxmlformats.org/presentationml/2006/main">
+  <p:cSld>
+    <p:spTree>
+      <p:nvGrpSpPr>
+        <p:cNvPr id="1" name=""/>
+        <p:cNvGrpSpPr/>
+        <p:nvPr/>
+      </p:nvGrpSpPr>
+      <p:grpSpPr>
+        <a:xfrm>
+          <a:off x="0" y="0"/>
+          <a:ext cx="0" cy="0"/>
+          <a:chOff x="0" y="0"/>
+          <a:chExt cx="0" cy="0"/>
+        </a:xfrm>
+      </p:grpSpPr>
+      <p:sp>
+        <p:nvSpPr>
+          <p:cNvPr id="2" name="Slide Image Placeholder 1"/>
+          <p:cNvSpPr>
+            <a:spLocks noGrp="1" noRot="1" noChangeAspect="1"/>
+          </p:cNvSpPr>
+          <p:nvPr>
+            <p:ph type="sldImg"/>
+          </p:nvPr>
+        </p:nvSpPr>
+        <p:spPr/>
+        <p:txBody>
+          <a:bodyPr/>
+          <a:lstStyle/>
+          <a:p>
+            <a:endParaRPr lang="en-IN"/>
+          </a:p>
+        </p:txBody>
+      </p:sp>
+      <p:sp>
+        <p:nvSpPr>
+          <p:cNvPr id="3" name="Notes Placeholder 2"/>
+          <p:cNvSpPr>
+            <a:spLocks noGrp="1"/>
+          </p:cNvSpPr>
+          <p:nvPr>
+            <p:ph type="body" idx="1"/>
+          </p:nvPr>
+        </p:nvSpPr>
+        <p:spPr/>
+        <p:txBody>
+          <a:bodyPr/>
+          <a:lstStyle/>
+          <a:p>
+            <a:endParaRPr lang="en-IN" dirty="0"/>
+          </a:p>
+        </p:txBody>
+      </p:sp>
+      <p:sp>
+        <p:nvSpPr>
+          <p:cNvPr id="4" name="Slide Number Placeholder 3"/>
+          <p:cNvSpPr>
+            <a:spLocks noGrp="1"/>
+          </p:cNvSpPr>
+          <p:nvPr>
+            <p:ph type="sldNum" sz="quarter" idx="5"/>
+          </p:nvPr>
+        </p:nvSpPr>
+        <p:spPr/>
+        <p:txBody>
+          <a:bodyPr/>
+          <a:lstStyle/>
+          <a:p>
+            <a:fld id="{63B89824-0646-4D1C-9B88-F73BB6B1C318}" type="slidenum">
+              <a:rPr lang="en-IN" smtClean="0"/>
+              <a:t>7</a:t>
+            </a:fld>
+            <a:endParaRPr lang="en-IN"/>
+          </a:p>
+        </p:txBody>
+      </p:sp>
+    </p:spTree>
+    <p:extLst>
+      <p:ext uri="{BB962C8B-B14F-4D97-AF65-F5344CB8AC3E}">
+        <p14:creationId xmlns:p14="http://schemas.microsoft.com/office/powerpoint/2010/main" val="603415683"/>
+      </p:ext>
+    </p:extLst>
+  </p:cSld>
+  <p:clrMapOvr>
+    <a:masterClrMapping/>
+  </p:clrMapOvr>
+</p:notes>
+</file>
+
+<file path=ppt/notesSlides/notesSlide4.xml><?xml version="1.0" encoding="utf-8"?>
+<p:notes xmlns:a="http://schemas.openxmlformats.org/drawingml/2006/main" xmlns:r="http://schemas.openxmlformats.org/officeDocument/2006/relationships" xmlns:p="http://schemas.openxmlformats.org/presentationml/2006/main">
+  <p:cSld>
+    <p:spTree>
+      <p:nvGrpSpPr>
+        <p:cNvPr id="1" name=""/>
+        <p:cNvGrpSpPr/>
+        <p:nvPr/>
+      </p:nvGrpSpPr>
+      <p:grpSpPr>
+        <a:xfrm>
+          <a:off x="0" y="0"/>
+          <a:ext cx="0" cy="0"/>
+          <a:chOff x="0" y="0"/>
+          <a:chExt cx="0" cy="0"/>
+        </a:xfrm>
+      </p:grpSpPr>
+      <p:sp>
+        <p:nvSpPr>
+          <p:cNvPr id="2" name="Slide Image Placeholder 1"/>
+          <p:cNvSpPr>
+            <a:spLocks noGrp="1" noRot="1" noChangeAspect="1"/>
+          </p:cNvSpPr>
+          <p:nvPr>
+            <p:ph type="sldImg"/>
+          </p:nvPr>
+        </p:nvSpPr>
+        <p:spPr/>
+        <p:txBody>
+          <a:bodyPr/>
+          <a:lstStyle/>
+          <a:p>
+            <a:endParaRPr lang="en-IN"/>
+          </a:p>
+        </p:txBody>
+      </p:sp>
+      <p:sp>
+        <p:nvSpPr>
+          <p:cNvPr id="3" name="Notes Placeholder 2"/>
+          <p:cNvSpPr>
+            <a:spLocks noGrp="1"/>
+          </p:cNvSpPr>
+          <p:nvPr>
+            <p:ph type="body" idx="1"/>
+          </p:nvPr>
+        </p:nvSpPr>
+        <p:spPr/>
+        <p:txBody>
+          <a:bodyPr/>
+          <a:lstStyle/>
+          <a:p>
+            <a:endParaRPr lang="en-IN" dirty="0"/>
+          </a:p>
+        </p:txBody>
+      </p:sp>
+      <p:sp>
+        <p:nvSpPr>
+          <p:cNvPr id="4" name="Slide Number Placeholder 3"/>
+          <p:cNvSpPr>
+            <a:spLocks noGrp="1"/>
+          </p:cNvSpPr>
+          <p:nvPr>
+            <p:ph type="sldNum" sz="quarter" idx="5"/>
+          </p:nvPr>
+        </p:nvSpPr>
+        <p:spPr/>
+        <p:txBody>
+          <a:bodyPr/>
+          <a:lstStyle/>
+          <a:p>
+            <a:fld id="{63B89824-0646-4D1C-9B88-F73BB6B1C318}" type="slidenum">
+              <a:rPr lang="en-IN" smtClean="0"/>
+              <a:t>23</a:t>
             </a:fld>
             <a:endParaRPr lang="en-IN"/>
           </a:p>
@@ -1159,7 +1631,7 @@
           <a:p>
             <a:fld id="{ACDE2736-1F0D-44E9-BBDE-35BC83079EBB}" type="datetimeFigureOut">
               <a:rPr lang="en-IN" smtClean="0"/>
-              <a:t>05-12-2025</a:t>
+              <a:t>08-12-2025</a:t>
             </a:fld>
             <a:endParaRPr lang="en-IN"/>
           </a:p>
@@ -1359,7 +1831,7 @@
           <a:p>
             <a:fld id="{ACDE2736-1F0D-44E9-BBDE-35BC83079EBB}" type="datetimeFigureOut">
               <a:rPr lang="en-IN" smtClean="0"/>
-              <a:t>05-12-2025</a:t>
+              <a:t>08-12-2025</a:t>
             </a:fld>
             <a:endParaRPr lang="en-IN"/>
           </a:p>
@@ -1569,7 +2041,7 @@
           <a:p>
             <a:fld id="{ACDE2736-1F0D-44E9-BBDE-35BC83079EBB}" type="datetimeFigureOut">
               <a:rPr lang="en-IN" smtClean="0"/>
-              <a:t>05-12-2025</a:t>
+              <a:t>08-12-2025</a:t>
             </a:fld>
             <a:endParaRPr lang="en-IN"/>
           </a:p>
@@ -1769,7 +2241,7 @@
           <a:p>
             <a:fld id="{ACDE2736-1F0D-44E9-BBDE-35BC83079EBB}" type="datetimeFigureOut">
               <a:rPr lang="en-IN" smtClean="0"/>
-              <a:t>05-12-2025</a:t>
+              <a:t>08-12-2025</a:t>
             </a:fld>
             <a:endParaRPr lang="en-IN"/>
           </a:p>
@@ -2045,7 +2517,7 @@
           <a:p>
             <a:fld id="{ACDE2736-1F0D-44E9-BBDE-35BC83079EBB}" type="datetimeFigureOut">
               <a:rPr lang="en-IN" smtClean="0"/>
-              <a:t>05-12-2025</a:t>
+              <a:t>08-12-2025</a:t>
             </a:fld>
             <a:endParaRPr lang="en-IN"/>
           </a:p>
@@ -2313,7 +2785,7 @@
           <a:p>
             <a:fld id="{ACDE2736-1F0D-44E9-BBDE-35BC83079EBB}" type="datetimeFigureOut">
               <a:rPr lang="en-IN" smtClean="0"/>
-              <a:t>05-12-2025</a:t>
+              <a:t>08-12-2025</a:t>
             </a:fld>
             <a:endParaRPr lang="en-IN"/>
           </a:p>
@@ -2728,7 +3200,7 @@
           <a:p>
             <a:fld id="{ACDE2736-1F0D-44E9-BBDE-35BC83079EBB}" type="datetimeFigureOut">
               <a:rPr lang="en-IN" smtClean="0"/>
-              <a:t>05-12-2025</a:t>
+              <a:t>08-12-2025</a:t>
             </a:fld>
             <a:endParaRPr lang="en-IN"/>
           </a:p>
@@ -2870,7 +3342,7 @@
           <a:p>
             <a:fld id="{ACDE2736-1F0D-44E9-BBDE-35BC83079EBB}" type="datetimeFigureOut">
               <a:rPr lang="en-IN" smtClean="0"/>
-              <a:t>05-12-2025</a:t>
+              <a:t>08-12-2025</a:t>
             </a:fld>
             <a:endParaRPr lang="en-IN"/>
           </a:p>
@@ -2983,7 +3455,7 @@
           <a:p>
             <a:fld id="{ACDE2736-1F0D-44E9-BBDE-35BC83079EBB}" type="datetimeFigureOut">
               <a:rPr lang="en-IN" smtClean="0"/>
-              <a:t>05-12-2025</a:t>
+              <a:t>08-12-2025</a:t>
             </a:fld>
             <a:endParaRPr lang="en-IN"/>
           </a:p>
@@ -3296,7 +3768,7 @@
           <a:p>
             <a:fld id="{ACDE2736-1F0D-44E9-BBDE-35BC83079EBB}" type="datetimeFigureOut">
               <a:rPr lang="en-IN" smtClean="0"/>
-              <a:t>05-12-2025</a:t>
+              <a:t>08-12-2025</a:t>
             </a:fld>
             <a:endParaRPr lang="en-IN"/>
           </a:p>
@@ -3585,7 +4057,7 @@
           <a:p>
             <a:fld id="{ACDE2736-1F0D-44E9-BBDE-35BC83079EBB}" type="datetimeFigureOut">
               <a:rPr lang="en-IN" smtClean="0"/>
-              <a:t>05-12-2025</a:t>
+              <a:t>08-12-2025</a:t>
             </a:fld>
             <a:endParaRPr lang="en-IN"/>
           </a:p>
@@ -3828,7 +4300,7 @@
           <a:p>
             <a:fld id="{ACDE2736-1F0D-44E9-BBDE-35BC83079EBB}" type="datetimeFigureOut">
               <a:rPr lang="en-IN" smtClean="0"/>
-              <a:t>05-12-2025</a:t>
+              <a:t>08-12-2025</a:t>
             </a:fld>
             <a:endParaRPr lang="en-IN"/>
           </a:p>
@@ -4233,10 +4705,882 @@
   <p:cSld>
     <p:spTree>
       <p:nvGrpSpPr>
+        <p:cNvPr id="1" name=""/>
+        <p:cNvGrpSpPr/>
+        <p:nvPr/>
+      </p:nvGrpSpPr>
+      <p:grpSpPr>
+        <a:xfrm>
+          <a:off x="0" y="0"/>
+          <a:ext cx="0" cy="0"/>
+          <a:chOff x="0" y="0"/>
+          <a:chExt cx="0" cy="0"/>
+        </a:xfrm>
+      </p:grpSpPr>
+      <p:sp>
+        <p:nvSpPr>
+          <p:cNvPr id="4" name="TextBox 3">
+            <a:extLst>
+              <a:ext uri="{FF2B5EF4-FFF2-40B4-BE49-F238E27FC236}">
+                <a16:creationId xmlns:a16="http://schemas.microsoft.com/office/drawing/2014/main" id="{547742D2-8BAF-9D94-04F0-464C5F4157E4}"/>
+              </a:ext>
+            </a:extLst>
+          </p:cNvPr>
+          <p:cNvSpPr txBox="1"/>
+          <p:nvPr/>
+        </p:nvSpPr>
+        <p:spPr>
+          <a:xfrm>
+            <a:off x="260604" y="164592"/>
+            <a:ext cx="11670792" cy="400110"/>
+          </a:xfrm>
+          <a:prstGeom prst="rect">
+            <a:avLst/>
+          </a:prstGeom>
+          <a:noFill/>
+        </p:spPr>
+        <p:txBody>
+          <a:bodyPr wrap="square" rtlCol="0">
+            <a:spAutoFit/>
+          </a:bodyPr>
+          <a:lstStyle/>
+          <a:p>
+            <a:r>
+              <a:rPr lang="en-IN" sz="2000" b="1" dirty="0"/>
+              <a:t>A Novel </a:t>
+            </a:r>
+            <a:r>
+              <a:rPr lang="en-IN" sz="2000" b="1" dirty="0">
+                <a:solidFill>
+                  <a:srgbClr val="00B050"/>
+                </a:solidFill>
+              </a:rPr>
+              <a:t>Multi-User</a:t>
+            </a:r>
+            <a:r>
+              <a:rPr lang="en-IN" sz="2000" b="1" dirty="0"/>
+              <a:t> </a:t>
+            </a:r>
+            <a:r>
+              <a:rPr lang="en-IN" sz="2000" b="1" dirty="0">
+                <a:solidFill>
+                  <a:srgbClr val="0070C0"/>
+                </a:solidFill>
+              </a:rPr>
+              <a:t>Quantum</a:t>
+            </a:r>
+            <a:r>
+              <a:rPr lang="en-IN" sz="2000" b="1" dirty="0"/>
+              <a:t> Communication System Using </a:t>
+            </a:r>
+            <a:r>
+              <a:rPr lang="en-IN" sz="2000" b="1" dirty="0">
+                <a:solidFill>
+                  <a:srgbClr val="C00000"/>
+                </a:solidFill>
+              </a:rPr>
+              <a:t>CDMA</a:t>
+            </a:r>
+            <a:r>
+              <a:rPr lang="en-IN" sz="2000" b="1" dirty="0"/>
+              <a:t> and </a:t>
+            </a:r>
+            <a:r>
+              <a:rPr lang="en-IN" sz="2000" b="1" dirty="0">
+                <a:solidFill>
+                  <a:schemeClr val="accent5">
+                    <a:lumMod val="75000"/>
+                  </a:schemeClr>
+                </a:solidFill>
+              </a:rPr>
+              <a:t>Quantum Fourier Transform</a:t>
+            </a:r>
+          </a:p>
+        </p:txBody>
+      </p:sp>
+      <p:sp>
+        <p:nvSpPr>
+          <p:cNvPr id="5" name="TextBox 4">
+            <a:extLst>
+              <a:ext uri="{FF2B5EF4-FFF2-40B4-BE49-F238E27FC236}">
+                <a16:creationId xmlns:a16="http://schemas.microsoft.com/office/drawing/2014/main" id="{B0D7B04F-C8E1-5E79-03E6-D64AB65DC171}"/>
+              </a:ext>
+            </a:extLst>
+          </p:cNvPr>
+          <p:cNvSpPr txBox="1"/>
+          <p:nvPr/>
+        </p:nvSpPr>
+        <p:spPr>
+          <a:xfrm>
+            <a:off x="596761" y="786384"/>
+            <a:ext cx="11269980" cy="3693319"/>
+          </a:xfrm>
+          <a:prstGeom prst="rect">
+            <a:avLst/>
+          </a:prstGeom>
+          <a:noFill/>
+        </p:spPr>
+        <p:txBody>
+          <a:bodyPr wrap="square" rtlCol="0">
+            <a:spAutoFit/>
+          </a:bodyPr>
+          <a:lstStyle/>
+          <a:p>
+            <a:r>
+              <a:rPr lang="en-US" b="1" dirty="0">
+                <a:solidFill>
+                  <a:srgbClr val="0000FF"/>
+                </a:solidFill>
+              </a:rPr>
+              <a:t>Motivation: </a:t>
+            </a:r>
+          </a:p>
+          <a:p>
+            <a:endParaRPr lang="en-US" b="1" dirty="0">
+              <a:solidFill>
+                <a:srgbClr val="0000FF"/>
+              </a:solidFill>
+            </a:endParaRPr>
+          </a:p>
+          <a:p>
+            <a:pPr marL="342900" indent="-342900">
+              <a:buAutoNum type="arabicPeriod"/>
+            </a:pPr>
+            <a:r>
+              <a:rPr lang="en-US" b="1" dirty="0"/>
+              <a:t>Data</a:t>
+            </a:r>
+            <a:r>
+              <a:rPr lang="en-US" b="1" dirty="0">
+                <a:solidFill>
+                  <a:srgbClr val="0000FF"/>
+                </a:solidFill>
+              </a:rPr>
+              <a:t> </a:t>
+            </a:r>
+            <a:r>
+              <a:rPr lang="en-US" b="1" dirty="0">
+                <a:solidFill>
+                  <a:schemeClr val="accent5">
+                    <a:lumMod val="60000"/>
+                    <a:lumOff val="40000"/>
+                  </a:schemeClr>
+                </a:solidFill>
+              </a:rPr>
+              <a:t>transfers</a:t>
+            </a:r>
+            <a:r>
+              <a:rPr lang="en-US" b="1" dirty="0">
+                <a:solidFill>
+                  <a:srgbClr val="0000FF"/>
+                </a:solidFill>
+              </a:rPr>
+              <a:t> </a:t>
+            </a:r>
+            <a:r>
+              <a:rPr lang="en-US" b="1" dirty="0"/>
+              <a:t>from</a:t>
+            </a:r>
+            <a:r>
+              <a:rPr lang="en-US" b="1" dirty="0">
+                <a:solidFill>
+                  <a:srgbClr val="0000FF"/>
+                </a:solidFill>
+              </a:rPr>
+              <a:t> </a:t>
+            </a:r>
+            <a:r>
+              <a:rPr lang="en-US" b="1" dirty="0">
+                <a:solidFill>
+                  <a:schemeClr val="accent1">
+                    <a:lumMod val="60000"/>
+                    <a:lumOff val="40000"/>
+                  </a:schemeClr>
+                </a:solidFill>
+              </a:rPr>
+              <a:t>source</a:t>
+            </a:r>
+            <a:r>
+              <a:rPr lang="en-US" b="1" dirty="0">
+                <a:solidFill>
+                  <a:srgbClr val="0000FF"/>
+                </a:solidFill>
+              </a:rPr>
+              <a:t> </a:t>
+            </a:r>
+            <a:r>
+              <a:rPr lang="en-US" b="1" dirty="0"/>
+              <a:t>to</a:t>
+            </a:r>
+            <a:r>
+              <a:rPr lang="en-US" b="1" dirty="0">
+                <a:solidFill>
+                  <a:srgbClr val="0000FF"/>
+                </a:solidFill>
+              </a:rPr>
+              <a:t> </a:t>
+            </a:r>
+            <a:r>
+              <a:rPr lang="en-US" b="1" dirty="0">
+                <a:solidFill>
+                  <a:schemeClr val="accent2"/>
+                </a:solidFill>
+              </a:rPr>
+              <a:t>destination </a:t>
+            </a:r>
+            <a:r>
+              <a:rPr lang="en-US" b="1" dirty="0"/>
+              <a:t>via </a:t>
+            </a:r>
+            <a:r>
+              <a:rPr lang="en-US" b="1" dirty="0">
+                <a:solidFill>
+                  <a:schemeClr val="accent4"/>
+                </a:solidFill>
+              </a:rPr>
+              <a:t>untrusted</a:t>
+            </a:r>
+            <a:r>
+              <a:rPr lang="en-US" b="1" dirty="0"/>
+              <a:t> </a:t>
+            </a:r>
+            <a:r>
+              <a:rPr lang="en-US" b="1" dirty="0">
+                <a:solidFill>
+                  <a:srgbClr val="C00000"/>
+                </a:solidFill>
+              </a:rPr>
+              <a:t>Router/Switch</a:t>
+            </a:r>
+          </a:p>
+          <a:p>
+            <a:pPr marL="342900" indent="-342900">
+              <a:buAutoNum type="arabicPeriod"/>
+            </a:pPr>
+            <a:r>
+              <a:rPr lang="en-US" b="1" dirty="0"/>
+              <a:t>Chance of </a:t>
+            </a:r>
+            <a:r>
+              <a:rPr lang="en-IN" b="1" dirty="0">
+                <a:solidFill>
+                  <a:srgbClr val="FF0000"/>
+                </a:solidFill>
+              </a:rPr>
+              <a:t>eavesdropping</a:t>
+            </a:r>
+            <a:r>
+              <a:rPr lang="en-US" b="1" dirty="0">
+                <a:solidFill>
+                  <a:srgbClr val="FF0000"/>
+                </a:solidFill>
+              </a:rPr>
+              <a:t> </a:t>
+            </a:r>
+          </a:p>
+          <a:p>
+            <a:pPr marL="342900" indent="-342900">
+              <a:buAutoNum type="arabicPeriod"/>
+            </a:pPr>
+            <a:endParaRPr lang="en-US" b="1" dirty="0">
+              <a:solidFill>
+                <a:srgbClr val="FF0000"/>
+              </a:solidFill>
+            </a:endParaRPr>
+          </a:p>
+          <a:p>
+            <a:pPr marL="342900" indent="-342900">
+              <a:buAutoNum type="arabicPeriod"/>
+            </a:pPr>
+            <a:r>
+              <a:rPr lang="en-US" b="1" dirty="0"/>
+              <a:t>To </a:t>
+            </a:r>
+            <a:r>
+              <a:rPr lang="en-US" b="1" dirty="0">
+                <a:solidFill>
+                  <a:schemeClr val="accent5">
+                    <a:lumMod val="60000"/>
+                    <a:lumOff val="40000"/>
+                  </a:schemeClr>
+                </a:solidFill>
+              </a:rPr>
+              <a:t>restrict</a:t>
+            </a:r>
+            <a:r>
+              <a:rPr lang="en-US" b="1" dirty="0"/>
+              <a:t> provide </a:t>
+            </a:r>
+            <a:r>
+              <a:rPr lang="en-US" b="1" dirty="0">
+                <a:solidFill>
+                  <a:schemeClr val="accent5">
+                    <a:lumMod val="60000"/>
+                    <a:lumOff val="40000"/>
+                  </a:schemeClr>
+                </a:solidFill>
+              </a:rPr>
+              <a:t>2 layers </a:t>
+            </a:r>
+            <a:r>
+              <a:rPr lang="en-US" b="1" dirty="0"/>
+              <a:t>security  </a:t>
+            </a:r>
+          </a:p>
+          <a:p>
+            <a:r>
+              <a:rPr lang="en-US" b="1" dirty="0"/>
+              <a:t>         3.1:  Instead of </a:t>
+            </a:r>
+            <a:r>
+              <a:rPr lang="en-US" b="1" dirty="0">
+                <a:solidFill>
+                  <a:schemeClr val="accent3">
+                    <a:lumMod val="60000"/>
+                    <a:lumOff val="40000"/>
+                  </a:schemeClr>
+                </a:solidFill>
+              </a:rPr>
+              <a:t>classical bits </a:t>
+            </a:r>
+            <a:r>
+              <a:rPr lang="en-US" b="1" dirty="0"/>
+              <a:t>send </a:t>
+            </a:r>
+            <a:r>
+              <a:rPr lang="en-US" b="1" dirty="0">
+                <a:solidFill>
+                  <a:schemeClr val="accent6"/>
+                </a:solidFill>
+              </a:rPr>
+              <a:t>quantum bits </a:t>
+            </a:r>
+            <a:r>
+              <a:rPr lang="en-US" b="1" dirty="0"/>
+              <a:t>(</a:t>
+            </a:r>
+            <a:r>
+              <a:rPr lang="en-US" b="1" dirty="0">
+                <a:highlight>
+                  <a:srgbClr val="FFFF00"/>
+                </a:highlight>
+              </a:rPr>
+              <a:t>1</a:t>
+            </a:r>
+            <a:r>
+              <a:rPr lang="en-US" b="1" baseline="30000" dirty="0">
+                <a:highlight>
+                  <a:srgbClr val="FFFF00"/>
+                </a:highlight>
+              </a:rPr>
+              <a:t>st</a:t>
+            </a:r>
+            <a:r>
+              <a:rPr lang="en-US" b="1" dirty="0">
+                <a:highlight>
+                  <a:srgbClr val="FFFF00"/>
+                </a:highlight>
+              </a:rPr>
+              <a:t> layer </a:t>
+            </a:r>
+            <a:r>
+              <a:rPr lang="en-US" b="1" dirty="0"/>
+              <a:t>security)</a:t>
+            </a:r>
+          </a:p>
+          <a:p>
+            <a:r>
+              <a:rPr lang="en-US" b="1" dirty="0">
+                <a:solidFill>
+                  <a:schemeClr val="accent6"/>
+                </a:solidFill>
+              </a:rPr>
+              <a:t>         </a:t>
+            </a:r>
+            <a:r>
+              <a:rPr lang="en-US" b="1" dirty="0"/>
+              <a:t>3.2: </a:t>
+            </a:r>
+            <a:r>
+              <a:rPr lang="en-US" b="1" dirty="0">
+                <a:solidFill>
+                  <a:schemeClr val="accent6"/>
+                </a:solidFill>
+              </a:rPr>
+              <a:t> </a:t>
+            </a:r>
+            <a:r>
+              <a:rPr lang="en-US" b="1" dirty="0"/>
+              <a:t>Then</a:t>
+            </a:r>
+            <a:r>
+              <a:rPr lang="en-US" b="1" dirty="0">
+                <a:solidFill>
+                  <a:schemeClr val="accent6"/>
+                </a:solidFill>
+              </a:rPr>
+              <a:t> </a:t>
+            </a:r>
+            <a:r>
+              <a:rPr lang="en-US" b="1" dirty="0">
+                <a:solidFill>
+                  <a:srgbClr val="0000FF"/>
+                </a:solidFill>
+              </a:rPr>
+              <a:t>Multiplex</a:t>
+            </a:r>
+            <a:r>
+              <a:rPr lang="en-US" b="1" dirty="0">
+                <a:solidFill>
+                  <a:schemeClr val="accent6"/>
+                </a:solidFill>
+              </a:rPr>
+              <a:t> </a:t>
+            </a:r>
+            <a:r>
+              <a:rPr lang="en-US" b="1" dirty="0"/>
+              <a:t>and</a:t>
+            </a:r>
+            <a:r>
+              <a:rPr lang="en-US" b="1" dirty="0">
+                <a:solidFill>
+                  <a:schemeClr val="accent6"/>
+                </a:solidFill>
+              </a:rPr>
+              <a:t> </a:t>
+            </a:r>
+            <a:r>
+              <a:rPr lang="en-US" b="1" dirty="0">
+                <a:solidFill>
+                  <a:srgbClr val="0000FF"/>
+                </a:solidFill>
+              </a:rPr>
+              <a:t>Demultiplex</a:t>
+            </a:r>
+            <a:r>
+              <a:rPr lang="en-US" b="1" dirty="0">
+                <a:solidFill>
+                  <a:schemeClr val="accent6"/>
+                </a:solidFill>
+              </a:rPr>
+              <a:t> </a:t>
+            </a:r>
+            <a:r>
+              <a:rPr lang="en-US" b="1" dirty="0"/>
+              <a:t>the</a:t>
+            </a:r>
+            <a:r>
+              <a:rPr lang="en-US" b="1" dirty="0">
+                <a:solidFill>
+                  <a:schemeClr val="accent6"/>
+                </a:solidFill>
+              </a:rPr>
+              <a:t> </a:t>
+            </a:r>
+            <a:r>
+              <a:rPr lang="en-US" b="1" dirty="0">
+                <a:solidFill>
+                  <a:srgbClr val="0000FF"/>
+                </a:solidFill>
+              </a:rPr>
+              <a:t>encoded qubit . </a:t>
+            </a:r>
+            <a:r>
+              <a:rPr lang="en-US" b="1" dirty="0">
+                <a:solidFill>
+                  <a:srgbClr val="FF0000"/>
+                </a:solidFill>
+              </a:rPr>
+              <a:t>But How?</a:t>
+            </a:r>
+          </a:p>
+          <a:p>
+            <a:r>
+              <a:rPr lang="en-US" b="1" dirty="0"/>
+              <a:t>         3.3:</a:t>
+            </a:r>
+            <a:r>
+              <a:rPr lang="en-US" b="1" dirty="0">
+                <a:solidFill>
+                  <a:srgbClr val="FF0000"/>
+                </a:solidFill>
+              </a:rPr>
+              <a:t>	</a:t>
+            </a:r>
+            <a:r>
+              <a:rPr lang="en-US" b="1" dirty="0"/>
+              <a:t>Apply Unitary Transformation(</a:t>
+            </a:r>
+            <a:r>
+              <a:rPr lang="en-US" b="1" dirty="0">
+                <a:highlight>
+                  <a:srgbClr val="FFFF00"/>
+                </a:highlight>
+              </a:rPr>
+              <a:t>QFT*IQFT=Identity</a:t>
+            </a:r>
+            <a:r>
+              <a:rPr lang="en-US" b="1" dirty="0"/>
+              <a:t>) to increase </a:t>
+            </a:r>
+            <a:r>
+              <a:rPr lang="en-US" b="1" dirty="0">
+                <a:highlight>
+                  <a:srgbClr val="FFFF00"/>
+                </a:highlight>
+              </a:rPr>
+              <a:t>2</a:t>
+            </a:r>
+            <a:r>
+              <a:rPr lang="en-US" b="1" baseline="30000" dirty="0">
+                <a:highlight>
+                  <a:srgbClr val="FFFF00"/>
+                </a:highlight>
+              </a:rPr>
+              <a:t>nd</a:t>
+            </a:r>
+            <a:r>
+              <a:rPr lang="en-US" b="1" dirty="0">
+                <a:highlight>
+                  <a:srgbClr val="FFFF00"/>
+                </a:highlight>
+              </a:rPr>
+              <a:t> layer </a:t>
+            </a:r>
+            <a:r>
+              <a:rPr lang="en-US" b="1" dirty="0"/>
+              <a:t>security</a:t>
+            </a:r>
+          </a:p>
+          <a:p>
+            <a:endParaRPr lang="en-US" b="1" dirty="0"/>
+          </a:p>
+          <a:p>
+            <a:r>
+              <a:rPr lang="en-US" b="1" dirty="0"/>
+              <a:t> </a:t>
+            </a:r>
+            <a:r>
+              <a:rPr lang="en-US" dirty="0">
+                <a:solidFill>
+                  <a:srgbClr val="0000FF"/>
+                </a:solidFill>
+                <a:latin typeface="+mj-lt"/>
+              </a:rPr>
+              <a:t>Increasing the difficulty </a:t>
+            </a:r>
+            <a:r>
+              <a:rPr lang="en-US" dirty="0">
+                <a:latin typeface="+mj-lt"/>
+              </a:rPr>
+              <a:t>for </a:t>
+            </a:r>
+            <a:r>
+              <a:rPr lang="en-US" dirty="0">
+                <a:solidFill>
+                  <a:srgbClr val="C00000"/>
+                </a:solidFill>
+                <a:latin typeface="+mj-lt"/>
+              </a:rPr>
+              <a:t>eavesdropper</a:t>
+            </a:r>
+            <a:r>
+              <a:rPr lang="en-US" dirty="0">
+                <a:latin typeface="+mj-lt"/>
+              </a:rPr>
+              <a:t> to </a:t>
+            </a:r>
+            <a:r>
+              <a:rPr lang="en-US" dirty="0">
+                <a:solidFill>
+                  <a:srgbClr val="00B050"/>
+                </a:solidFill>
+                <a:latin typeface="+mj-lt"/>
+              </a:rPr>
+              <a:t>guess</a:t>
+            </a:r>
+            <a:r>
+              <a:rPr lang="en-US" dirty="0">
+                <a:latin typeface="+mj-lt"/>
+              </a:rPr>
+              <a:t> the </a:t>
+            </a:r>
+            <a:r>
+              <a:rPr lang="en-US" dirty="0">
+                <a:solidFill>
+                  <a:srgbClr val="C00000"/>
+                </a:solidFill>
+                <a:latin typeface="+mj-lt"/>
+              </a:rPr>
+              <a:t>Qubit</a:t>
+            </a:r>
+            <a:r>
+              <a:rPr lang="en-US" dirty="0">
+                <a:latin typeface="+mj-lt"/>
+              </a:rPr>
+              <a:t> being exchanged across routers</a:t>
+            </a:r>
+            <a:r>
+              <a:rPr lang="en-US" dirty="0"/>
+              <a:t>.</a:t>
+            </a:r>
+          </a:p>
+          <a:p>
+            <a:endParaRPr lang="en-US" b="1" dirty="0"/>
+          </a:p>
+          <a:p>
+            <a:r>
+              <a:rPr lang="en-US" b="1" dirty="0">
+                <a:solidFill>
+                  <a:srgbClr val="C00000"/>
+                </a:solidFill>
+              </a:rPr>
+              <a:t>As a result:</a:t>
+            </a:r>
+            <a:r>
+              <a:rPr lang="en-IN" b="1" dirty="0">
+                <a:solidFill>
+                  <a:srgbClr val="C00000"/>
+                </a:solidFill>
+              </a:rPr>
+              <a:t> </a:t>
+            </a:r>
+            <a:r>
+              <a:rPr lang="en-IN" b="1" dirty="0">
+                <a:solidFill>
+                  <a:srgbClr val="0000FF"/>
+                </a:solidFill>
+              </a:rPr>
+              <a:t>eavesdropping</a:t>
+            </a:r>
+            <a:r>
+              <a:rPr lang="en-IN" b="1" dirty="0"/>
+              <a:t> become very very </a:t>
+            </a:r>
+            <a:r>
+              <a:rPr lang="en-IN" b="1" dirty="0">
+                <a:solidFill>
+                  <a:srgbClr val="0000FF"/>
+                </a:solidFill>
+              </a:rPr>
+              <a:t>difficult</a:t>
+            </a:r>
+            <a:endParaRPr lang="en-US" b="1" dirty="0">
+              <a:solidFill>
+                <a:srgbClr val="0000FF"/>
+              </a:solidFill>
+            </a:endParaRPr>
+          </a:p>
+        </p:txBody>
+      </p:sp>
+      <p:sp>
+        <p:nvSpPr>
+          <p:cNvPr id="6" name="TextBox 5">
+            <a:extLst>
+              <a:ext uri="{FF2B5EF4-FFF2-40B4-BE49-F238E27FC236}">
+                <a16:creationId xmlns:a16="http://schemas.microsoft.com/office/drawing/2014/main" id="{2285F2C3-AF50-2858-19A3-95F34061DE7C}"/>
+              </a:ext>
+            </a:extLst>
+          </p:cNvPr>
+          <p:cNvSpPr txBox="1"/>
+          <p:nvPr/>
+        </p:nvSpPr>
+        <p:spPr>
+          <a:xfrm>
+            <a:off x="10291480" y="5965767"/>
+            <a:ext cx="1787652" cy="646331"/>
+          </a:xfrm>
+          <a:prstGeom prst="rect">
+            <a:avLst/>
+          </a:prstGeom>
+          <a:noFill/>
+        </p:spPr>
+        <p:txBody>
+          <a:bodyPr wrap="square" rtlCol="0">
+            <a:spAutoFit/>
+          </a:bodyPr>
+          <a:lstStyle/>
+          <a:p>
+            <a:r>
+              <a:rPr lang="en-US" b="1" dirty="0">
+                <a:solidFill>
+                  <a:srgbClr val="0000FF"/>
+                </a:solidFill>
+              </a:rPr>
+              <a:t>Soumen Das</a:t>
+            </a:r>
+          </a:p>
+          <a:p>
+            <a:r>
+              <a:rPr lang="en-US" b="1" dirty="0">
+                <a:solidFill>
+                  <a:srgbClr val="C00000"/>
+                </a:solidFill>
+              </a:rPr>
+              <a:t>2025BSZ8209</a:t>
+            </a:r>
+            <a:endParaRPr lang="en-IN" b="1" dirty="0">
+              <a:solidFill>
+                <a:srgbClr val="C00000"/>
+              </a:solidFill>
+            </a:endParaRPr>
+          </a:p>
+        </p:txBody>
+      </p:sp>
+    </p:spTree>
+    <p:extLst>
+      <p:ext uri="{BB962C8B-B14F-4D97-AF65-F5344CB8AC3E}">
+        <p14:creationId xmlns:p14="http://schemas.microsoft.com/office/powerpoint/2010/main" val="2784779720"/>
+      </p:ext>
+    </p:extLst>
+  </p:cSld>
+  <p:clrMapOvr>
+    <a:masterClrMapping/>
+  </p:clrMapOvr>
+</p:sld>
+</file>
+
+<file path=ppt/slides/slide10.xml><?xml version="1.0" encoding="utf-8"?>
+<p:sld xmlns:a="http://schemas.openxmlformats.org/drawingml/2006/main" xmlns:r="http://schemas.openxmlformats.org/officeDocument/2006/relationships" xmlns:p="http://schemas.openxmlformats.org/presentationml/2006/main">
+  <p:cSld>
+    <p:spTree>
+      <p:nvGrpSpPr>
         <p:cNvPr id="1" name="">
           <a:extLst>
             <a:ext uri="{FF2B5EF4-FFF2-40B4-BE49-F238E27FC236}">
-              <a16:creationId xmlns:a16="http://schemas.microsoft.com/office/drawing/2014/main" id="{B0E32B59-5514-C25A-5398-8445487AC4D9}"/>
+              <a16:creationId xmlns:a16="http://schemas.microsoft.com/office/drawing/2014/main" id="{C1371738-7FBF-8D5A-3D20-3BCFF009025D}"/>
+            </a:ext>
+          </a:extLst>
+        </p:cNvPr>
+        <p:cNvGrpSpPr/>
+        <p:nvPr/>
+      </p:nvGrpSpPr>
+      <p:grpSpPr>
+        <a:xfrm>
+          <a:off x="0" y="0"/>
+          <a:ext cx="0" cy="0"/>
+          <a:chOff x="0" y="0"/>
+          <a:chExt cx="0" cy="0"/>
+        </a:xfrm>
+      </p:grpSpPr>
+      <p:pic>
+        <p:nvPicPr>
+          <p:cNvPr id="5" name="Picture 4">
+            <a:extLst>
+              <a:ext uri="{FF2B5EF4-FFF2-40B4-BE49-F238E27FC236}">
+                <a16:creationId xmlns:a16="http://schemas.microsoft.com/office/drawing/2014/main" id="{C4B3304C-576C-9E10-4F56-F69BF59D6821}"/>
+              </a:ext>
+            </a:extLst>
+          </p:cNvPr>
+          <p:cNvPicPr>
+            <a:picLocks noChangeAspect="1"/>
+          </p:cNvPicPr>
+          <p:nvPr/>
+        </p:nvPicPr>
+        <p:blipFill>
+          <a:blip r:embed="rId2"/>
+          <a:stretch>
+            <a:fillRect/>
+          </a:stretch>
+        </p:blipFill>
+        <p:spPr>
+          <a:xfrm>
+            <a:off x="200024" y="193945"/>
+            <a:ext cx="11572875" cy="5630783"/>
+          </a:xfrm>
+          <a:prstGeom prst="rect">
+            <a:avLst/>
+          </a:prstGeom>
+        </p:spPr>
+      </p:pic>
+    </p:spTree>
+    <p:extLst>
+      <p:ext uri="{BB962C8B-B14F-4D97-AF65-F5344CB8AC3E}">
+        <p14:creationId xmlns:p14="http://schemas.microsoft.com/office/powerpoint/2010/main" val="344313437"/>
+      </p:ext>
+    </p:extLst>
+  </p:cSld>
+  <p:clrMapOvr>
+    <a:masterClrMapping/>
+  </p:clrMapOvr>
+</p:sld>
+</file>
+
+<file path=ppt/slides/slide11.xml><?xml version="1.0" encoding="utf-8"?>
+<p:sld xmlns:a="http://schemas.openxmlformats.org/drawingml/2006/main" xmlns:r="http://schemas.openxmlformats.org/officeDocument/2006/relationships" xmlns:p="http://schemas.openxmlformats.org/presentationml/2006/main">
+  <p:cSld>
+    <p:spTree>
+      <p:nvGrpSpPr>
+        <p:cNvPr id="1" name="">
+          <a:extLst>
+            <a:ext uri="{FF2B5EF4-FFF2-40B4-BE49-F238E27FC236}">
+              <a16:creationId xmlns:a16="http://schemas.microsoft.com/office/drawing/2014/main" id="{BB030F93-D240-C146-4D6A-D066931EBAE0}"/>
+            </a:ext>
+          </a:extLst>
+        </p:cNvPr>
+        <p:cNvGrpSpPr/>
+        <p:nvPr/>
+      </p:nvGrpSpPr>
+      <p:grpSpPr>
+        <a:xfrm>
+          <a:off x="0" y="0"/>
+          <a:ext cx="0" cy="0"/>
+          <a:chOff x="0" y="0"/>
+          <a:chExt cx="0" cy="0"/>
+        </a:xfrm>
+      </p:grpSpPr>
+      <p:pic>
+        <p:nvPicPr>
+          <p:cNvPr id="7" name="Picture 6">
+            <a:extLst>
+              <a:ext uri="{FF2B5EF4-FFF2-40B4-BE49-F238E27FC236}">
+                <a16:creationId xmlns:a16="http://schemas.microsoft.com/office/drawing/2014/main" id="{5139FFE1-839E-E579-0427-4FE18FFC33FB}"/>
+              </a:ext>
+            </a:extLst>
+          </p:cNvPr>
+          <p:cNvPicPr>
+            <a:picLocks noChangeAspect="1"/>
+          </p:cNvPicPr>
+          <p:nvPr/>
+        </p:nvPicPr>
+        <p:blipFill>
+          <a:blip r:embed="rId2"/>
+          <a:stretch>
+            <a:fillRect/>
+          </a:stretch>
+        </p:blipFill>
+        <p:spPr>
+          <a:xfrm>
+            <a:off x="389856" y="321770"/>
+            <a:ext cx="10683528" cy="5932726"/>
+          </a:xfrm>
+          <a:prstGeom prst="rect">
+            <a:avLst/>
+          </a:prstGeom>
+        </p:spPr>
+      </p:pic>
+    </p:spTree>
+    <p:extLst>
+      <p:ext uri="{BB962C8B-B14F-4D97-AF65-F5344CB8AC3E}">
+        <p14:creationId xmlns:p14="http://schemas.microsoft.com/office/powerpoint/2010/main" val="2225940681"/>
+      </p:ext>
+    </p:extLst>
+  </p:cSld>
+  <p:clrMapOvr>
+    <a:masterClrMapping/>
+  </p:clrMapOvr>
+</p:sld>
+</file>
+
+<file path=ppt/slides/slide12.xml><?xml version="1.0" encoding="utf-8"?>
+<p:sld xmlns:a="http://schemas.openxmlformats.org/drawingml/2006/main" xmlns:r="http://schemas.openxmlformats.org/officeDocument/2006/relationships" xmlns:p="http://schemas.openxmlformats.org/presentationml/2006/main">
+  <p:cSld>
+    <p:spTree>
+      <p:nvGrpSpPr>
+        <p:cNvPr id="1" name="">
+          <a:extLst>
+            <a:ext uri="{FF2B5EF4-FFF2-40B4-BE49-F238E27FC236}">
+              <a16:creationId xmlns:a16="http://schemas.microsoft.com/office/drawing/2014/main" id="{7723C752-1E11-F1B4-727C-2873CE3BC4E8}"/>
             </a:ext>
           </a:extLst>
         </p:cNvPr>
@@ -4256,7 +5600,7 @@
           <p:cNvPr id="3" name="Picture 2">
             <a:extLst>
               <a:ext uri="{FF2B5EF4-FFF2-40B4-BE49-F238E27FC236}">
-                <a16:creationId xmlns:a16="http://schemas.microsoft.com/office/drawing/2014/main" id="{EF5061A5-5183-CDBC-AD72-38AC74B40FF6}"/>
+                <a16:creationId xmlns:a16="http://schemas.microsoft.com/office/drawing/2014/main" id="{8415F6DD-1351-3597-0614-F02AD6966678}"/>
               </a:ext>
             </a:extLst>
           </p:cNvPr>
@@ -4273,153 +5617,18 @@
         </p:blipFill>
         <p:spPr>
           <a:xfrm>
-            <a:off x="2221992" y="841248"/>
-            <a:ext cx="8330184" cy="5716714"/>
+            <a:off x="827355" y="85258"/>
+            <a:ext cx="10717121" cy="6687483"/>
           </a:xfrm>
           <a:prstGeom prst="rect">
             <a:avLst/>
           </a:prstGeom>
         </p:spPr>
       </p:pic>
-      <p:sp>
-        <p:nvSpPr>
-          <p:cNvPr id="5" name="TextBox 4">
-            <a:extLst>
-              <a:ext uri="{FF2B5EF4-FFF2-40B4-BE49-F238E27FC236}">
-                <a16:creationId xmlns:a16="http://schemas.microsoft.com/office/drawing/2014/main" id="{31964230-E198-31EA-CAD7-CCC4DE7044CA}"/>
-              </a:ext>
-            </a:extLst>
-          </p:cNvPr>
-          <p:cNvSpPr txBox="1"/>
-          <p:nvPr/>
-        </p:nvSpPr>
-        <p:spPr>
-          <a:xfrm>
-            <a:off x="260604" y="164592"/>
-            <a:ext cx="11670792" cy="400110"/>
-          </a:xfrm>
-          <a:prstGeom prst="rect">
-            <a:avLst/>
-          </a:prstGeom>
-          <a:noFill/>
-        </p:spPr>
-        <p:txBody>
-          <a:bodyPr wrap="square" rtlCol="0">
-            <a:spAutoFit/>
-          </a:bodyPr>
-          <a:lstStyle/>
-          <a:p>
-            <a:r>
-              <a:rPr lang="en-IN" sz="2000" b="1" dirty="0"/>
-              <a:t>A Novel </a:t>
-            </a:r>
-            <a:r>
-              <a:rPr lang="en-IN" sz="2000" b="1" dirty="0">
-                <a:solidFill>
-                  <a:srgbClr val="00B050"/>
-                </a:solidFill>
-              </a:rPr>
-              <a:t>Multi-User</a:t>
-            </a:r>
-            <a:r>
-              <a:rPr lang="en-IN" sz="2000" b="1" dirty="0"/>
-              <a:t> </a:t>
-            </a:r>
-            <a:r>
-              <a:rPr lang="en-IN" sz="2000" b="1" dirty="0">
-                <a:solidFill>
-                  <a:srgbClr val="0070C0"/>
-                </a:solidFill>
-              </a:rPr>
-              <a:t>Quantum</a:t>
-            </a:r>
-            <a:r>
-              <a:rPr lang="en-IN" sz="2000" b="1" dirty="0"/>
-              <a:t> Communication System Using </a:t>
-            </a:r>
-            <a:r>
-              <a:rPr lang="en-IN" sz="2000" b="1" dirty="0">
-                <a:solidFill>
-                  <a:srgbClr val="C00000"/>
-                </a:solidFill>
-              </a:rPr>
-              <a:t>CDMA</a:t>
-            </a:r>
-            <a:r>
-              <a:rPr lang="en-IN" sz="2000" b="1" dirty="0"/>
-              <a:t> and </a:t>
-            </a:r>
-            <a:r>
-              <a:rPr lang="en-IN" sz="2000" b="1" dirty="0">
-                <a:solidFill>
-                  <a:schemeClr val="accent5">
-                    <a:lumMod val="75000"/>
-                  </a:schemeClr>
-                </a:solidFill>
-              </a:rPr>
-              <a:t>Quantum Fourier Transform</a:t>
-            </a:r>
-          </a:p>
-        </p:txBody>
-      </p:sp>
-      <p:sp>
-        <p:nvSpPr>
-          <p:cNvPr id="9" name="TextBox 8">
-            <a:extLst>
-              <a:ext uri="{FF2B5EF4-FFF2-40B4-BE49-F238E27FC236}">
-                <a16:creationId xmlns:a16="http://schemas.microsoft.com/office/drawing/2014/main" id="{13A2D55F-1C27-7330-B551-E8BEBCCE9D93}"/>
-              </a:ext>
-            </a:extLst>
-          </p:cNvPr>
-          <p:cNvSpPr txBox="1"/>
-          <p:nvPr/>
-        </p:nvSpPr>
-        <p:spPr>
-          <a:xfrm>
-            <a:off x="242316" y="1005840"/>
-            <a:ext cx="1787652" cy="646331"/>
-          </a:xfrm>
-          <a:prstGeom prst="rect">
-            <a:avLst/>
-          </a:prstGeom>
-          <a:noFill/>
-        </p:spPr>
-        <p:txBody>
-          <a:bodyPr wrap="square" rtlCol="0">
-            <a:spAutoFit/>
-          </a:bodyPr>
-          <a:lstStyle/>
-          <a:p>
-            <a:r>
-              <a:rPr lang="en-US" b="1" dirty="0">
-                <a:solidFill>
-                  <a:srgbClr val="0000FF"/>
-                </a:solidFill>
-              </a:rPr>
-              <a:t>Soumen Das</a:t>
-            </a:r>
-          </a:p>
-          <a:p>
-            <a:r>
-              <a:rPr lang="en-US" b="1" dirty="0">
-                <a:solidFill>
-                  <a:srgbClr val="C00000"/>
-                </a:solidFill>
-              </a:rPr>
-              <a:t>2025BSZ8209</a:t>
-            </a:r>
-            <a:endParaRPr lang="en-IN" b="1" dirty="0">
-              <a:solidFill>
-                <a:srgbClr val="C00000"/>
-              </a:solidFill>
-            </a:endParaRPr>
-          </a:p>
-        </p:txBody>
-      </p:sp>
     </p:spTree>
     <p:extLst>
       <p:ext uri="{BB962C8B-B14F-4D97-AF65-F5344CB8AC3E}">
-        <p14:creationId xmlns:p14="http://schemas.microsoft.com/office/powerpoint/2010/main" val="1775201242"/>
+        <p14:creationId xmlns:p14="http://schemas.microsoft.com/office/powerpoint/2010/main" val="2923947198"/>
       </p:ext>
     </p:extLst>
   </p:cSld>
@@ -4429,7 +5638,271 @@
 </p:sld>
 </file>
 
-<file path=ppt/slides/slide10.xml><?xml version="1.0" encoding="utf-8"?>
+<file path=ppt/slides/slide13.xml><?xml version="1.0" encoding="utf-8"?>
+<p:sld xmlns:a="http://schemas.openxmlformats.org/drawingml/2006/main" xmlns:r="http://schemas.openxmlformats.org/officeDocument/2006/relationships" xmlns:p="http://schemas.openxmlformats.org/presentationml/2006/main">
+  <p:cSld>
+    <p:spTree>
+      <p:nvGrpSpPr>
+        <p:cNvPr id="1" name="">
+          <a:extLst>
+            <a:ext uri="{FF2B5EF4-FFF2-40B4-BE49-F238E27FC236}">
+              <a16:creationId xmlns:a16="http://schemas.microsoft.com/office/drawing/2014/main" id="{2B0DB659-CE95-B96C-B23E-E8BE43027444}"/>
+            </a:ext>
+          </a:extLst>
+        </p:cNvPr>
+        <p:cNvGrpSpPr/>
+        <p:nvPr/>
+      </p:nvGrpSpPr>
+      <p:grpSpPr>
+        <a:xfrm>
+          <a:off x="0" y="0"/>
+          <a:ext cx="0" cy="0"/>
+          <a:chOff x="0" y="0"/>
+          <a:chExt cx="0" cy="0"/>
+        </a:xfrm>
+      </p:grpSpPr>
+      <p:pic>
+        <p:nvPicPr>
+          <p:cNvPr id="3" name="Picture 2">
+            <a:extLst>
+              <a:ext uri="{FF2B5EF4-FFF2-40B4-BE49-F238E27FC236}">
+                <a16:creationId xmlns:a16="http://schemas.microsoft.com/office/drawing/2014/main" id="{CFEEE737-37F6-AE4A-6090-7E0E3F42E4AA}"/>
+              </a:ext>
+            </a:extLst>
+          </p:cNvPr>
+          <p:cNvPicPr>
+            <a:picLocks noChangeAspect="1"/>
+          </p:cNvPicPr>
+          <p:nvPr/>
+        </p:nvPicPr>
+        <p:blipFill>
+          <a:blip r:embed="rId2"/>
+          <a:stretch>
+            <a:fillRect/>
+          </a:stretch>
+        </p:blipFill>
+        <p:spPr>
+          <a:xfrm>
+            <a:off x="399288" y="152835"/>
+            <a:ext cx="11393424" cy="5564778"/>
+          </a:xfrm>
+          <a:prstGeom prst="rect">
+            <a:avLst/>
+          </a:prstGeom>
+        </p:spPr>
+      </p:pic>
+    </p:spTree>
+    <p:extLst>
+      <p:ext uri="{BB962C8B-B14F-4D97-AF65-F5344CB8AC3E}">
+        <p14:creationId xmlns:p14="http://schemas.microsoft.com/office/powerpoint/2010/main" val="2251456162"/>
+      </p:ext>
+    </p:extLst>
+  </p:cSld>
+  <p:clrMapOvr>
+    <a:masterClrMapping/>
+  </p:clrMapOvr>
+</p:sld>
+</file>
+
+<file path=ppt/slides/slide14.xml><?xml version="1.0" encoding="utf-8"?>
+<p:sld xmlns:a="http://schemas.openxmlformats.org/drawingml/2006/main" xmlns:r="http://schemas.openxmlformats.org/officeDocument/2006/relationships" xmlns:p="http://schemas.openxmlformats.org/presentationml/2006/main">
+  <p:cSld>
+    <p:spTree>
+      <p:nvGrpSpPr>
+        <p:cNvPr id="1" name="">
+          <a:extLst>
+            <a:ext uri="{FF2B5EF4-FFF2-40B4-BE49-F238E27FC236}">
+              <a16:creationId xmlns:a16="http://schemas.microsoft.com/office/drawing/2014/main" id="{725BDD85-F3D7-662A-E7C0-BB09D0936B0F}"/>
+            </a:ext>
+          </a:extLst>
+        </p:cNvPr>
+        <p:cNvGrpSpPr/>
+        <p:nvPr/>
+      </p:nvGrpSpPr>
+      <p:grpSpPr>
+        <a:xfrm>
+          <a:off x="0" y="0"/>
+          <a:ext cx="0" cy="0"/>
+          <a:chOff x="0" y="0"/>
+          <a:chExt cx="0" cy="0"/>
+        </a:xfrm>
+      </p:grpSpPr>
+      <p:pic>
+        <p:nvPicPr>
+          <p:cNvPr id="5" name="Picture 4">
+            <a:extLst>
+              <a:ext uri="{FF2B5EF4-FFF2-40B4-BE49-F238E27FC236}">
+                <a16:creationId xmlns:a16="http://schemas.microsoft.com/office/drawing/2014/main" id="{9407EC94-EDE5-D7CD-D92C-836B4CADDC28}"/>
+              </a:ext>
+            </a:extLst>
+          </p:cNvPr>
+          <p:cNvPicPr>
+            <a:picLocks noChangeAspect="1"/>
+          </p:cNvPicPr>
+          <p:nvPr/>
+        </p:nvPicPr>
+        <p:blipFill>
+          <a:blip r:embed="rId2"/>
+          <a:stretch>
+            <a:fillRect/>
+          </a:stretch>
+        </p:blipFill>
+        <p:spPr>
+          <a:xfrm>
+            <a:off x="284988" y="242996"/>
+            <a:ext cx="11622024" cy="6221811"/>
+          </a:xfrm>
+          <a:prstGeom prst="rect">
+            <a:avLst/>
+          </a:prstGeom>
+        </p:spPr>
+      </p:pic>
+    </p:spTree>
+    <p:extLst>
+      <p:ext uri="{BB962C8B-B14F-4D97-AF65-F5344CB8AC3E}">
+        <p14:creationId xmlns:p14="http://schemas.microsoft.com/office/powerpoint/2010/main" val="1013028364"/>
+      </p:ext>
+    </p:extLst>
+  </p:cSld>
+  <p:clrMapOvr>
+    <a:masterClrMapping/>
+  </p:clrMapOvr>
+</p:sld>
+</file>
+
+<file path=ppt/slides/slide15.xml><?xml version="1.0" encoding="utf-8"?>
+<p:sld xmlns:a="http://schemas.openxmlformats.org/drawingml/2006/main" xmlns:r="http://schemas.openxmlformats.org/officeDocument/2006/relationships" xmlns:p="http://schemas.openxmlformats.org/presentationml/2006/main">
+  <p:cSld>
+    <p:spTree>
+      <p:nvGrpSpPr>
+        <p:cNvPr id="1" name="">
+          <a:extLst>
+            <a:ext uri="{FF2B5EF4-FFF2-40B4-BE49-F238E27FC236}">
+              <a16:creationId xmlns:a16="http://schemas.microsoft.com/office/drawing/2014/main" id="{ABDBCE24-DAB2-906A-FB97-E6EBFABD2535}"/>
+            </a:ext>
+          </a:extLst>
+        </p:cNvPr>
+        <p:cNvGrpSpPr/>
+        <p:nvPr/>
+      </p:nvGrpSpPr>
+      <p:grpSpPr>
+        <a:xfrm>
+          <a:off x="0" y="0"/>
+          <a:ext cx="0" cy="0"/>
+          <a:chOff x="0" y="0"/>
+          <a:chExt cx="0" cy="0"/>
+        </a:xfrm>
+      </p:grpSpPr>
+      <p:pic>
+        <p:nvPicPr>
+          <p:cNvPr id="3" name="Picture 2">
+            <a:extLst>
+              <a:ext uri="{FF2B5EF4-FFF2-40B4-BE49-F238E27FC236}">
+                <a16:creationId xmlns:a16="http://schemas.microsoft.com/office/drawing/2014/main" id="{BA5745F8-80A5-7271-6862-3FEB80FDFDEA}"/>
+              </a:ext>
+            </a:extLst>
+          </p:cNvPr>
+          <p:cNvPicPr>
+            <a:picLocks noChangeAspect="1"/>
+          </p:cNvPicPr>
+          <p:nvPr/>
+        </p:nvPicPr>
+        <p:blipFill>
+          <a:blip r:embed="rId2"/>
+          <a:stretch>
+            <a:fillRect/>
+          </a:stretch>
+        </p:blipFill>
+        <p:spPr>
+          <a:xfrm>
+            <a:off x="824753" y="180594"/>
+            <a:ext cx="10542494" cy="6496812"/>
+          </a:xfrm>
+          <a:prstGeom prst="rect">
+            <a:avLst/>
+          </a:prstGeom>
+        </p:spPr>
+      </p:pic>
+    </p:spTree>
+    <p:extLst>
+      <p:ext uri="{BB962C8B-B14F-4D97-AF65-F5344CB8AC3E}">
+        <p14:creationId xmlns:p14="http://schemas.microsoft.com/office/powerpoint/2010/main" val="316350334"/>
+      </p:ext>
+    </p:extLst>
+  </p:cSld>
+  <p:clrMapOvr>
+    <a:masterClrMapping/>
+  </p:clrMapOvr>
+</p:sld>
+</file>
+
+<file path=ppt/slides/slide16.xml><?xml version="1.0" encoding="utf-8"?>
+<p:sld xmlns:a="http://schemas.openxmlformats.org/drawingml/2006/main" xmlns:r="http://schemas.openxmlformats.org/officeDocument/2006/relationships" xmlns:p="http://schemas.openxmlformats.org/presentationml/2006/main">
+  <p:cSld>
+    <p:spTree>
+      <p:nvGrpSpPr>
+        <p:cNvPr id="1" name="">
+          <a:extLst>
+            <a:ext uri="{FF2B5EF4-FFF2-40B4-BE49-F238E27FC236}">
+              <a16:creationId xmlns:a16="http://schemas.microsoft.com/office/drawing/2014/main" id="{18CED982-079F-233D-604E-CB30BFAA75D9}"/>
+            </a:ext>
+          </a:extLst>
+        </p:cNvPr>
+        <p:cNvGrpSpPr/>
+        <p:nvPr/>
+      </p:nvGrpSpPr>
+      <p:grpSpPr>
+        <a:xfrm>
+          <a:off x="0" y="0"/>
+          <a:ext cx="0" cy="0"/>
+          <a:chOff x="0" y="0"/>
+          <a:chExt cx="0" cy="0"/>
+        </a:xfrm>
+      </p:grpSpPr>
+      <p:pic>
+        <p:nvPicPr>
+          <p:cNvPr id="3" name="Picture 2">
+            <a:extLst>
+              <a:ext uri="{FF2B5EF4-FFF2-40B4-BE49-F238E27FC236}">
+                <a16:creationId xmlns:a16="http://schemas.microsoft.com/office/drawing/2014/main" id="{E93343B1-C190-0A89-4B02-734885F816A9}"/>
+              </a:ext>
+            </a:extLst>
+          </p:cNvPr>
+          <p:cNvPicPr>
+            <a:picLocks noChangeAspect="1"/>
+          </p:cNvPicPr>
+          <p:nvPr/>
+        </p:nvPicPr>
+        <p:blipFill>
+          <a:blip r:embed="rId2"/>
+          <a:stretch>
+            <a:fillRect/>
+          </a:stretch>
+        </p:blipFill>
+        <p:spPr>
+          <a:xfrm>
+            <a:off x="309562" y="177084"/>
+            <a:ext cx="11572876" cy="6480891"/>
+          </a:xfrm>
+          <a:prstGeom prst="rect">
+            <a:avLst/>
+          </a:prstGeom>
+        </p:spPr>
+      </p:pic>
+    </p:spTree>
+    <p:extLst>
+      <p:ext uri="{BB962C8B-B14F-4D97-AF65-F5344CB8AC3E}">
+        <p14:creationId xmlns:p14="http://schemas.microsoft.com/office/powerpoint/2010/main" val="331167303"/>
+      </p:ext>
+    </p:extLst>
+  </p:cSld>
+  <p:clrMapOvr>
+    <a:masterClrMapping/>
+  </p:clrMapOvr>
+</p:sld>
+</file>
+
+<file path=ppt/slides/slide17.xml><?xml version="1.0" encoding="utf-8"?>
 <p:sld xmlns:a="http://schemas.openxmlformats.org/drawingml/2006/main" xmlns:r="http://schemas.openxmlformats.org/officeDocument/2006/relationships" xmlns:p="http://schemas.openxmlformats.org/presentationml/2006/main">
   <p:cSld>
     <p:spTree>
@@ -4495,7 +5968,7 @@
 </p:sld>
 </file>
 
-<file path=ppt/slides/slide11.xml><?xml version="1.0" encoding="utf-8"?>
+<file path=ppt/slides/slide18.xml><?xml version="1.0" encoding="utf-8"?>
 <p:sld xmlns:a="http://schemas.openxmlformats.org/drawingml/2006/main" xmlns:r="http://schemas.openxmlformats.org/officeDocument/2006/relationships" xmlns:p="http://schemas.openxmlformats.org/presentationml/2006/main">
   <p:cSld>
     <p:spTree>
@@ -4561,7 +6034,7 @@
 </p:sld>
 </file>
 
-<file path=ppt/slides/slide12.xml><?xml version="1.0" encoding="utf-8"?>
+<file path=ppt/slides/slide19.xml><?xml version="1.0" encoding="utf-8"?>
 <p:sld xmlns:a="http://schemas.openxmlformats.org/drawingml/2006/main" xmlns:r="http://schemas.openxmlformats.org/officeDocument/2006/relationships" xmlns:p="http://schemas.openxmlformats.org/presentationml/2006/main">
   <p:cSld>
     <p:spTree>
@@ -4627,7 +6100,154 @@
 </p:sld>
 </file>
 
-<file path=ppt/slides/slide13.xml><?xml version="1.0" encoding="utf-8"?>
+<file path=ppt/slides/slide2.xml><?xml version="1.0" encoding="utf-8"?>
+<p:sld xmlns:a="http://schemas.openxmlformats.org/drawingml/2006/main" xmlns:r="http://schemas.openxmlformats.org/officeDocument/2006/relationships" xmlns:p="http://schemas.openxmlformats.org/presentationml/2006/main">
+  <p:cSld>
+    <p:spTree>
+      <p:nvGrpSpPr>
+        <p:cNvPr id="1" name="">
+          <a:extLst>
+            <a:ext uri="{FF2B5EF4-FFF2-40B4-BE49-F238E27FC236}">
+              <a16:creationId xmlns:a16="http://schemas.microsoft.com/office/drawing/2014/main" id="{B0E32B59-5514-C25A-5398-8445487AC4D9}"/>
+            </a:ext>
+          </a:extLst>
+        </p:cNvPr>
+        <p:cNvGrpSpPr/>
+        <p:nvPr/>
+      </p:nvGrpSpPr>
+      <p:grpSpPr>
+        <a:xfrm>
+          <a:off x="0" y="0"/>
+          <a:ext cx="0" cy="0"/>
+          <a:chOff x="0" y="0"/>
+          <a:chExt cx="0" cy="0"/>
+        </a:xfrm>
+      </p:grpSpPr>
+      <p:pic>
+        <p:nvPicPr>
+          <p:cNvPr id="3" name="Picture 2">
+            <a:extLst>
+              <a:ext uri="{FF2B5EF4-FFF2-40B4-BE49-F238E27FC236}">
+                <a16:creationId xmlns:a16="http://schemas.microsoft.com/office/drawing/2014/main" id="{EF5061A5-5183-CDBC-AD72-38AC74B40FF6}"/>
+              </a:ext>
+            </a:extLst>
+          </p:cNvPr>
+          <p:cNvPicPr>
+            <a:picLocks noChangeAspect="1"/>
+          </p:cNvPicPr>
+          <p:nvPr/>
+        </p:nvPicPr>
+        <p:blipFill>
+          <a:blip r:embed="rId2"/>
+          <a:stretch>
+            <a:fillRect/>
+          </a:stretch>
+        </p:blipFill>
+        <p:spPr>
+          <a:xfrm>
+            <a:off x="2221992" y="841248"/>
+            <a:ext cx="8330184" cy="5716714"/>
+          </a:xfrm>
+          <a:prstGeom prst="rect">
+            <a:avLst/>
+          </a:prstGeom>
+        </p:spPr>
+      </p:pic>
+      <p:sp>
+        <p:nvSpPr>
+          <p:cNvPr id="5" name="TextBox 4">
+            <a:extLst>
+              <a:ext uri="{FF2B5EF4-FFF2-40B4-BE49-F238E27FC236}">
+                <a16:creationId xmlns:a16="http://schemas.microsoft.com/office/drawing/2014/main" id="{31964230-E198-31EA-CAD7-CCC4DE7044CA}"/>
+              </a:ext>
+            </a:extLst>
+          </p:cNvPr>
+          <p:cNvSpPr txBox="1"/>
+          <p:nvPr/>
+        </p:nvSpPr>
+        <p:spPr>
+          <a:xfrm>
+            <a:off x="260604" y="164592"/>
+            <a:ext cx="11670792" cy="400110"/>
+          </a:xfrm>
+          <a:prstGeom prst="rect">
+            <a:avLst/>
+          </a:prstGeom>
+          <a:noFill/>
+        </p:spPr>
+        <p:txBody>
+          <a:bodyPr wrap="square" rtlCol="0">
+            <a:spAutoFit/>
+          </a:bodyPr>
+          <a:lstStyle/>
+          <a:p>
+            <a:r>
+              <a:rPr lang="en-IN" sz="2000" b="1" dirty="0"/>
+              <a:t>A Novel </a:t>
+            </a:r>
+            <a:r>
+              <a:rPr lang="en-IN" sz="2000" b="1" dirty="0">
+                <a:solidFill>
+                  <a:srgbClr val="00B050"/>
+                </a:solidFill>
+              </a:rPr>
+              <a:t>Multi-User</a:t>
+            </a:r>
+            <a:r>
+              <a:rPr lang="en-IN" sz="2000" b="1" dirty="0"/>
+              <a:t> </a:t>
+            </a:r>
+            <a:r>
+              <a:rPr lang="en-IN" sz="2000" b="1" dirty="0">
+                <a:solidFill>
+                  <a:srgbClr val="0070C0"/>
+                </a:solidFill>
+              </a:rPr>
+              <a:t>Quantum</a:t>
+            </a:r>
+            <a:r>
+              <a:rPr lang="en-IN" sz="2000" b="1" dirty="0"/>
+              <a:t> Communication System Using </a:t>
+            </a:r>
+            <a:r>
+              <a:rPr lang="en-IN" sz="2000" b="1" dirty="0">
+                <a:solidFill>
+                  <a:srgbClr val="C00000"/>
+                </a:solidFill>
+              </a:rPr>
+              <a:t>CDMA</a:t>
+            </a:r>
+            <a:r>
+              <a:rPr lang="en-IN" sz="2000" b="1" dirty="0"/>
+              <a:t> and </a:t>
+            </a:r>
+            <a:r>
+              <a:rPr lang="en-IN" sz="2000" b="1" dirty="0">
+                <a:solidFill>
+                  <a:schemeClr val="accent5">
+                    <a:lumMod val="75000"/>
+                  </a:schemeClr>
+                </a:solidFill>
+              </a:rPr>
+              <a:t>Quantum Fourier Transform</a:t>
+            </a:r>
+          </a:p>
+        </p:txBody>
+      </p:sp>
+    </p:spTree>
+    <p:extLst>
+      <p:ext uri="{BB962C8B-B14F-4D97-AF65-F5344CB8AC3E}">
+        <p14:creationId xmlns:p14="http://schemas.microsoft.com/office/powerpoint/2010/main" val="1775201242"/>
+      </p:ext>
+    </p:extLst>
+  </p:cSld>
+  <p:clrMapOvr>
+    <a:masterClrMapping/>
+  </p:clrMapOvr>
+</p:sld>
+</file>
+
+<file path=ppt/slides/slide20.xml><?xml version="1.0" encoding="utf-8"?>
 <p:sld xmlns:a="http://schemas.openxmlformats.org/drawingml/2006/main" xmlns:r="http://schemas.openxmlformats.org/officeDocument/2006/relationships" xmlns:p="http://schemas.openxmlformats.org/presentationml/2006/main">
   <p:cSld>
     <p:spTree>
@@ -4693,7 +6313,7 @@
 </p:sld>
 </file>
 
-<file path=ppt/slides/slide14.xml><?xml version="1.0" encoding="utf-8"?>
+<file path=ppt/slides/slide21.xml><?xml version="1.0" encoding="utf-8"?>
 <p:sld xmlns:a="http://schemas.openxmlformats.org/drawingml/2006/main" xmlns:r="http://schemas.openxmlformats.org/officeDocument/2006/relationships" xmlns:p="http://schemas.openxmlformats.org/presentationml/2006/main">
   <p:cSld>
     <p:spTree>
@@ -4759,7 +6379,7 @@
 </p:sld>
 </file>
 
-<file path=ppt/slides/slide15.xml><?xml version="1.0" encoding="utf-8"?>
+<file path=ppt/slides/slide22.xml><?xml version="1.0" encoding="utf-8"?>
 <p:sld xmlns:a="http://schemas.openxmlformats.org/drawingml/2006/main" xmlns:r="http://schemas.openxmlformats.org/officeDocument/2006/relationships" xmlns:p="http://schemas.openxmlformats.org/presentationml/2006/main">
   <p:cSld>
     <p:spTree>
@@ -4825,7 +6445,7 @@
 </p:sld>
 </file>
 
-<file path=ppt/slides/slide16.xml><?xml version="1.0" encoding="utf-8"?>
+<file path=ppt/slides/slide23.xml><?xml version="1.0" encoding="utf-8"?>
 <p:sld xmlns:a="http://schemas.openxmlformats.org/drawingml/2006/main" xmlns:r="http://schemas.openxmlformats.org/officeDocument/2006/relationships" xmlns:p="http://schemas.openxmlformats.org/presentationml/2006/main">
   <p:cSld>
     <p:spTree>
@@ -4891,7 +6511,848 @@
 </p:sld>
 </file>
 
-<file path=ppt/slides/slide17.xml><?xml version="1.0" encoding="utf-8"?>
+<file path=ppt/slides/slide24.xml><?xml version="1.0" encoding="utf-8"?>
+<p:sld xmlns:a="http://schemas.openxmlformats.org/drawingml/2006/main" xmlns:r="http://schemas.openxmlformats.org/officeDocument/2006/relationships" xmlns:p="http://schemas.openxmlformats.org/presentationml/2006/main">
+  <p:cSld>
+    <p:spTree>
+      <p:nvGrpSpPr>
+        <p:cNvPr id="1" name="">
+          <a:extLst>
+            <a:ext uri="{FF2B5EF4-FFF2-40B4-BE49-F238E27FC236}">
+              <a16:creationId xmlns:a16="http://schemas.microsoft.com/office/drawing/2014/main" id="{821AD0BD-C0DB-FDE2-575A-900DAD071986}"/>
+            </a:ext>
+          </a:extLst>
+        </p:cNvPr>
+        <p:cNvGrpSpPr/>
+        <p:nvPr/>
+      </p:nvGrpSpPr>
+      <p:grpSpPr>
+        <a:xfrm>
+          <a:off x="0" y="0"/>
+          <a:ext cx="0" cy="0"/>
+          <a:chOff x="0" y="0"/>
+          <a:chExt cx="0" cy="0"/>
+        </a:xfrm>
+      </p:grpSpPr>
+      <p:sp>
+        <p:nvSpPr>
+          <p:cNvPr id="3" name="TextBox 2">
+            <a:extLst>
+              <a:ext uri="{FF2B5EF4-FFF2-40B4-BE49-F238E27FC236}">
+                <a16:creationId xmlns:a16="http://schemas.microsoft.com/office/drawing/2014/main" id="{C2EAD227-FD56-65DC-F23E-8398B2859BF7}"/>
+              </a:ext>
+            </a:extLst>
+          </p:cNvPr>
+          <p:cNvSpPr txBox="1"/>
+          <p:nvPr/>
+        </p:nvSpPr>
+        <p:spPr>
+          <a:xfrm>
+            <a:off x="607290" y="886691"/>
+            <a:ext cx="10977419" cy="4247317"/>
+          </a:xfrm>
+          <a:prstGeom prst="rect">
+            <a:avLst/>
+          </a:prstGeom>
+          <a:noFill/>
+        </p:spPr>
+        <p:txBody>
+          <a:bodyPr wrap="square" rtlCol="0">
+            <a:spAutoFit/>
+          </a:bodyPr>
+          <a:lstStyle/>
+          <a:p>
+            <a:pPr marL="285750" indent="-285750">
+              <a:buFont typeface="Wingdings" panose="05000000000000000000" pitchFamily="2" charset="2"/>
+              <a:buChar char="Ø"/>
+            </a:pPr>
+            <a:r>
+              <a:rPr lang="en-US" b="1" dirty="0">
+                <a:latin typeface="Times New Roman" panose="02020603050405020304" pitchFamily="18" charset="0"/>
+                <a:cs typeface="Times New Roman" panose="02020603050405020304" pitchFamily="18" charset="0"/>
+              </a:rPr>
+              <a:t>Using </a:t>
+            </a:r>
+            <a:r>
+              <a:rPr lang="en-US" b="1" dirty="0">
+                <a:solidFill>
+                  <a:srgbClr val="0000FF"/>
+                </a:solidFill>
+                <a:latin typeface="Times New Roman" panose="02020603050405020304" pitchFamily="18" charset="0"/>
+                <a:cs typeface="Times New Roman" panose="02020603050405020304" pitchFamily="18" charset="0"/>
+              </a:rPr>
+              <a:t>QFT</a:t>
+            </a:r>
+            <a:r>
+              <a:rPr lang="en-US" b="1" dirty="0">
+                <a:latin typeface="Times New Roman" panose="02020603050405020304" pitchFamily="18" charset="0"/>
+                <a:cs typeface="Times New Roman" panose="02020603050405020304" pitchFamily="18" charset="0"/>
+              </a:rPr>
+              <a:t> we  </a:t>
+            </a:r>
+            <a:r>
+              <a:rPr lang="en-US" b="1" dirty="0">
+                <a:solidFill>
+                  <a:srgbClr val="FF0000"/>
+                </a:solidFill>
+                <a:latin typeface="Times New Roman" panose="02020603050405020304" pitchFamily="18" charset="0"/>
+                <a:cs typeface="Times New Roman" panose="02020603050405020304" pitchFamily="18" charset="0"/>
+              </a:rPr>
+              <a:t>transforms</a:t>
+            </a:r>
+            <a:r>
+              <a:rPr lang="en-US" b="1" dirty="0">
+                <a:latin typeface="Times New Roman" panose="02020603050405020304" pitchFamily="18" charset="0"/>
+                <a:cs typeface="Times New Roman" panose="02020603050405020304" pitchFamily="18" charset="0"/>
+              </a:rPr>
+              <a:t> the Qubit from one-base to another to </a:t>
+            </a:r>
+            <a:r>
+              <a:rPr lang="en-US" b="1" dirty="0">
+                <a:solidFill>
+                  <a:srgbClr val="00B0F0"/>
+                </a:solidFill>
+                <a:latin typeface="Times New Roman" panose="02020603050405020304" pitchFamily="18" charset="0"/>
+                <a:cs typeface="Times New Roman" panose="02020603050405020304" pitchFamily="18" charset="0"/>
+              </a:rPr>
+              <a:t>increases security </a:t>
+            </a:r>
+            <a:r>
+              <a:rPr lang="en-US" b="1" dirty="0">
+                <a:latin typeface="Times New Roman" panose="02020603050405020304" pitchFamily="18" charset="0"/>
+                <a:cs typeface="Times New Roman" panose="02020603050405020304" pitchFamily="18" charset="0"/>
+              </a:rPr>
+              <a:t>by </a:t>
+            </a:r>
+            <a:r>
+              <a:rPr lang="en-US" b="1" dirty="0">
+                <a:solidFill>
+                  <a:srgbClr val="0000FF"/>
+                </a:solidFill>
+                <a:latin typeface="Times New Roman" panose="02020603050405020304" pitchFamily="18" charset="0"/>
+                <a:cs typeface="Times New Roman" panose="02020603050405020304" pitchFamily="18" charset="0"/>
+              </a:rPr>
+              <a:t>spreading</a:t>
+            </a:r>
+            <a:r>
+              <a:rPr lang="en-US" b="1" dirty="0">
+                <a:latin typeface="Times New Roman" panose="02020603050405020304" pitchFamily="18" charset="0"/>
+                <a:cs typeface="Times New Roman" panose="02020603050405020304" pitchFamily="18" charset="0"/>
+              </a:rPr>
+              <a:t> ,</a:t>
+            </a:r>
+            <a:r>
+              <a:rPr lang="en-US" b="1" dirty="0">
+                <a:solidFill>
+                  <a:srgbClr val="00B0F0"/>
+                </a:solidFill>
+                <a:latin typeface="Times New Roman" panose="02020603050405020304" pitchFamily="18" charset="0"/>
+                <a:cs typeface="Times New Roman" panose="02020603050405020304" pitchFamily="18" charset="0"/>
+              </a:rPr>
+              <a:t>each user information </a:t>
+            </a:r>
+            <a:r>
+              <a:rPr lang="en-US" b="1" dirty="0">
+                <a:latin typeface="Times New Roman" panose="02020603050405020304" pitchFamily="18" charset="0"/>
+                <a:cs typeface="Times New Roman" panose="02020603050405020304" pitchFamily="18" charset="0"/>
+              </a:rPr>
+              <a:t>across </a:t>
+            </a:r>
+            <a:r>
+              <a:rPr lang="en-US" b="1" dirty="0">
+                <a:solidFill>
+                  <a:srgbClr val="00B050"/>
+                </a:solidFill>
+                <a:latin typeface="Times New Roman" panose="02020603050405020304" pitchFamily="18" charset="0"/>
+                <a:cs typeface="Times New Roman" panose="02020603050405020304" pitchFamily="18" charset="0"/>
+              </a:rPr>
+              <a:t>multiple new basis vectors</a:t>
+            </a:r>
+            <a:r>
+              <a:rPr lang="en-US" b="1" dirty="0">
+                <a:latin typeface="Times New Roman" panose="02020603050405020304" pitchFamily="18" charset="0"/>
+                <a:cs typeface="Times New Roman" panose="02020603050405020304" pitchFamily="18" charset="0"/>
+              </a:rPr>
+              <a:t>.</a:t>
+            </a:r>
+          </a:p>
+          <a:p>
+            <a:pPr marL="285750" indent="-285750">
+              <a:buFont typeface="Wingdings" panose="05000000000000000000" pitchFamily="2" charset="2"/>
+              <a:buChar char="Ø"/>
+            </a:pPr>
+            <a:endParaRPr lang="en-US" b="1" dirty="0">
+              <a:latin typeface="Times New Roman" panose="02020603050405020304" pitchFamily="18" charset="0"/>
+              <a:cs typeface="Times New Roman" panose="02020603050405020304" pitchFamily="18" charset="0"/>
+            </a:endParaRPr>
+          </a:p>
+          <a:p>
+            <a:pPr marL="285750" indent="-285750">
+              <a:buFont typeface="Wingdings" panose="05000000000000000000" pitchFamily="2" charset="2"/>
+              <a:buChar char="Ø"/>
+            </a:pPr>
+            <a:endParaRPr lang="en-US" b="1" dirty="0">
+              <a:latin typeface="Times New Roman" panose="02020603050405020304" pitchFamily="18" charset="0"/>
+              <a:cs typeface="Times New Roman" panose="02020603050405020304" pitchFamily="18" charset="0"/>
+            </a:endParaRPr>
+          </a:p>
+          <a:p>
+            <a:pPr marL="285750" indent="-285750">
+              <a:buFont typeface="Wingdings" panose="05000000000000000000" pitchFamily="2" charset="2"/>
+              <a:buChar char="Ø"/>
+            </a:pPr>
+            <a:endParaRPr lang="en-US" b="1" dirty="0">
+              <a:latin typeface="Times New Roman" panose="02020603050405020304" pitchFamily="18" charset="0"/>
+              <a:cs typeface="Times New Roman" panose="02020603050405020304" pitchFamily="18" charset="0"/>
+            </a:endParaRPr>
+          </a:p>
+          <a:p>
+            <a:pPr marL="285750" indent="-285750">
+              <a:buFont typeface="Wingdings" panose="05000000000000000000" pitchFamily="2" charset="2"/>
+              <a:buChar char="Ø"/>
+            </a:pPr>
+            <a:r>
+              <a:rPr lang="en-US" b="1" dirty="0">
+                <a:solidFill>
+                  <a:srgbClr val="0000FF"/>
+                </a:solidFill>
+                <a:latin typeface="Times New Roman" panose="02020603050405020304" pitchFamily="18" charset="0"/>
+                <a:cs typeface="Times New Roman" panose="02020603050405020304" pitchFamily="18" charset="0"/>
+              </a:rPr>
+              <a:t>QFT</a:t>
+            </a:r>
+            <a:r>
+              <a:rPr lang="en-US" b="1" dirty="0">
+                <a:latin typeface="Times New Roman" panose="02020603050405020304" pitchFamily="18" charset="0"/>
+                <a:cs typeface="Times New Roman" panose="02020603050405020304" pitchFamily="18" charset="0"/>
+              </a:rPr>
+              <a:t> ,</a:t>
+            </a:r>
+            <a:r>
+              <a:rPr lang="en-US" b="1" dirty="0">
+                <a:solidFill>
+                  <a:srgbClr val="FF0000"/>
+                </a:solidFill>
+                <a:latin typeface="Times New Roman" panose="02020603050405020304" pitchFamily="18" charset="0"/>
+                <a:cs typeface="Times New Roman" panose="02020603050405020304" pitchFamily="18" charset="0"/>
+              </a:rPr>
+              <a:t>scaled</a:t>
+            </a:r>
+            <a:r>
+              <a:rPr lang="en-US" b="1" dirty="0">
+                <a:latin typeface="Times New Roman" panose="02020603050405020304" pitchFamily="18" charset="0"/>
+                <a:cs typeface="Times New Roman" panose="02020603050405020304" pitchFamily="18" charset="0"/>
+              </a:rPr>
+              <a:t> linearly from </a:t>
+            </a:r>
+            <a:r>
+              <a:rPr lang="en-US" b="1" dirty="0">
+                <a:solidFill>
+                  <a:srgbClr val="0000FF"/>
+                </a:solidFill>
+                <a:latin typeface="Times New Roman" panose="02020603050405020304" pitchFamily="18" charset="0"/>
+                <a:cs typeface="Times New Roman" panose="02020603050405020304" pitchFamily="18" charset="0"/>
+              </a:rPr>
+              <a:t>N </a:t>
+            </a:r>
+            <a:r>
+              <a:rPr lang="en-US" b="1" dirty="0">
+                <a:latin typeface="Times New Roman" panose="02020603050405020304" pitchFamily="18" charset="0"/>
+                <a:cs typeface="Times New Roman" panose="02020603050405020304" pitchFamily="18" charset="0"/>
+              </a:rPr>
+              <a:t>to</a:t>
+            </a:r>
+            <a:r>
+              <a:rPr lang="en-US" b="1" dirty="0">
+                <a:solidFill>
+                  <a:srgbClr val="0000FF"/>
+                </a:solidFill>
+                <a:latin typeface="Times New Roman" panose="02020603050405020304" pitchFamily="18" charset="0"/>
+                <a:cs typeface="Times New Roman" panose="02020603050405020304" pitchFamily="18" charset="0"/>
+              </a:rPr>
+              <a:t> N+1 </a:t>
+            </a:r>
+            <a:r>
+              <a:rPr lang="en-US" b="1" dirty="0">
+                <a:latin typeface="Times New Roman" panose="02020603050405020304" pitchFamily="18" charset="0"/>
+                <a:cs typeface="Times New Roman" panose="02020603050405020304" pitchFamily="18" charset="0"/>
+              </a:rPr>
+              <a:t>Qubits order whereas </a:t>
+            </a:r>
+            <a:r>
+              <a:rPr lang="en-US" b="1" dirty="0">
+                <a:solidFill>
+                  <a:srgbClr val="0000FF"/>
+                </a:solidFill>
+                <a:latin typeface="Times New Roman" panose="02020603050405020304" pitchFamily="18" charset="0"/>
+                <a:cs typeface="Times New Roman" panose="02020603050405020304" pitchFamily="18" charset="0"/>
+              </a:rPr>
+              <a:t>classical DFT </a:t>
+            </a:r>
+            <a:r>
+              <a:rPr lang="en-US" b="1" dirty="0">
+                <a:latin typeface="Times New Roman" panose="02020603050405020304" pitchFamily="18" charset="0"/>
+                <a:cs typeface="Times New Roman" panose="02020603050405020304" pitchFamily="18" charset="0"/>
+              </a:rPr>
+              <a:t>can </a:t>
+            </a:r>
+            <a:r>
+              <a:rPr lang="en-US" b="1" dirty="0">
+                <a:solidFill>
+                  <a:srgbClr val="FF0000"/>
+                </a:solidFill>
+                <a:latin typeface="Times New Roman" panose="02020603050405020304" pitchFamily="18" charset="0"/>
+                <a:cs typeface="Times New Roman" panose="02020603050405020304" pitchFamily="18" charset="0"/>
+              </a:rPr>
+              <a:t>scale</a:t>
+            </a:r>
+            <a:r>
+              <a:rPr lang="en-US" b="1" dirty="0">
+                <a:latin typeface="Times New Roman" panose="02020603050405020304" pitchFamily="18" charset="0"/>
+                <a:cs typeface="Times New Roman" panose="02020603050405020304" pitchFamily="18" charset="0"/>
+              </a:rPr>
+              <a:t> on </a:t>
+            </a:r>
+            <a:r>
+              <a:rPr lang="en-US" b="1" dirty="0">
+                <a:solidFill>
+                  <a:srgbClr val="00B0F0"/>
+                </a:solidFill>
+                <a:latin typeface="Times New Roman" panose="02020603050405020304" pitchFamily="18" charset="0"/>
+                <a:cs typeface="Times New Roman" panose="02020603050405020304" pitchFamily="18" charset="0"/>
+              </a:rPr>
+              <a:t>powers of 2</a:t>
+            </a:r>
+            <a:r>
+              <a:rPr lang="en-US" b="1" dirty="0">
+                <a:latin typeface="Times New Roman" panose="02020603050405020304" pitchFamily="18" charset="0"/>
+                <a:cs typeface="Times New Roman" panose="02020603050405020304" pitchFamily="18" charset="0"/>
+              </a:rPr>
+              <a:t>.</a:t>
+            </a:r>
+          </a:p>
+          <a:p>
+            <a:pPr marL="285750" indent="-285750">
+              <a:buFont typeface="Wingdings" panose="05000000000000000000" pitchFamily="2" charset="2"/>
+              <a:buChar char="Ø"/>
+            </a:pPr>
+            <a:endParaRPr lang="en-US" b="1" dirty="0">
+              <a:latin typeface="Times New Roman" panose="02020603050405020304" pitchFamily="18" charset="0"/>
+              <a:cs typeface="Times New Roman" panose="02020603050405020304" pitchFamily="18" charset="0"/>
+            </a:endParaRPr>
+          </a:p>
+          <a:p>
+            <a:pPr marL="285750" indent="-285750">
+              <a:buFont typeface="Wingdings" panose="05000000000000000000" pitchFamily="2" charset="2"/>
+              <a:buChar char="Ø"/>
+            </a:pPr>
+            <a:endParaRPr lang="en-US" b="1" dirty="0">
+              <a:latin typeface="Times New Roman" panose="02020603050405020304" pitchFamily="18" charset="0"/>
+              <a:cs typeface="Times New Roman" panose="02020603050405020304" pitchFamily="18" charset="0"/>
+            </a:endParaRPr>
+          </a:p>
+          <a:p>
+            <a:pPr marL="285750" indent="-285750">
+              <a:buFont typeface="Wingdings" panose="05000000000000000000" pitchFamily="2" charset="2"/>
+              <a:buChar char="Ø"/>
+            </a:pPr>
+            <a:endParaRPr lang="en-US" b="1" dirty="0">
+              <a:latin typeface="Times New Roman" panose="02020603050405020304" pitchFamily="18" charset="0"/>
+              <a:cs typeface="Times New Roman" panose="02020603050405020304" pitchFamily="18" charset="0"/>
+            </a:endParaRPr>
+          </a:p>
+          <a:p>
+            <a:pPr marL="285750" indent="-285750">
+              <a:buFont typeface="Wingdings" panose="05000000000000000000" pitchFamily="2" charset="2"/>
+              <a:buChar char="Ø"/>
+            </a:pPr>
+            <a:r>
+              <a:rPr lang="en-US" b="1" dirty="0">
+                <a:latin typeface="Times New Roman" panose="02020603050405020304" pitchFamily="18" charset="0"/>
+                <a:cs typeface="Times New Roman" panose="02020603050405020304" pitchFamily="18" charset="0"/>
+              </a:rPr>
+              <a:t>But as the </a:t>
+            </a:r>
+            <a:r>
+              <a:rPr lang="en-US" b="1" dirty="0">
+                <a:solidFill>
+                  <a:srgbClr val="FF0000"/>
+                </a:solidFill>
+                <a:latin typeface="Times New Roman" panose="02020603050405020304" pitchFamily="18" charset="0"/>
+                <a:cs typeface="Times New Roman" panose="02020603050405020304" pitchFamily="18" charset="0"/>
+              </a:rPr>
+              <a:t>number of Qubits increased </a:t>
+            </a:r>
+            <a:r>
+              <a:rPr lang="en-US" b="1" dirty="0">
+                <a:latin typeface="Times New Roman" panose="02020603050405020304" pitchFamily="18" charset="0"/>
+                <a:cs typeface="Times New Roman" panose="02020603050405020304" pitchFamily="18" charset="0"/>
+              </a:rPr>
+              <a:t>the </a:t>
+            </a:r>
+            <a:r>
+              <a:rPr lang="en-US" b="1" dirty="0">
+                <a:solidFill>
+                  <a:srgbClr val="0000FF"/>
+                </a:solidFill>
+                <a:latin typeface="Times New Roman" panose="02020603050405020304" pitchFamily="18" charset="0"/>
+                <a:cs typeface="Times New Roman" panose="02020603050405020304" pitchFamily="18" charset="0"/>
+              </a:rPr>
+              <a:t>QFT operation </a:t>
+            </a:r>
+            <a:r>
+              <a:rPr lang="en-US" b="1" dirty="0">
+                <a:latin typeface="Times New Roman" panose="02020603050405020304" pitchFamily="18" charset="0"/>
+                <a:cs typeface="Times New Roman" panose="02020603050405020304" pitchFamily="18" charset="0"/>
+              </a:rPr>
+              <a:t>is going to </a:t>
+            </a:r>
+            <a:r>
+              <a:rPr lang="en-US" b="1" dirty="0">
+                <a:solidFill>
+                  <a:srgbClr val="00B050"/>
+                </a:solidFill>
+                <a:latin typeface="Times New Roman" panose="02020603050405020304" pitchFamily="18" charset="0"/>
+                <a:cs typeface="Times New Roman" panose="02020603050405020304" pitchFamily="18" charset="0"/>
+              </a:rPr>
+              <a:t>exponentially complex </a:t>
+            </a:r>
+            <a:r>
+              <a:rPr lang="en-US" b="1" dirty="0">
+                <a:solidFill>
+                  <a:schemeClr val="accent5">
+                    <a:lumMod val="60000"/>
+                    <a:lumOff val="40000"/>
+                  </a:schemeClr>
+                </a:solidFill>
+                <a:latin typeface="Times New Roman" panose="02020603050405020304" pitchFamily="18" charset="0"/>
+                <a:cs typeface="Times New Roman" panose="02020603050405020304" pitchFamily="18" charset="0"/>
+              </a:rPr>
+              <a:t>, Can we have a </a:t>
+            </a:r>
+            <a:r>
+              <a:rPr lang="en-US" b="1" dirty="0">
+                <a:solidFill>
+                  <a:srgbClr val="0000FF"/>
+                </a:solidFill>
+                <a:latin typeface="Times New Roman" panose="02020603050405020304" pitchFamily="18" charset="0"/>
+                <a:cs typeface="Times New Roman" panose="02020603050405020304" pitchFamily="18" charset="0"/>
+              </a:rPr>
+              <a:t>polynomial time</a:t>
+            </a:r>
+            <a:r>
+              <a:rPr lang="en-US" b="1" dirty="0">
+                <a:solidFill>
+                  <a:schemeClr val="accent5">
+                    <a:lumMod val="60000"/>
+                    <a:lumOff val="40000"/>
+                  </a:schemeClr>
+                </a:solidFill>
+                <a:latin typeface="Times New Roman" panose="02020603050405020304" pitchFamily="18" charset="0"/>
+                <a:cs typeface="Times New Roman" panose="02020603050405020304" pitchFamily="18" charset="0"/>
+              </a:rPr>
+              <a:t> solution in near future ?</a:t>
+            </a:r>
+          </a:p>
+          <a:p>
+            <a:pPr marL="285750" indent="-285750">
+              <a:buFont typeface="Wingdings" panose="05000000000000000000" pitchFamily="2" charset="2"/>
+              <a:buChar char="Ø"/>
+            </a:pPr>
+            <a:endParaRPr lang="en-US" b="1" dirty="0">
+              <a:solidFill>
+                <a:schemeClr val="accent5">
+                  <a:lumMod val="60000"/>
+                  <a:lumOff val="40000"/>
+                </a:schemeClr>
+              </a:solidFill>
+              <a:latin typeface="Times New Roman" panose="02020603050405020304" pitchFamily="18" charset="0"/>
+              <a:cs typeface="Times New Roman" panose="02020603050405020304" pitchFamily="18" charset="0"/>
+            </a:endParaRPr>
+          </a:p>
+          <a:p>
+            <a:pPr marL="285750" indent="-285750">
+              <a:buFont typeface="Wingdings" panose="05000000000000000000" pitchFamily="2" charset="2"/>
+              <a:buChar char="Ø"/>
+            </a:pPr>
+            <a:endParaRPr lang="en-US" b="1" dirty="0">
+              <a:solidFill>
+                <a:schemeClr val="accent5">
+                  <a:lumMod val="60000"/>
+                  <a:lumOff val="40000"/>
+                </a:schemeClr>
+              </a:solidFill>
+              <a:latin typeface="Times New Roman" panose="02020603050405020304" pitchFamily="18" charset="0"/>
+              <a:cs typeface="Times New Roman" panose="02020603050405020304" pitchFamily="18" charset="0"/>
+            </a:endParaRPr>
+          </a:p>
+          <a:p>
+            <a:pPr marL="285750" indent="-285750">
+              <a:buFont typeface="Wingdings" panose="05000000000000000000" pitchFamily="2" charset="2"/>
+              <a:buChar char="Ø"/>
+            </a:pPr>
+            <a:endParaRPr lang="en-US" b="1" dirty="0">
+              <a:solidFill>
+                <a:schemeClr val="accent5">
+                  <a:lumMod val="60000"/>
+                  <a:lumOff val="40000"/>
+                </a:schemeClr>
+              </a:solidFill>
+              <a:latin typeface="Times New Roman" panose="02020603050405020304" pitchFamily="18" charset="0"/>
+              <a:cs typeface="Times New Roman" panose="02020603050405020304" pitchFamily="18" charset="0"/>
+            </a:endParaRPr>
+          </a:p>
+          <a:p>
+            <a:pPr marL="285750" indent="-285750">
+              <a:buFont typeface="Wingdings" panose="05000000000000000000" pitchFamily="2" charset="2"/>
+              <a:buChar char="Ø"/>
+            </a:pPr>
+            <a:r>
+              <a:rPr lang="en-US" b="1" dirty="0">
+                <a:solidFill>
+                  <a:schemeClr val="accent5">
+                    <a:lumMod val="60000"/>
+                    <a:lumOff val="40000"/>
+                  </a:schemeClr>
+                </a:solidFill>
+                <a:latin typeface="Times New Roman" panose="02020603050405020304" pitchFamily="18" charset="0"/>
+                <a:cs typeface="Times New Roman" panose="02020603050405020304" pitchFamily="18" charset="0"/>
+              </a:rPr>
+              <a:t>Can we also able to </a:t>
+            </a:r>
+            <a:r>
+              <a:rPr lang="en-US" b="1" dirty="0">
+                <a:solidFill>
+                  <a:srgbClr val="0000FF"/>
+                </a:solidFill>
+                <a:latin typeface="Times New Roman" panose="02020603050405020304" pitchFamily="18" charset="0"/>
+                <a:cs typeface="Times New Roman" panose="02020603050405020304" pitchFamily="18" charset="0"/>
+              </a:rPr>
+              <a:t>reduce</a:t>
+            </a:r>
+            <a:r>
+              <a:rPr lang="en-US" b="1" dirty="0">
+                <a:solidFill>
+                  <a:schemeClr val="accent5">
+                    <a:lumMod val="60000"/>
+                    <a:lumOff val="40000"/>
+                  </a:schemeClr>
+                </a:solidFill>
+                <a:latin typeface="Times New Roman" panose="02020603050405020304" pitchFamily="18" charset="0"/>
+                <a:cs typeface="Times New Roman" panose="02020603050405020304" pitchFamily="18" charset="0"/>
+              </a:rPr>
+              <a:t> the </a:t>
+            </a:r>
+            <a:r>
+              <a:rPr lang="en-US" b="1" dirty="0">
+                <a:solidFill>
+                  <a:srgbClr val="0000FF"/>
+                </a:solidFill>
+                <a:latin typeface="Times New Roman" panose="02020603050405020304" pitchFamily="18" charset="0"/>
+                <a:cs typeface="Times New Roman" panose="02020603050405020304" pitchFamily="18" charset="0"/>
+              </a:rPr>
+              <a:t>circuit complexity </a:t>
+            </a:r>
+            <a:r>
+              <a:rPr lang="en-US" b="1" dirty="0">
+                <a:solidFill>
+                  <a:schemeClr val="accent5">
+                    <a:lumMod val="60000"/>
+                    <a:lumOff val="40000"/>
+                  </a:schemeClr>
+                </a:solidFill>
+                <a:latin typeface="Times New Roman" panose="02020603050405020304" pitchFamily="18" charset="0"/>
+                <a:cs typeface="Times New Roman" panose="02020603050405020304" pitchFamily="18" charset="0"/>
+              </a:rPr>
+              <a:t>without the loss of generality. Hence the </a:t>
+            </a:r>
+            <a:r>
+              <a:rPr lang="en-US" b="1" dirty="0">
+                <a:solidFill>
+                  <a:srgbClr val="0000FF"/>
+                </a:solidFill>
+                <a:latin typeface="Times New Roman" panose="02020603050405020304" pitchFamily="18" charset="0"/>
+                <a:cs typeface="Times New Roman" panose="02020603050405020304" pitchFamily="18" charset="0"/>
+              </a:rPr>
+              <a:t>Optimization</a:t>
+            </a:r>
+            <a:r>
+              <a:rPr lang="en-US" b="1" dirty="0">
+                <a:solidFill>
+                  <a:schemeClr val="accent5">
+                    <a:lumMod val="60000"/>
+                    <a:lumOff val="40000"/>
+                  </a:schemeClr>
+                </a:solidFill>
+                <a:latin typeface="Times New Roman" panose="02020603050405020304" pitchFamily="18" charset="0"/>
+                <a:cs typeface="Times New Roman" panose="02020603050405020304" pitchFamily="18" charset="0"/>
+              </a:rPr>
+              <a:t>.</a:t>
+            </a:r>
+            <a:endParaRPr lang="en-IN" b="1" dirty="0">
+              <a:solidFill>
+                <a:schemeClr val="accent5">
+                  <a:lumMod val="60000"/>
+                  <a:lumOff val="40000"/>
+                </a:schemeClr>
+              </a:solidFill>
+              <a:latin typeface="Times New Roman" panose="02020603050405020304" pitchFamily="18" charset="0"/>
+              <a:cs typeface="Times New Roman" panose="02020603050405020304" pitchFamily="18" charset="0"/>
+            </a:endParaRPr>
+          </a:p>
+        </p:txBody>
+      </p:sp>
+    </p:spTree>
+    <p:extLst>
+      <p:ext uri="{BB962C8B-B14F-4D97-AF65-F5344CB8AC3E}">
+        <p14:creationId xmlns:p14="http://schemas.microsoft.com/office/powerpoint/2010/main" val="3347090073"/>
+      </p:ext>
+    </p:extLst>
+  </p:cSld>
+  <p:clrMapOvr>
+    <a:masterClrMapping/>
+  </p:clrMapOvr>
+</p:sld>
+</file>
+
+<file path=ppt/slides/slide25.xml><?xml version="1.0" encoding="utf-8"?>
+<p:sld xmlns:a="http://schemas.openxmlformats.org/drawingml/2006/main" xmlns:r="http://schemas.openxmlformats.org/officeDocument/2006/relationships" xmlns:p="http://schemas.openxmlformats.org/presentationml/2006/main">
+  <p:cSld>
+    <p:spTree>
+      <p:nvGrpSpPr>
+        <p:cNvPr id="1" name="">
+          <a:extLst>
+            <a:ext uri="{FF2B5EF4-FFF2-40B4-BE49-F238E27FC236}">
+              <a16:creationId xmlns:a16="http://schemas.microsoft.com/office/drawing/2014/main" id="{00EFFEC4-BB92-2D95-F72E-6D819267B4FB}"/>
+            </a:ext>
+          </a:extLst>
+        </p:cNvPr>
+        <p:cNvGrpSpPr/>
+        <p:nvPr/>
+      </p:nvGrpSpPr>
+      <p:grpSpPr>
+        <a:xfrm>
+          <a:off x="0" y="0"/>
+          <a:ext cx="0" cy="0"/>
+          <a:chOff x="0" y="0"/>
+          <a:chExt cx="0" cy="0"/>
+        </a:xfrm>
+      </p:grpSpPr>
+      <p:sp>
+        <p:nvSpPr>
+          <p:cNvPr id="3" name="TextBox 2">
+            <a:extLst>
+              <a:ext uri="{FF2B5EF4-FFF2-40B4-BE49-F238E27FC236}">
+                <a16:creationId xmlns:a16="http://schemas.microsoft.com/office/drawing/2014/main" id="{1FE8AE74-DBD7-F83F-1629-57F55FECB102}"/>
+              </a:ext>
+            </a:extLst>
+          </p:cNvPr>
+          <p:cNvSpPr txBox="1"/>
+          <p:nvPr/>
+        </p:nvSpPr>
+        <p:spPr>
+          <a:xfrm>
+            <a:off x="422563" y="175491"/>
+            <a:ext cx="11667837" cy="5355312"/>
+          </a:xfrm>
+          <a:prstGeom prst="rect">
+            <a:avLst/>
+          </a:prstGeom>
+          <a:noFill/>
+        </p:spPr>
+        <p:txBody>
+          <a:bodyPr wrap="square" rtlCol="0">
+            <a:spAutoFit/>
+          </a:bodyPr>
+          <a:lstStyle/>
+          <a:p>
+            <a:r>
+              <a:rPr lang="en-IN" b="1" dirty="0">
+                <a:latin typeface="Times New Roman" panose="02020603050405020304" pitchFamily="18" charset="0"/>
+                <a:cs typeface="Times New Roman" panose="02020603050405020304" pitchFamily="18" charset="0"/>
+              </a:rPr>
+              <a:t>References </a:t>
+            </a:r>
+          </a:p>
+          <a:p>
+            <a:pPr marL="342900" indent="-342900">
+              <a:buAutoNum type="arabicPeriod"/>
+            </a:pPr>
+            <a:r>
+              <a:rPr lang="en-IN" dirty="0">
+                <a:latin typeface="Times New Roman" panose="02020603050405020304" pitchFamily="18" charset="0"/>
+                <a:cs typeface="Times New Roman" panose="02020603050405020304" pitchFamily="18" charset="0"/>
+              </a:rPr>
+              <a:t>Nielsen, M.A., Chuang, I.L.: Quantum Computation and Quantum Information, 2nd edn. Cambridge University Press/Massachusetts Institute of Technology, Cam bridge (2000) </a:t>
+            </a:r>
+          </a:p>
+          <a:p>
+            <a:pPr marL="342900" indent="-342900">
+              <a:buAutoNum type="arabicPeriod"/>
+            </a:pPr>
+            <a:r>
+              <a:rPr lang="en-IN" dirty="0">
+                <a:latin typeface="Times New Roman" panose="02020603050405020304" pitchFamily="18" charset="0"/>
+                <a:cs typeface="Times New Roman" panose="02020603050405020304" pitchFamily="18" charset="0"/>
+              </a:rPr>
+              <a:t>Science Direct. https://www.sciencedirect.com/topics/computer-science/ quantum-circuit. Accessed 9 Oct 2020 </a:t>
+            </a:r>
+          </a:p>
+          <a:p>
+            <a:pPr marL="342900" indent="-342900">
+              <a:buAutoNum type="arabicPeriod"/>
+            </a:pPr>
+            <a:r>
+              <a:rPr lang="en-IN" dirty="0">
+                <a:latin typeface="Times New Roman" panose="02020603050405020304" pitchFamily="18" charset="0"/>
+                <a:cs typeface="Times New Roman" panose="02020603050405020304" pitchFamily="18" charset="0"/>
+              </a:rPr>
+              <a:t>Sharma, V., Banerjee, S.: Quantum communication using code division multiple access network. Opt. Quant. Electron. 52, 381 (2020). https://doi.org/10.1007/ s11082-020-02494-3</a:t>
+            </a:r>
+          </a:p>
+          <a:p>
+            <a:pPr marL="342900" indent="-342900">
+              <a:buAutoNum type="arabicPeriod"/>
+            </a:pPr>
+            <a:r>
+              <a:rPr lang="en-IN" dirty="0">
+                <a:latin typeface="Times New Roman" panose="02020603050405020304" pitchFamily="18" charset="0"/>
+                <a:cs typeface="Times New Roman" panose="02020603050405020304" pitchFamily="18" charset="0"/>
+              </a:rPr>
+              <a:t> Tan, X., Cheng, S., Li, J., Feng, Z.: Quantum key distribution protocol using quan tum Fourier transform. In: 2015 IEEE 29th International Conference on Advanced Information Networking and Applications Workshops, </a:t>
+            </a:r>
+            <a:r>
+              <a:rPr lang="en-IN" dirty="0" err="1">
+                <a:latin typeface="Times New Roman" panose="02020603050405020304" pitchFamily="18" charset="0"/>
+                <a:cs typeface="Times New Roman" panose="02020603050405020304" pitchFamily="18" charset="0"/>
+              </a:rPr>
+              <a:t>Gwangiu</a:t>
+            </a:r>
+            <a:r>
+              <a:rPr lang="en-IN" dirty="0">
+                <a:latin typeface="Times New Roman" panose="02020603050405020304" pitchFamily="18" charset="0"/>
+                <a:cs typeface="Times New Roman" panose="02020603050405020304" pitchFamily="18" charset="0"/>
+              </a:rPr>
+              <a:t>, pp. 96–101 (2015). https://doi.org/10.1109/WAINA.2015.8 </a:t>
+            </a:r>
+          </a:p>
+          <a:p>
+            <a:pPr marL="342900" indent="-342900">
+              <a:buAutoNum type="arabicPeriod"/>
+            </a:pPr>
+            <a:r>
+              <a:rPr lang="en-IN" dirty="0">
+                <a:latin typeface="Times New Roman" panose="02020603050405020304" pitchFamily="18" charset="0"/>
+                <a:cs typeface="Times New Roman" panose="02020603050405020304" pitchFamily="18" charset="0"/>
+              </a:rPr>
+              <a:t>Kumavor, P.D., Beal, A.C., Yelin, S., Donkor, E., Wang, B.C.: Comparison of four multi-user quantum key distribution schemes over passive optical networks. J. Lightwave Technol. 23(1), 268–276 (2005). https://doi.org/10.1109/JLT.2004. 834481 </a:t>
+            </a:r>
+          </a:p>
+          <a:p>
+            <a:pPr marL="342900" indent="-342900">
+              <a:buAutoNum type="arabicPeriod"/>
+            </a:pPr>
+            <a:r>
+              <a:rPr lang="en-IN" dirty="0">
+                <a:latin typeface="Times New Roman" panose="02020603050405020304" pitchFamily="18" charset="0"/>
+                <a:cs typeface="Times New Roman" panose="02020603050405020304" pitchFamily="18" charset="0"/>
+              </a:rPr>
+              <a:t>Brassard, G., Bussieres, F., Godbout, N., Lacroix, S.: Multiuser quantum key dis </a:t>
+            </a:r>
+            <a:r>
+              <a:rPr lang="en-IN" dirty="0" err="1">
+                <a:latin typeface="Times New Roman" panose="02020603050405020304" pitchFamily="18" charset="0"/>
+                <a:cs typeface="Times New Roman" panose="02020603050405020304" pitchFamily="18" charset="0"/>
+              </a:rPr>
+              <a:t>tribution</a:t>
+            </a:r>
+            <a:r>
+              <a:rPr lang="en-IN" dirty="0">
+                <a:latin typeface="Times New Roman" panose="02020603050405020304" pitchFamily="18" charset="0"/>
+                <a:cs typeface="Times New Roman" panose="02020603050405020304" pitchFamily="18" charset="0"/>
+              </a:rPr>
+              <a:t> using wavelength division multiplexing. In: Proceedings of SPIE 5260, Applications of Photonic Technology 6, (2003). https://doi.org/10.1117/12.543338 </a:t>
+            </a:r>
+          </a:p>
+          <a:p>
+            <a:pPr marL="342900" indent="-342900">
+              <a:buAutoNum type="arabicPeriod"/>
+            </a:pPr>
+            <a:r>
+              <a:rPr lang="en-IN" dirty="0">
+                <a:latin typeface="Times New Roman" panose="02020603050405020304" pitchFamily="18" charset="0"/>
+                <a:cs typeface="Times New Roman" panose="02020603050405020304" pitchFamily="18" charset="0"/>
+              </a:rPr>
+              <a:t>Xue, P., Wang, K., Wang, X.: Efficient multiuser quantum cryptography net work based on entanglement. Sci. Rep. 7, 45928 (2017). </a:t>
+            </a:r>
+            <a:r>
+              <a:rPr lang="en-IN" dirty="0">
+                <a:latin typeface="Times New Roman" panose="02020603050405020304" pitchFamily="18" charset="0"/>
+                <a:cs typeface="Times New Roman" panose="02020603050405020304" pitchFamily="18" charset="0"/>
+                <a:hlinkClick r:id="rId2"/>
+              </a:rPr>
+              <a:t>https://doi.org/</a:t>
+            </a:r>
+            <a:r>
+              <a:rPr lang="en-IN" dirty="0">
+                <a:latin typeface="Times New Roman" panose="02020603050405020304" pitchFamily="18" charset="0"/>
+                <a:cs typeface="Times New Roman" panose="02020603050405020304" pitchFamily="18" charset="0"/>
+              </a:rPr>
+              <a:t>10.1038/ srep45928</a:t>
+            </a:r>
+          </a:p>
+          <a:p>
+            <a:pPr marL="342900" indent="-342900">
+              <a:buAutoNum type="arabicPeriod"/>
+            </a:pPr>
+            <a:r>
+              <a:rPr lang="en-IN" dirty="0">
+                <a:latin typeface="Times New Roman" panose="02020603050405020304" pitchFamily="18" charset="0"/>
+                <a:cs typeface="Times New Roman" panose="02020603050405020304" pitchFamily="18" charset="0"/>
+              </a:rPr>
+              <a:t> 10. Quirk- A drag-and-drop quantum circuit simulator. https://algassert.com/quirk. Accessed 9 Oct 2020 11. </a:t>
+            </a:r>
+            <a:r>
+              <a:rPr lang="en-IN" dirty="0" err="1">
+                <a:latin typeface="Times New Roman" panose="02020603050405020304" pitchFamily="18" charset="0"/>
+                <a:cs typeface="Times New Roman" panose="02020603050405020304" pitchFamily="18" charset="0"/>
+              </a:rPr>
+              <a:t>qcircuit</a:t>
+            </a:r>
+            <a:r>
+              <a:rPr lang="en-IN" dirty="0">
+                <a:latin typeface="Times New Roman" panose="02020603050405020304" pitchFamily="18" charset="0"/>
+                <a:cs typeface="Times New Roman" panose="02020603050405020304" pitchFamily="18" charset="0"/>
+              </a:rPr>
+              <a:t>- Macros to generate quantum circuits. https://ctan.org/pkg/qcircuit. Accessed 9 Oct 2020</a:t>
+            </a:r>
+            <a:endParaRPr lang="en-IN" b="1" dirty="0">
+              <a:solidFill>
+                <a:schemeClr val="accent5">
+                  <a:lumMod val="60000"/>
+                  <a:lumOff val="40000"/>
+                </a:schemeClr>
+              </a:solidFill>
+              <a:latin typeface="Times New Roman" panose="02020603050405020304" pitchFamily="18" charset="0"/>
+              <a:cs typeface="Times New Roman" panose="02020603050405020304" pitchFamily="18" charset="0"/>
+            </a:endParaRPr>
+          </a:p>
+        </p:txBody>
+      </p:sp>
+    </p:spTree>
+    <p:extLst>
+      <p:ext uri="{BB962C8B-B14F-4D97-AF65-F5344CB8AC3E}">
+        <p14:creationId xmlns:p14="http://schemas.microsoft.com/office/powerpoint/2010/main" val="1587255470"/>
+      </p:ext>
+    </p:extLst>
+  </p:cSld>
+  <p:clrMapOvr>
+    <a:masterClrMapping/>
+  </p:clrMapOvr>
+</p:sld>
+</file>
+
+<file path=ppt/slides/slide26.xml><?xml version="1.0" encoding="utf-8"?>
 <p:sld xmlns:a="http://schemas.openxmlformats.org/drawingml/2006/main" xmlns:r="http://schemas.openxmlformats.org/officeDocument/2006/relationships" xmlns:p="http://schemas.openxmlformats.org/presentationml/2006/main">
   <p:cSld>
     <p:spTree>
@@ -4976,7 +7437,853 @@
 </p:sld>
 </file>
 
-<file path=ppt/slides/slide2.xml><?xml version="1.0" encoding="utf-8"?>
+<file path=ppt/slides/slide3.xml><?xml version="1.0" encoding="utf-8"?>
+<p:sld xmlns:a="http://schemas.openxmlformats.org/drawingml/2006/main" xmlns:r="http://schemas.openxmlformats.org/officeDocument/2006/relationships" xmlns:p="http://schemas.openxmlformats.org/presentationml/2006/main">
+  <p:cSld>
+    <p:spTree>
+      <p:nvGrpSpPr>
+        <p:cNvPr id="1" name=""/>
+        <p:cNvGrpSpPr/>
+        <p:nvPr/>
+      </p:nvGrpSpPr>
+      <p:grpSpPr>
+        <a:xfrm>
+          <a:off x="0" y="0"/>
+          <a:ext cx="0" cy="0"/>
+          <a:chOff x="0" y="0"/>
+          <a:chExt cx="0" cy="0"/>
+        </a:xfrm>
+      </p:grpSpPr>
+      <p:pic>
+        <p:nvPicPr>
+          <p:cNvPr id="5" name="Picture 4">
+            <a:extLst>
+              <a:ext uri="{FF2B5EF4-FFF2-40B4-BE49-F238E27FC236}">
+                <a16:creationId xmlns:a16="http://schemas.microsoft.com/office/drawing/2014/main" id="{275F754F-0601-88DF-5863-04D3308965D0}"/>
+              </a:ext>
+            </a:extLst>
+          </p:cNvPr>
+          <p:cNvPicPr>
+            <a:picLocks noChangeAspect="1"/>
+          </p:cNvPicPr>
+          <p:nvPr/>
+        </p:nvPicPr>
+        <p:blipFill>
+          <a:blip r:embed="rId2"/>
+          <a:stretch>
+            <a:fillRect/>
+          </a:stretch>
+        </p:blipFill>
+        <p:spPr>
+          <a:xfrm>
+            <a:off x="212409" y="1141274"/>
+            <a:ext cx="5439534" cy="4982270"/>
+          </a:xfrm>
+          <a:prstGeom prst="rect">
+            <a:avLst/>
+          </a:prstGeom>
+        </p:spPr>
+      </p:pic>
+      <p:pic>
+        <p:nvPicPr>
+          <p:cNvPr id="7" name="Picture 6">
+            <a:extLst>
+              <a:ext uri="{FF2B5EF4-FFF2-40B4-BE49-F238E27FC236}">
+                <a16:creationId xmlns:a16="http://schemas.microsoft.com/office/drawing/2014/main" id="{18A8DEF1-7723-04A0-D499-6474D2F8A3F0}"/>
+              </a:ext>
+            </a:extLst>
+          </p:cNvPr>
+          <p:cNvPicPr>
+            <a:picLocks noChangeAspect="1"/>
+          </p:cNvPicPr>
+          <p:nvPr/>
+        </p:nvPicPr>
+        <p:blipFill>
+          <a:blip r:embed="rId3"/>
+          <a:stretch>
+            <a:fillRect/>
+          </a:stretch>
+        </p:blipFill>
+        <p:spPr>
+          <a:xfrm>
+            <a:off x="6096000" y="138751"/>
+            <a:ext cx="5991225" cy="3162233"/>
+          </a:xfrm>
+          <a:prstGeom prst="rect">
+            <a:avLst/>
+          </a:prstGeom>
+        </p:spPr>
+      </p:pic>
+      <p:pic>
+        <p:nvPicPr>
+          <p:cNvPr id="9" name="Picture 8">
+            <a:extLst>
+              <a:ext uri="{FF2B5EF4-FFF2-40B4-BE49-F238E27FC236}">
+                <a16:creationId xmlns:a16="http://schemas.microsoft.com/office/drawing/2014/main" id="{E8C2586C-1C04-73F4-1B5B-716BD6F51A0E}"/>
+              </a:ext>
+            </a:extLst>
+          </p:cNvPr>
+          <p:cNvPicPr>
+            <a:picLocks noChangeAspect="1"/>
+          </p:cNvPicPr>
+          <p:nvPr/>
+        </p:nvPicPr>
+        <p:blipFill>
+          <a:blip r:embed="rId4"/>
+          <a:stretch>
+            <a:fillRect/>
+          </a:stretch>
+        </p:blipFill>
+        <p:spPr>
+          <a:xfrm>
+            <a:off x="6095999" y="3300984"/>
+            <a:ext cx="5439535" cy="3334624"/>
+          </a:xfrm>
+          <a:prstGeom prst="rect">
+            <a:avLst/>
+          </a:prstGeom>
+        </p:spPr>
+      </p:pic>
+      <p:sp>
+        <p:nvSpPr>
+          <p:cNvPr id="10" name="TextBox 9">
+            <a:extLst>
+              <a:ext uri="{FF2B5EF4-FFF2-40B4-BE49-F238E27FC236}">
+                <a16:creationId xmlns:a16="http://schemas.microsoft.com/office/drawing/2014/main" id="{970DA549-15C2-54FC-329F-C94061B439AA}"/>
+              </a:ext>
+            </a:extLst>
+          </p:cNvPr>
+          <p:cNvSpPr txBox="1"/>
+          <p:nvPr/>
+        </p:nvSpPr>
+        <p:spPr>
+          <a:xfrm>
+            <a:off x="370332" y="222392"/>
+            <a:ext cx="1549908" cy="523220"/>
+          </a:xfrm>
+          <a:prstGeom prst="rect">
+            <a:avLst/>
+          </a:prstGeom>
+          <a:noFill/>
+        </p:spPr>
+        <p:txBody>
+          <a:bodyPr wrap="square" rtlCol="0">
+            <a:spAutoFit/>
+          </a:bodyPr>
+          <a:lstStyle/>
+          <a:p>
+            <a:r>
+              <a:rPr lang="en-US" sz="2800" b="1" dirty="0">
+                <a:solidFill>
+                  <a:srgbClr val="FF0000"/>
+                </a:solidFill>
+                <a:latin typeface="+mj-lt"/>
+              </a:rPr>
+              <a:t>STEP 1</a:t>
+            </a:r>
+            <a:endParaRPr lang="en-IN" sz="2800" b="1" dirty="0">
+              <a:solidFill>
+                <a:srgbClr val="FF0000"/>
+              </a:solidFill>
+              <a:latin typeface="+mj-lt"/>
+            </a:endParaRPr>
+          </a:p>
+        </p:txBody>
+      </p:sp>
+    </p:spTree>
+    <p:extLst>
+      <p:ext uri="{BB962C8B-B14F-4D97-AF65-F5344CB8AC3E}">
+        <p14:creationId xmlns:p14="http://schemas.microsoft.com/office/powerpoint/2010/main" val="4115317099"/>
+      </p:ext>
+    </p:extLst>
+  </p:cSld>
+  <p:clrMapOvr>
+    <a:masterClrMapping/>
+  </p:clrMapOvr>
+</p:sld>
+</file>
+
+<file path=ppt/slides/slide4.xml><?xml version="1.0" encoding="utf-8"?>
+<p:sld xmlns:a="http://schemas.openxmlformats.org/drawingml/2006/main" xmlns:r="http://schemas.openxmlformats.org/officeDocument/2006/relationships" xmlns:p="http://schemas.openxmlformats.org/presentationml/2006/main">
+  <p:cSld>
+    <p:spTree>
+      <p:nvGrpSpPr>
+        <p:cNvPr id="1" name="">
+          <a:extLst>
+            <a:ext uri="{FF2B5EF4-FFF2-40B4-BE49-F238E27FC236}">
+              <a16:creationId xmlns:a16="http://schemas.microsoft.com/office/drawing/2014/main" id="{E1724C5C-EEA0-2070-DF6B-F736523F2F58}"/>
+            </a:ext>
+          </a:extLst>
+        </p:cNvPr>
+        <p:cNvGrpSpPr/>
+        <p:nvPr/>
+      </p:nvGrpSpPr>
+      <p:grpSpPr>
+        <a:xfrm>
+          <a:off x="0" y="0"/>
+          <a:ext cx="0" cy="0"/>
+          <a:chOff x="0" y="0"/>
+          <a:chExt cx="0" cy="0"/>
+        </a:xfrm>
+      </p:grpSpPr>
+      <p:pic>
+        <p:nvPicPr>
+          <p:cNvPr id="6" name="Picture 5">
+            <a:extLst>
+              <a:ext uri="{FF2B5EF4-FFF2-40B4-BE49-F238E27FC236}">
+                <a16:creationId xmlns:a16="http://schemas.microsoft.com/office/drawing/2014/main" id="{DC467354-9342-CA72-1806-E9F40E820414}"/>
+              </a:ext>
+            </a:extLst>
+          </p:cNvPr>
+          <p:cNvPicPr>
+            <a:picLocks noChangeAspect="1"/>
+          </p:cNvPicPr>
+          <p:nvPr/>
+        </p:nvPicPr>
+        <p:blipFill>
+          <a:blip r:embed="rId3"/>
+          <a:stretch>
+            <a:fillRect/>
+          </a:stretch>
+        </p:blipFill>
+        <p:spPr>
+          <a:xfrm>
+            <a:off x="2862073" y="246888"/>
+            <a:ext cx="5468111" cy="6519672"/>
+          </a:xfrm>
+          <a:prstGeom prst="rect">
+            <a:avLst/>
+          </a:prstGeom>
+        </p:spPr>
+      </p:pic>
+      <p:sp>
+        <p:nvSpPr>
+          <p:cNvPr id="9" name="TextBox 8">
+            <a:extLst>
+              <a:ext uri="{FF2B5EF4-FFF2-40B4-BE49-F238E27FC236}">
+                <a16:creationId xmlns:a16="http://schemas.microsoft.com/office/drawing/2014/main" id="{D7FC12C7-7D7B-6259-C696-973F9C02B397}"/>
+              </a:ext>
+            </a:extLst>
+          </p:cNvPr>
+          <p:cNvSpPr txBox="1"/>
+          <p:nvPr/>
+        </p:nvSpPr>
+        <p:spPr>
+          <a:xfrm>
+            <a:off x="370332" y="222392"/>
+            <a:ext cx="1549908" cy="523220"/>
+          </a:xfrm>
+          <a:prstGeom prst="rect">
+            <a:avLst/>
+          </a:prstGeom>
+          <a:noFill/>
+        </p:spPr>
+        <p:txBody>
+          <a:bodyPr wrap="square" rtlCol="0">
+            <a:spAutoFit/>
+          </a:bodyPr>
+          <a:lstStyle/>
+          <a:p>
+            <a:r>
+              <a:rPr lang="en-US" sz="2800" b="1" dirty="0">
+                <a:solidFill>
+                  <a:srgbClr val="FF0000"/>
+                </a:solidFill>
+                <a:latin typeface="+mj-lt"/>
+              </a:rPr>
+              <a:t>STEP 2</a:t>
+            </a:r>
+            <a:endParaRPr lang="en-IN" sz="2800" b="1" dirty="0">
+              <a:solidFill>
+                <a:srgbClr val="FF0000"/>
+              </a:solidFill>
+              <a:latin typeface="+mj-lt"/>
+            </a:endParaRPr>
+          </a:p>
+        </p:txBody>
+      </p:sp>
+    </p:spTree>
+    <p:extLst>
+      <p:ext uri="{BB962C8B-B14F-4D97-AF65-F5344CB8AC3E}">
+        <p14:creationId xmlns:p14="http://schemas.microsoft.com/office/powerpoint/2010/main" val="2158548415"/>
+      </p:ext>
+    </p:extLst>
+  </p:cSld>
+  <p:clrMapOvr>
+    <a:masterClrMapping/>
+  </p:clrMapOvr>
+</p:sld>
+</file>
+
+<file path=ppt/slides/slide5.xml><?xml version="1.0" encoding="utf-8"?>
+<p:sld xmlns:a="http://schemas.openxmlformats.org/drawingml/2006/main" xmlns:r="http://schemas.openxmlformats.org/officeDocument/2006/relationships" xmlns:p="http://schemas.openxmlformats.org/presentationml/2006/main">
+  <p:cSld>
+    <p:spTree>
+      <p:nvGrpSpPr>
+        <p:cNvPr id="1" name="">
+          <a:extLst>
+            <a:ext uri="{FF2B5EF4-FFF2-40B4-BE49-F238E27FC236}">
+              <a16:creationId xmlns:a16="http://schemas.microsoft.com/office/drawing/2014/main" id="{627EF3B9-16C9-D2F5-4D28-2C7155DC267B}"/>
+            </a:ext>
+          </a:extLst>
+        </p:cNvPr>
+        <p:cNvGrpSpPr/>
+        <p:nvPr/>
+      </p:nvGrpSpPr>
+      <p:grpSpPr>
+        <a:xfrm>
+          <a:off x="0" y="0"/>
+          <a:ext cx="0" cy="0"/>
+          <a:chOff x="0" y="0"/>
+          <a:chExt cx="0" cy="0"/>
+        </a:xfrm>
+      </p:grpSpPr>
+      <p:pic>
+        <p:nvPicPr>
+          <p:cNvPr id="3" name="Picture 2">
+            <a:extLst>
+              <a:ext uri="{FF2B5EF4-FFF2-40B4-BE49-F238E27FC236}">
+                <a16:creationId xmlns:a16="http://schemas.microsoft.com/office/drawing/2014/main" id="{9A1636E8-6C29-750F-3F1A-6CF46398F1D8}"/>
+              </a:ext>
+            </a:extLst>
+          </p:cNvPr>
+          <p:cNvPicPr>
+            <a:picLocks noChangeAspect="1"/>
+          </p:cNvPicPr>
+          <p:nvPr/>
+        </p:nvPicPr>
+        <p:blipFill>
+          <a:blip r:embed="rId2"/>
+          <a:stretch>
+            <a:fillRect/>
+          </a:stretch>
+        </p:blipFill>
+        <p:spPr>
+          <a:xfrm>
+            <a:off x="6756980" y="128016"/>
+            <a:ext cx="5225143" cy="6464808"/>
+          </a:xfrm>
+          <a:prstGeom prst="rect">
+            <a:avLst/>
+          </a:prstGeom>
+        </p:spPr>
+      </p:pic>
+      <p:pic>
+        <p:nvPicPr>
+          <p:cNvPr id="8" name="Picture 7">
+            <a:extLst>
+              <a:ext uri="{FF2B5EF4-FFF2-40B4-BE49-F238E27FC236}">
+                <a16:creationId xmlns:a16="http://schemas.microsoft.com/office/drawing/2014/main" id="{FCC47263-A78F-9890-D54E-6FBFD1738A0E}"/>
+              </a:ext>
+            </a:extLst>
+          </p:cNvPr>
+          <p:cNvPicPr>
+            <a:picLocks noChangeAspect="1"/>
+          </p:cNvPicPr>
+          <p:nvPr/>
+        </p:nvPicPr>
+        <p:blipFill>
+          <a:blip r:embed="rId3"/>
+          <a:stretch>
+            <a:fillRect/>
+          </a:stretch>
+        </p:blipFill>
+        <p:spPr>
+          <a:xfrm>
+            <a:off x="1123128" y="128016"/>
+            <a:ext cx="5089072" cy="6533388"/>
+          </a:xfrm>
+          <a:prstGeom prst="rect">
+            <a:avLst/>
+          </a:prstGeom>
+        </p:spPr>
+      </p:pic>
+      <p:sp>
+        <p:nvSpPr>
+          <p:cNvPr id="5" name="TextBox 4">
+            <a:extLst>
+              <a:ext uri="{FF2B5EF4-FFF2-40B4-BE49-F238E27FC236}">
+                <a16:creationId xmlns:a16="http://schemas.microsoft.com/office/drawing/2014/main" id="{B4B8924F-04EC-EA2F-E89D-EA0EBA8B9749}"/>
+              </a:ext>
+            </a:extLst>
+          </p:cNvPr>
+          <p:cNvSpPr txBox="1"/>
+          <p:nvPr/>
+        </p:nvSpPr>
+        <p:spPr>
+          <a:xfrm>
+            <a:off x="4562" y="0"/>
+            <a:ext cx="1549908" cy="523220"/>
+          </a:xfrm>
+          <a:prstGeom prst="rect">
+            <a:avLst/>
+          </a:prstGeom>
+          <a:noFill/>
+        </p:spPr>
+        <p:txBody>
+          <a:bodyPr wrap="square" rtlCol="0">
+            <a:spAutoFit/>
+          </a:bodyPr>
+          <a:lstStyle/>
+          <a:p>
+            <a:r>
+              <a:rPr lang="en-US" sz="2800" b="1" dirty="0">
+                <a:solidFill>
+                  <a:srgbClr val="FF0000"/>
+                </a:solidFill>
+                <a:latin typeface="+mj-lt"/>
+              </a:rPr>
+              <a:t>STEP 3</a:t>
+            </a:r>
+            <a:endParaRPr lang="en-IN" sz="2800" b="1" dirty="0">
+              <a:solidFill>
+                <a:srgbClr val="FF0000"/>
+              </a:solidFill>
+              <a:latin typeface="+mj-lt"/>
+            </a:endParaRPr>
+          </a:p>
+        </p:txBody>
+      </p:sp>
+    </p:spTree>
+    <p:extLst>
+      <p:ext uri="{BB962C8B-B14F-4D97-AF65-F5344CB8AC3E}">
+        <p14:creationId xmlns:p14="http://schemas.microsoft.com/office/powerpoint/2010/main" val="257858784"/>
+      </p:ext>
+    </p:extLst>
+  </p:cSld>
+  <p:clrMapOvr>
+    <a:masterClrMapping/>
+  </p:clrMapOvr>
+</p:sld>
+</file>
+
+<file path=ppt/slides/slide6.xml><?xml version="1.0" encoding="utf-8"?>
+<p:sld xmlns:a="http://schemas.openxmlformats.org/drawingml/2006/main" xmlns:r="http://schemas.openxmlformats.org/officeDocument/2006/relationships" xmlns:p="http://schemas.openxmlformats.org/presentationml/2006/main">
+  <p:cSld>
+    <p:spTree>
+      <p:nvGrpSpPr>
+        <p:cNvPr id="1" name="">
+          <a:extLst>
+            <a:ext uri="{FF2B5EF4-FFF2-40B4-BE49-F238E27FC236}">
+              <a16:creationId xmlns:a16="http://schemas.microsoft.com/office/drawing/2014/main" id="{B2BE2CF8-25C0-1798-A6C9-40838C82687E}"/>
+            </a:ext>
+          </a:extLst>
+        </p:cNvPr>
+        <p:cNvGrpSpPr/>
+        <p:nvPr/>
+      </p:nvGrpSpPr>
+      <p:grpSpPr>
+        <a:xfrm>
+          <a:off x="0" y="0"/>
+          <a:ext cx="0" cy="0"/>
+          <a:chOff x="0" y="0"/>
+          <a:chExt cx="0" cy="0"/>
+        </a:xfrm>
+      </p:grpSpPr>
+      <p:pic>
+        <p:nvPicPr>
+          <p:cNvPr id="4" name="Picture 3">
+            <a:extLst>
+              <a:ext uri="{FF2B5EF4-FFF2-40B4-BE49-F238E27FC236}">
+                <a16:creationId xmlns:a16="http://schemas.microsoft.com/office/drawing/2014/main" id="{E8FF36F4-808B-505B-E376-C88D9FB33D20}"/>
+              </a:ext>
+            </a:extLst>
+          </p:cNvPr>
+          <p:cNvPicPr>
+            <a:picLocks noChangeAspect="1"/>
+          </p:cNvPicPr>
+          <p:nvPr/>
+        </p:nvPicPr>
+        <p:blipFill>
+          <a:blip r:embed="rId3"/>
+          <a:stretch>
+            <a:fillRect/>
+          </a:stretch>
+        </p:blipFill>
+        <p:spPr>
+          <a:xfrm>
+            <a:off x="116333" y="249459"/>
+            <a:ext cx="5619493" cy="6157913"/>
+          </a:xfrm>
+          <a:prstGeom prst="rect">
+            <a:avLst/>
+          </a:prstGeom>
+        </p:spPr>
+      </p:pic>
+      <p:pic>
+        <p:nvPicPr>
+          <p:cNvPr id="3" name="Picture 2">
+            <a:extLst>
+              <a:ext uri="{FF2B5EF4-FFF2-40B4-BE49-F238E27FC236}">
+                <a16:creationId xmlns:a16="http://schemas.microsoft.com/office/drawing/2014/main" id="{5AA41683-D203-F4F2-F0FB-514E5B183920}"/>
+              </a:ext>
+            </a:extLst>
+          </p:cNvPr>
+          <p:cNvPicPr>
+            <a:picLocks noChangeAspect="1"/>
+          </p:cNvPicPr>
+          <p:nvPr/>
+        </p:nvPicPr>
+        <p:blipFill>
+          <a:blip r:embed="rId4"/>
+          <a:stretch>
+            <a:fillRect/>
+          </a:stretch>
+        </p:blipFill>
+        <p:spPr>
+          <a:xfrm>
+            <a:off x="6656831" y="249458"/>
+            <a:ext cx="5418835" cy="6251925"/>
+          </a:xfrm>
+          <a:prstGeom prst="rect">
+            <a:avLst/>
+          </a:prstGeom>
+        </p:spPr>
+      </p:pic>
+      <p:sp>
+        <p:nvSpPr>
+          <p:cNvPr id="5" name="TextBox 4">
+            <a:extLst>
+              <a:ext uri="{FF2B5EF4-FFF2-40B4-BE49-F238E27FC236}">
+                <a16:creationId xmlns:a16="http://schemas.microsoft.com/office/drawing/2014/main" id="{737B75A6-B213-42F4-2E11-6063B06328F3}"/>
+              </a:ext>
+            </a:extLst>
+          </p:cNvPr>
+          <p:cNvSpPr txBox="1"/>
+          <p:nvPr/>
+        </p:nvSpPr>
+        <p:spPr>
+          <a:xfrm>
+            <a:off x="2151125" y="100584"/>
+            <a:ext cx="1549908" cy="523220"/>
+          </a:xfrm>
+          <a:prstGeom prst="rect">
+            <a:avLst/>
+          </a:prstGeom>
+          <a:noFill/>
+        </p:spPr>
+        <p:txBody>
+          <a:bodyPr wrap="square" rtlCol="0">
+            <a:spAutoFit/>
+          </a:bodyPr>
+          <a:lstStyle/>
+          <a:p>
+            <a:r>
+              <a:rPr lang="en-US" sz="2800" b="1" dirty="0">
+                <a:solidFill>
+                  <a:srgbClr val="FF0000"/>
+                </a:solidFill>
+                <a:latin typeface="+mj-lt"/>
+              </a:rPr>
+              <a:t>STEP 4</a:t>
+            </a:r>
+            <a:endParaRPr lang="en-IN" sz="2800" b="1" dirty="0">
+              <a:solidFill>
+                <a:srgbClr val="FF0000"/>
+              </a:solidFill>
+              <a:latin typeface="+mj-lt"/>
+            </a:endParaRPr>
+          </a:p>
+        </p:txBody>
+      </p:sp>
+    </p:spTree>
+    <p:extLst>
+      <p:ext uri="{BB962C8B-B14F-4D97-AF65-F5344CB8AC3E}">
+        <p14:creationId xmlns:p14="http://schemas.microsoft.com/office/powerpoint/2010/main" val="2345152359"/>
+      </p:ext>
+    </p:extLst>
+  </p:cSld>
+  <p:clrMapOvr>
+    <a:masterClrMapping/>
+  </p:clrMapOvr>
+</p:sld>
+</file>
+
+<file path=ppt/slides/slide7.xml><?xml version="1.0" encoding="utf-8"?>
+<p:sld xmlns:a="http://schemas.openxmlformats.org/drawingml/2006/main" xmlns:r="http://schemas.openxmlformats.org/officeDocument/2006/relationships" xmlns:p="http://schemas.openxmlformats.org/presentationml/2006/main">
+  <p:cSld>
+    <p:spTree>
+      <p:nvGrpSpPr>
+        <p:cNvPr id="1" name="">
+          <a:extLst>
+            <a:ext uri="{FF2B5EF4-FFF2-40B4-BE49-F238E27FC236}">
+              <a16:creationId xmlns:a16="http://schemas.microsoft.com/office/drawing/2014/main" id="{5A029ECF-81D5-0ACB-249B-0CD0984D608D}"/>
+            </a:ext>
+          </a:extLst>
+        </p:cNvPr>
+        <p:cNvGrpSpPr/>
+        <p:nvPr/>
+      </p:nvGrpSpPr>
+      <p:grpSpPr>
+        <a:xfrm>
+          <a:off x="0" y="0"/>
+          <a:ext cx="0" cy="0"/>
+          <a:chOff x="0" y="0"/>
+          <a:chExt cx="0" cy="0"/>
+        </a:xfrm>
+      </p:grpSpPr>
+      <p:pic>
+        <p:nvPicPr>
+          <p:cNvPr id="3" name="Picture 2">
+            <a:extLst>
+              <a:ext uri="{FF2B5EF4-FFF2-40B4-BE49-F238E27FC236}">
+                <a16:creationId xmlns:a16="http://schemas.microsoft.com/office/drawing/2014/main" id="{06058DEB-CA2A-1F37-40FA-ACB6638449B0}"/>
+              </a:ext>
+            </a:extLst>
+          </p:cNvPr>
+          <p:cNvPicPr>
+            <a:picLocks noChangeAspect="1"/>
+          </p:cNvPicPr>
+          <p:nvPr/>
+        </p:nvPicPr>
+        <p:blipFill>
+          <a:blip r:embed="rId3"/>
+          <a:stretch>
+            <a:fillRect/>
+          </a:stretch>
+        </p:blipFill>
+        <p:spPr>
+          <a:xfrm>
+            <a:off x="370034" y="128016"/>
+            <a:ext cx="5947243" cy="6455664"/>
+          </a:xfrm>
+          <a:prstGeom prst="rect">
+            <a:avLst/>
+          </a:prstGeom>
+        </p:spPr>
+      </p:pic>
+      <p:pic>
+        <p:nvPicPr>
+          <p:cNvPr id="5" name="Picture 4">
+            <a:extLst>
+              <a:ext uri="{FF2B5EF4-FFF2-40B4-BE49-F238E27FC236}">
+                <a16:creationId xmlns:a16="http://schemas.microsoft.com/office/drawing/2014/main" id="{92D1E82D-54CA-8537-624B-8E0FFDB6948D}"/>
+              </a:ext>
+            </a:extLst>
+          </p:cNvPr>
+          <p:cNvPicPr>
+            <a:picLocks noChangeAspect="1"/>
+          </p:cNvPicPr>
+          <p:nvPr/>
+        </p:nvPicPr>
+        <p:blipFill>
+          <a:blip r:embed="rId4"/>
+          <a:stretch>
+            <a:fillRect/>
+          </a:stretch>
+        </p:blipFill>
+        <p:spPr>
+          <a:xfrm>
+            <a:off x="6446519" y="146304"/>
+            <a:ext cx="5572215" cy="6446520"/>
+          </a:xfrm>
+          <a:prstGeom prst="rect">
+            <a:avLst/>
+          </a:prstGeom>
+        </p:spPr>
+      </p:pic>
+    </p:spTree>
+    <p:extLst>
+      <p:ext uri="{BB962C8B-B14F-4D97-AF65-F5344CB8AC3E}">
+        <p14:creationId xmlns:p14="http://schemas.microsoft.com/office/powerpoint/2010/main" val="3025780564"/>
+      </p:ext>
+    </p:extLst>
+  </p:cSld>
+  <p:clrMapOvr>
+    <a:masterClrMapping/>
+  </p:clrMapOvr>
+</p:sld>
+</file>
+
+<file path=ppt/slides/slide8.xml><?xml version="1.0" encoding="utf-8"?>
+<p:sld xmlns:a="http://schemas.openxmlformats.org/drawingml/2006/main" xmlns:r="http://schemas.openxmlformats.org/officeDocument/2006/relationships" xmlns:p="http://schemas.openxmlformats.org/presentationml/2006/main">
+  <p:cSld>
+    <p:spTree>
+      <p:nvGrpSpPr>
+        <p:cNvPr id="1" name="">
+          <a:extLst>
+            <a:ext uri="{FF2B5EF4-FFF2-40B4-BE49-F238E27FC236}">
+              <a16:creationId xmlns:a16="http://schemas.microsoft.com/office/drawing/2014/main" id="{3055268B-232A-F29A-E57C-DCA08FBEF574}"/>
+            </a:ext>
+          </a:extLst>
+        </p:cNvPr>
+        <p:cNvGrpSpPr/>
+        <p:nvPr/>
+      </p:nvGrpSpPr>
+      <p:grpSpPr>
+        <a:xfrm>
+          <a:off x="0" y="0"/>
+          <a:ext cx="0" cy="0"/>
+          <a:chOff x="0" y="0"/>
+          <a:chExt cx="0" cy="0"/>
+        </a:xfrm>
+      </p:grpSpPr>
+      <p:pic>
+        <p:nvPicPr>
+          <p:cNvPr id="3" name="Picture 2">
+            <a:extLst>
+              <a:ext uri="{FF2B5EF4-FFF2-40B4-BE49-F238E27FC236}">
+                <a16:creationId xmlns:a16="http://schemas.microsoft.com/office/drawing/2014/main" id="{8D818AAF-B8E8-1398-22B3-182CFA865F66}"/>
+              </a:ext>
+            </a:extLst>
+          </p:cNvPr>
+          <p:cNvPicPr>
+            <a:picLocks noChangeAspect="1"/>
+          </p:cNvPicPr>
+          <p:nvPr/>
+        </p:nvPicPr>
+        <p:blipFill>
+          <a:blip r:embed="rId2"/>
+          <a:stretch>
+            <a:fillRect/>
+          </a:stretch>
+        </p:blipFill>
+        <p:spPr>
+          <a:xfrm>
+            <a:off x="1027985" y="176212"/>
+            <a:ext cx="5393724" cy="6505575"/>
+          </a:xfrm>
+          <a:prstGeom prst="rect">
+            <a:avLst/>
+          </a:prstGeom>
+        </p:spPr>
+      </p:pic>
+      <p:sp>
+        <p:nvSpPr>
+          <p:cNvPr id="6" name="TextBox 5">
+            <a:extLst>
+              <a:ext uri="{FF2B5EF4-FFF2-40B4-BE49-F238E27FC236}">
+                <a16:creationId xmlns:a16="http://schemas.microsoft.com/office/drawing/2014/main" id="{BA6648CD-5A2A-7565-E74C-98D4C89EFFA5}"/>
+              </a:ext>
+            </a:extLst>
+          </p:cNvPr>
+          <p:cNvSpPr txBox="1"/>
+          <p:nvPr/>
+        </p:nvSpPr>
+        <p:spPr>
+          <a:xfrm>
+            <a:off x="0" y="176212"/>
+            <a:ext cx="1549908" cy="523220"/>
+          </a:xfrm>
+          <a:prstGeom prst="rect">
+            <a:avLst/>
+          </a:prstGeom>
+          <a:noFill/>
+        </p:spPr>
+        <p:txBody>
+          <a:bodyPr wrap="square" rtlCol="0">
+            <a:spAutoFit/>
+          </a:bodyPr>
+          <a:lstStyle/>
+          <a:p>
+            <a:r>
+              <a:rPr lang="en-US" sz="2800" b="1" dirty="0">
+                <a:solidFill>
+                  <a:srgbClr val="FF0000"/>
+                </a:solidFill>
+                <a:latin typeface="+mj-lt"/>
+              </a:rPr>
+              <a:t>STEP 5</a:t>
+            </a:r>
+            <a:endParaRPr lang="en-IN" sz="2800" b="1" dirty="0">
+              <a:solidFill>
+                <a:srgbClr val="FF0000"/>
+              </a:solidFill>
+              <a:latin typeface="+mj-lt"/>
+            </a:endParaRPr>
+          </a:p>
+        </p:txBody>
+      </p:sp>
+      <p:sp>
+        <p:nvSpPr>
+          <p:cNvPr id="7" name="TextBox 6">
+            <a:extLst>
+              <a:ext uri="{FF2B5EF4-FFF2-40B4-BE49-F238E27FC236}">
+                <a16:creationId xmlns:a16="http://schemas.microsoft.com/office/drawing/2014/main" id="{3E7E07EC-2177-DEC6-C8FB-C716D5F95219}"/>
+              </a:ext>
+            </a:extLst>
+          </p:cNvPr>
+          <p:cNvSpPr txBox="1"/>
+          <p:nvPr/>
+        </p:nvSpPr>
+        <p:spPr>
+          <a:xfrm>
+            <a:off x="6659429" y="45407"/>
+            <a:ext cx="1549908" cy="523220"/>
+          </a:xfrm>
+          <a:prstGeom prst="rect">
+            <a:avLst/>
+          </a:prstGeom>
+          <a:noFill/>
+        </p:spPr>
+        <p:txBody>
+          <a:bodyPr wrap="square" rtlCol="0">
+            <a:spAutoFit/>
+          </a:bodyPr>
+          <a:lstStyle/>
+          <a:p>
+            <a:r>
+              <a:rPr lang="en-US" sz="2800" b="1" dirty="0">
+                <a:solidFill>
+                  <a:srgbClr val="FF0000"/>
+                </a:solidFill>
+                <a:latin typeface="+mj-lt"/>
+              </a:rPr>
+              <a:t>STEP 6</a:t>
+            </a:r>
+            <a:endParaRPr lang="en-IN" sz="2800" b="1" dirty="0">
+              <a:solidFill>
+                <a:srgbClr val="FF0000"/>
+              </a:solidFill>
+              <a:latin typeface="+mj-lt"/>
+            </a:endParaRPr>
+          </a:p>
+        </p:txBody>
+      </p:sp>
+      <p:pic>
+        <p:nvPicPr>
+          <p:cNvPr id="11" name="Picture 10">
+            <a:extLst>
+              <a:ext uri="{FF2B5EF4-FFF2-40B4-BE49-F238E27FC236}">
+                <a16:creationId xmlns:a16="http://schemas.microsoft.com/office/drawing/2014/main" id="{F5F8D61E-46B6-FB3E-CD19-62740C6ED525}"/>
+              </a:ext>
+            </a:extLst>
+          </p:cNvPr>
+          <p:cNvPicPr>
+            <a:picLocks noChangeAspect="1"/>
+          </p:cNvPicPr>
+          <p:nvPr/>
+        </p:nvPicPr>
+        <p:blipFill>
+          <a:blip r:embed="rId3"/>
+          <a:stretch>
+            <a:fillRect/>
+          </a:stretch>
+        </p:blipFill>
+        <p:spPr>
+          <a:xfrm>
+            <a:off x="6520872" y="568627"/>
+            <a:ext cx="5487964" cy="5617796"/>
+          </a:xfrm>
+          <a:prstGeom prst="rect">
+            <a:avLst/>
+          </a:prstGeom>
+        </p:spPr>
+      </p:pic>
+    </p:spTree>
+    <p:extLst>
+      <p:ext uri="{BB962C8B-B14F-4D97-AF65-F5344CB8AC3E}">
+        <p14:creationId xmlns:p14="http://schemas.microsoft.com/office/powerpoint/2010/main" val="1094849842"/>
+      </p:ext>
+    </p:extLst>
+  </p:cSld>
+  <p:clrMapOvr>
+    <a:masterClrMapping/>
+  </p:clrMapOvr>
+</p:sld>
+</file>
+
+<file path=ppt/slides/slide9.xml><?xml version="1.0" encoding="utf-8"?>
 <p:sld xmlns:a="http://schemas.openxmlformats.org/drawingml/2006/main" xmlns:r="http://schemas.openxmlformats.org/officeDocument/2006/relationships" xmlns:p="http://schemas.openxmlformats.org/presentationml/2006/main">
   <p:cSld>
     <p:spTree>
@@ -5033,468 +8340,6 @@
     <p:extLst>
       <p:ext uri="{BB962C8B-B14F-4D97-AF65-F5344CB8AC3E}">
         <p14:creationId xmlns:p14="http://schemas.microsoft.com/office/powerpoint/2010/main" val="1117631229"/>
-      </p:ext>
-    </p:extLst>
-  </p:cSld>
-  <p:clrMapOvr>
-    <a:masterClrMapping/>
-  </p:clrMapOvr>
-</p:sld>
-</file>
-
-<file path=ppt/slides/slide3.xml><?xml version="1.0" encoding="utf-8"?>
-<p:sld xmlns:a="http://schemas.openxmlformats.org/drawingml/2006/main" xmlns:r="http://schemas.openxmlformats.org/officeDocument/2006/relationships" xmlns:p="http://schemas.openxmlformats.org/presentationml/2006/main">
-  <p:cSld>
-    <p:spTree>
-      <p:nvGrpSpPr>
-        <p:cNvPr id="1" name="">
-          <a:extLst>
-            <a:ext uri="{FF2B5EF4-FFF2-40B4-BE49-F238E27FC236}">
-              <a16:creationId xmlns:a16="http://schemas.microsoft.com/office/drawing/2014/main" id="{C1371738-7FBF-8D5A-3D20-3BCFF009025D}"/>
-            </a:ext>
-          </a:extLst>
-        </p:cNvPr>
-        <p:cNvGrpSpPr/>
-        <p:nvPr/>
-      </p:nvGrpSpPr>
-      <p:grpSpPr>
-        <a:xfrm>
-          <a:off x="0" y="0"/>
-          <a:ext cx="0" cy="0"/>
-          <a:chOff x="0" y="0"/>
-          <a:chExt cx="0" cy="0"/>
-        </a:xfrm>
-      </p:grpSpPr>
-      <p:pic>
-        <p:nvPicPr>
-          <p:cNvPr id="5" name="Picture 4">
-            <a:extLst>
-              <a:ext uri="{FF2B5EF4-FFF2-40B4-BE49-F238E27FC236}">
-                <a16:creationId xmlns:a16="http://schemas.microsoft.com/office/drawing/2014/main" id="{C4B3304C-576C-9E10-4F56-F69BF59D6821}"/>
-              </a:ext>
-            </a:extLst>
-          </p:cNvPr>
-          <p:cNvPicPr>
-            <a:picLocks noChangeAspect="1"/>
-          </p:cNvPicPr>
-          <p:nvPr/>
-        </p:nvPicPr>
-        <p:blipFill>
-          <a:blip r:embed="rId2"/>
-          <a:stretch>
-            <a:fillRect/>
-          </a:stretch>
-        </p:blipFill>
-        <p:spPr>
-          <a:xfrm>
-            <a:off x="200024" y="193945"/>
-            <a:ext cx="11572875" cy="5630783"/>
-          </a:xfrm>
-          <a:prstGeom prst="rect">
-            <a:avLst/>
-          </a:prstGeom>
-        </p:spPr>
-      </p:pic>
-    </p:spTree>
-    <p:extLst>
-      <p:ext uri="{BB962C8B-B14F-4D97-AF65-F5344CB8AC3E}">
-        <p14:creationId xmlns:p14="http://schemas.microsoft.com/office/powerpoint/2010/main" val="344313437"/>
-      </p:ext>
-    </p:extLst>
-  </p:cSld>
-  <p:clrMapOvr>
-    <a:masterClrMapping/>
-  </p:clrMapOvr>
-</p:sld>
-</file>
-
-<file path=ppt/slides/slide4.xml><?xml version="1.0" encoding="utf-8"?>
-<p:sld xmlns:a="http://schemas.openxmlformats.org/drawingml/2006/main" xmlns:r="http://schemas.openxmlformats.org/officeDocument/2006/relationships" xmlns:p="http://schemas.openxmlformats.org/presentationml/2006/main">
-  <p:cSld>
-    <p:spTree>
-      <p:nvGrpSpPr>
-        <p:cNvPr id="1" name="">
-          <a:extLst>
-            <a:ext uri="{FF2B5EF4-FFF2-40B4-BE49-F238E27FC236}">
-              <a16:creationId xmlns:a16="http://schemas.microsoft.com/office/drawing/2014/main" id="{BB030F93-D240-C146-4D6A-D066931EBAE0}"/>
-            </a:ext>
-          </a:extLst>
-        </p:cNvPr>
-        <p:cNvGrpSpPr/>
-        <p:nvPr/>
-      </p:nvGrpSpPr>
-      <p:grpSpPr>
-        <a:xfrm>
-          <a:off x="0" y="0"/>
-          <a:ext cx="0" cy="0"/>
-          <a:chOff x="0" y="0"/>
-          <a:chExt cx="0" cy="0"/>
-        </a:xfrm>
-      </p:grpSpPr>
-      <p:pic>
-        <p:nvPicPr>
-          <p:cNvPr id="7" name="Picture 6">
-            <a:extLst>
-              <a:ext uri="{FF2B5EF4-FFF2-40B4-BE49-F238E27FC236}">
-                <a16:creationId xmlns:a16="http://schemas.microsoft.com/office/drawing/2014/main" id="{5139FFE1-839E-E579-0427-4FE18FFC33FB}"/>
-              </a:ext>
-            </a:extLst>
-          </p:cNvPr>
-          <p:cNvPicPr>
-            <a:picLocks noChangeAspect="1"/>
-          </p:cNvPicPr>
-          <p:nvPr/>
-        </p:nvPicPr>
-        <p:blipFill>
-          <a:blip r:embed="rId2"/>
-          <a:stretch>
-            <a:fillRect/>
-          </a:stretch>
-        </p:blipFill>
-        <p:spPr>
-          <a:xfrm>
-            <a:off x="389856" y="321770"/>
-            <a:ext cx="10683528" cy="5932726"/>
-          </a:xfrm>
-          <a:prstGeom prst="rect">
-            <a:avLst/>
-          </a:prstGeom>
-        </p:spPr>
-      </p:pic>
-    </p:spTree>
-    <p:extLst>
-      <p:ext uri="{BB962C8B-B14F-4D97-AF65-F5344CB8AC3E}">
-        <p14:creationId xmlns:p14="http://schemas.microsoft.com/office/powerpoint/2010/main" val="2225940681"/>
-      </p:ext>
-    </p:extLst>
-  </p:cSld>
-  <p:clrMapOvr>
-    <a:masterClrMapping/>
-  </p:clrMapOvr>
-</p:sld>
-</file>
-
-<file path=ppt/slides/slide5.xml><?xml version="1.0" encoding="utf-8"?>
-<p:sld xmlns:a="http://schemas.openxmlformats.org/drawingml/2006/main" xmlns:r="http://schemas.openxmlformats.org/officeDocument/2006/relationships" xmlns:p="http://schemas.openxmlformats.org/presentationml/2006/main">
-  <p:cSld>
-    <p:spTree>
-      <p:nvGrpSpPr>
-        <p:cNvPr id="1" name="">
-          <a:extLst>
-            <a:ext uri="{FF2B5EF4-FFF2-40B4-BE49-F238E27FC236}">
-              <a16:creationId xmlns:a16="http://schemas.microsoft.com/office/drawing/2014/main" id="{7723C752-1E11-F1B4-727C-2873CE3BC4E8}"/>
-            </a:ext>
-          </a:extLst>
-        </p:cNvPr>
-        <p:cNvGrpSpPr/>
-        <p:nvPr/>
-      </p:nvGrpSpPr>
-      <p:grpSpPr>
-        <a:xfrm>
-          <a:off x="0" y="0"/>
-          <a:ext cx="0" cy="0"/>
-          <a:chOff x="0" y="0"/>
-          <a:chExt cx="0" cy="0"/>
-        </a:xfrm>
-      </p:grpSpPr>
-      <p:pic>
-        <p:nvPicPr>
-          <p:cNvPr id="3" name="Picture 2">
-            <a:extLst>
-              <a:ext uri="{FF2B5EF4-FFF2-40B4-BE49-F238E27FC236}">
-                <a16:creationId xmlns:a16="http://schemas.microsoft.com/office/drawing/2014/main" id="{8415F6DD-1351-3597-0614-F02AD6966678}"/>
-              </a:ext>
-            </a:extLst>
-          </p:cNvPr>
-          <p:cNvPicPr>
-            <a:picLocks noChangeAspect="1"/>
-          </p:cNvPicPr>
-          <p:nvPr/>
-        </p:nvPicPr>
-        <p:blipFill>
-          <a:blip r:embed="rId2"/>
-          <a:stretch>
-            <a:fillRect/>
-          </a:stretch>
-        </p:blipFill>
-        <p:spPr>
-          <a:xfrm>
-            <a:off x="827355" y="85258"/>
-            <a:ext cx="10717121" cy="6687483"/>
-          </a:xfrm>
-          <a:prstGeom prst="rect">
-            <a:avLst/>
-          </a:prstGeom>
-        </p:spPr>
-      </p:pic>
-    </p:spTree>
-    <p:extLst>
-      <p:ext uri="{BB962C8B-B14F-4D97-AF65-F5344CB8AC3E}">
-        <p14:creationId xmlns:p14="http://schemas.microsoft.com/office/powerpoint/2010/main" val="2923947198"/>
-      </p:ext>
-    </p:extLst>
-  </p:cSld>
-  <p:clrMapOvr>
-    <a:masterClrMapping/>
-  </p:clrMapOvr>
-</p:sld>
-</file>
-
-<file path=ppt/slides/slide6.xml><?xml version="1.0" encoding="utf-8"?>
-<p:sld xmlns:a="http://schemas.openxmlformats.org/drawingml/2006/main" xmlns:r="http://schemas.openxmlformats.org/officeDocument/2006/relationships" xmlns:p="http://schemas.openxmlformats.org/presentationml/2006/main">
-  <p:cSld>
-    <p:spTree>
-      <p:nvGrpSpPr>
-        <p:cNvPr id="1" name="">
-          <a:extLst>
-            <a:ext uri="{FF2B5EF4-FFF2-40B4-BE49-F238E27FC236}">
-              <a16:creationId xmlns:a16="http://schemas.microsoft.com/office/drawing/2014/main" id="{2B0DB659-CE95-B96C-B23E-E8BE43027444}"/>
-            </a:ext>
-          </a:extLst>
-        </p:cNvPr>
-        <p:cNvGrpSpPr/>
-        <p:nvPr/>
-      </p:nvGrpSpPr>
-      <p:grpSpPr>
-        <a:xfrm>
-          <a:off x="0" y="0"/>
-          <a:ext cx="0" cy="0"/>
-          <a:chOff x="0" y="0"/>
-          <a:chExt cx="0" cy="0"/>
-        </a:xfrm>
-      </p:grpSpPr>
-      <p:pic>
-        <p:nvPicPr>
-          <p:cNvPr id="3" name="Picture 2">
-            <a:extLst>
-              <a:ext uri="{FF2B5EF4-FFF2-40B4-BE49-F238E27FC236}">
-                <a16:creationId xmlns:a16="http://schemas.microsoft.com/office/drawing/2014/main" id="{CFEEE737-37F6-AE4A-6090-7E0E3F42E4AA}"/>
-              </a:ext>
-            </a:extLst>
-          </p:cNvPr>
-          <p:cNvPicPr>
-            <a:picLocks noChangeAspect="1"/>
-          </p:cNvPicPr>
-          <p:nvPr/>
-        </p:nvPicPr>
-        <p:blipFill>
-          <a:blip r:embed="rId2"/>
-          <a:stretch>
-            <a:fillRect/>
-          </a:stretch>
-        </p:blipFill>
-        <p:spPr>
-          <a:xfrm>
-            <a:off x="399288" y="152835"/>
-            <a:ext cx="11393424" cy="5564778"/>
-          </a:xfrm>
-          <a:prstGeom prst="rect">
-            <a:avLst/>
-          </a:prstGeom>
-        </p:spPr>
-      </p:pic>
-    </p:spTree>
-    <p:extLst>
-      <p:ext uri="{BB962C8B-B14F-4D97-AF65-F5344CB8AC3E}">
-        <p14:creationId xmlns:p14="http://schemas.microsoft.com/office/powerpoint/2010/main" val="2251456162"/>
-      </p:ext>
-    </p:extLst>
-  </p:cSld>
-  <p:clrMapOvr>
-    <a:masterClrMapping/>
-  </p:clrMapOvr>
-</p:sld>
-</file>
-
-<file path=ppt/slides/slide7.xml><?xml version="1.0" encoding="utf-8"?>
-<p:sld xmlns:a="http://schemas.openxmlformats.org/drawingml/2006/main" xmlns:r="http://schemas.openxmlformats.org/officeDocument/2006/relationships" xmlns:p="http://schemas.openxmlformats.org/presentationml/2006/main">
-  <p:cSld>
-    <p:spTree>
-      <p:nvGrpSpPr>
-        <p:cNvPr id="1" name="">
-          <a:extLst>
-            <a:ext uri="{FF2B5EF4-FFF2-40B4-BE49-F238E27FC236}">
-              <a16:creationId xmlns:a16="http://schemas.microsoft.com/office/drawing/2014/main" id="{725BDD85-F3D7-662A-E7C0-BB09D0936B0F}"/>
-            </a:ext>
-          </a:extLst>
-        </p:cNvPr>
-        <p:cNvGrpSpPr/>
-        <p:nvPr/>
-      </p:nvGrpSpPr>
-      <p:grpSpPr>
-        <a:xfrm>
-          <a:off x="0" y="0"/>
-          <a:ext cx="0" cy="0"/>
-          <a:chOff x="0" y="0"/>
-          <a:chExt cx="0" cy="0"/>
-        </a:xfrm>
-      </p:grpSpPr>
-      <p:pic>
-        <p:nvPicPr>
-          <p:cNvPr id="5" name="Picture 4">
-            <a:extLst>
-              <a:ext uri="{FF2B5EF4-FFF2-40B4-BE49-F238E27FC236}">
-                <a16:creationId xmlns:a16="http://schemas.microsoft.com/office/drawing/2014/main" id="{9407EC94-EDE5-D7CD-D92C-836B4CADDC28}"/>
-              </a:ext>
-            </a:extLst>
-          </p:cNvPr>
-          <p:cNvPicPr>
-            <a:picLocks noChangeAspect="1"/>
-          </p:cNvPicPr>
-          <p:nvPr/>
-        </p:nvPicPr>
-        <p:blipFill>
-          <a:blip r:embed="rId2"/>
-          <a:stretch>
-            <a:fillRect/>
-          </a:stretch>
-        </p:blipFill>
-        <p:spPr>
-          <a:xfrm>
-            <a:off x="284988" y="242996"/>
-            <a:ext cx="11622024" cy="6221811"/>
-          </a:xfrm>
-          <a:prstGeom prst="rect">
-            <a:avLst/>
-          </a:prstGeom>
-        </p:spPr>
-      </p:pic>
-    </p:spTree>
-    <p:extLst>
-      <p:ext uri="{BB962C8B-B14F-4D97-AF65-F5344CB8AC3E}">
-        <p14:creationId xmlns:p14="http://schemas.microsoft.com/office/powerpoint/2010/main" val="1013028364"/>
-      </p:ext>
-    </p:extLst>
-  </p:cSld>
-  <p:clrMapOvr>
-    <a:masterClrMapping/>
-  </p:clrMapOvr>
-</p:sld>
-</file>
-
-<file path=ppt/slides/slide8.xml><?xml version="1.0" encoding="utf-8"?>
-<p:sld xmlns:a="http://schemas.openxmlformats.org/drawingml/2006/main" xmlns:r="http://schemas.openxmlformats.org/officeDocument/2006/relationships" xmlns:p="http://schemas.openxmlformats.org/presentationml/2006/main">
-  <p:cSld>
-    <p:spTree>
-      <p:nvGrpSpPr>
-        <p:cNvPr id="1" name="">
-          <a:extLst>
-            <a:ext uri="{FF2B5EF4-FFF2-40B4-BE49-F238E27FC236}">
-              <a16:creationId xmlns:a16="http://schemas.microsoft.com/office/drawing/2014/main" id="{ABDBCE24-DAB2-906A-FB97-E6EBFABD2535}"/>
-            </a:ext>
-          </a:extLst>
-        </p:cNvPr>
-        <p:cNvGrpSpPr/>
-        <p:nvPr/>
-      </p:nvGrpSpPr>
-      <p:grpSpPr>
-        <a:xfrm>
-          <a:off x="0" y="0"/>
-          <a:ext cx="0" cy="0"/>
-          <a:chOff x="0" y="0"/>
-          <a:chExt cx="0" cy="0"/>
-        </a:xfrm>
-      </p:grpSpPr>
-      <p:pic>
-        <p:nvPicPr>
-          <p:cNvPr id="3" name="Picture 2">
-            <a:extLst>
-              <a:ext uri="{FF2B5EF4-FFF2-40B4-BE49-F238E27FC236}">
-                <a16:creationId xmlns:a16="http://schemas.microsoft.com/office/drawing/2014/main" id="{BA5745F8-80A5-7271-6862-3FEB80FDFDEA}"/>
-              </a:ext>
-            </a:extLst>
-          </p:cNvPr>
-          <p:cNvPicPr>
-            <a:picLocks noChangeAspect="1"/>
-          </p:cNvPicPr>
-          <p:nvPr/>
-        </p:nvPicPr>
-        <p:blipFill>
-          <a:blip r:embed="rId2"/>
-          <a:stretch>
-            <a:fillRect/>
-          </a:stretch>
-        </p:blipFill>
-        <p:spPr>
-          <a:xfrm>
-            <a:off x="824753" y="180594"/>
-            <a:ext cx="10542494" cy="6496812"/>
-          </a:xfrm>
-          <a:prstGeom prst="rect">
-            <a:avLst/>
-          </a:prstGeom>
-        </p:spPr>
-      </p:pic>
-    </p:spTree>
-    <p:extLst>
-      <p:ext uri="{BB962C8B-B14F-4D97-AF65-F5344CB8AC3E}">
-        <p14:creationId xmlns:p14="http://schemas.microsoft.com/office/powerpoint/2010/main" val="316350334"/>
-      </p:ext>
-    </p:extLst>
-  </p:cSld>
-  <p:clrMapOvr>
-    <a:masterClrMapping/>
-  </p:clrMapOvr>
-</p:sld>
-</file>
-
-<file path=ppt/slides/slide9.xml><?xml version="1.0" encoding="utf-8"?>
-<p:sld xmlns:a="http://schemas.openxmlformats.org/drawingml/2006/main" xmlns:r="http://schemas.openxmlformats.org/officeDocument/2006/relationships" xmlns:p="http://schemas.openxmlformats.org/presentationml/2006/main">
-  <p:cSld>
-    <p:spTree>
-      <p:nvGrpSpPr>
-        <p:cNvPr id="1" name="">
-          <a:extLst>
-            <a:ext uri="{FF2B5EF4-FFF2-40B4-BE49-F238E27FC236}">
-              <a16:creationId xmlns:a16="http://schemas.microsoft.com/office/drawing/2014/main" id="{18CED982-079F-233D-604E-CB30BFAA75D9}"/>
-            </a:ext>
-          </a:extLst>
-        </p:cNvPr>
-        <p:cNvGrpSpPr/>
-        <p:nvPr/>
-      </p:nvGrpSpPr>
-      <p:grpSpPr>
-        <a:xfrm>
-          <a:off x="0" y="0"/>
-          <a:ext cx="0" cy="0"/>
-          <a:chOff x="0" y="0"/>
-          <a:chExt cx="0" cy="0"/>
-        </a:xfrm>
-      </p:grpSpPr>
-      <p:pic>
-        <p:nvPicPr>
-          <p:cNvPr id="3" name="Picture 2">
-            <a:extLst>
-              <a:ext uri="{FF2B5EF4-FFF2-40B4-BE49-F238E27FC236}">
-                <a16:creationId xmlns:a16="http://schemas.microsoft.com/office/drawing/2014/main" id="{E93343B1-C190-0A89-4B02-734885F816A9}"/>
-              </a:ext>
-            </a:extLst>
-          </p:cNvPr>
-          <p:cNvPicPr>
-            <a:picLocks noChangeAspect="1"/>
-          </p:cNvPicPr>
-          <p:nvPr/>
-        </p:nvPicPr>
-        <p:blipFill>
-          <a:blip r:embed="rId2"/>
-          <a:stretch>
-            <a:fillRect/>
-          </a:stretch>
-        </p:blipFill>
-        <p:spPr>
-          <a:xfrm>
-            <a:off x="309562" y="177084"/>
-            <a:ext cx="11572876" cy="6480891"/>
-          </a:xfrm>
-          <a:prstGeom prst="rect">
-            <a:avLst/>
-          </a:prstGeom>
-        </p:spPr>
-      </p:pic>
-    </p:spTree>
-    <p:extLst>
-      <p:ext uri="{BB962C8B-B14F-4D97-AF65-F5344CB8AC3E}">
-        <p14:creationId xmlns:p14="http://schemas.microsoft.com/office/powerpoint/2010/main" val="331167303"/>
       </p:ext>
     </p:extLst>
   </p:cSld>
